--- a/Beadandó SK.pptx
+++ b/Beadandó SK.pptx
@@ -2985,8 +2985,8 @@
         </p:nvSpPr>
         <p:spPr>
           <a:xfrm>
-            <a:off x="1587500" y="1498601"/>
-            <a:ext cx="8470900" cy="711199"/>
+            <a:off x="2362200" y="2451101"/>
+            <a:ext cx="7277100" cy="711199"/>
           </a:xfrm>
         </p:spPr>
         <p:txBody>
@@ -2996,10 +2996,14 @@
           <a:lstStyle/>
           <a:p>
             <a:r>
-              <a:rPr lang="hu-HU" dirty="0" smtClean="0"/>
-              <a:t>*Téma címe*</a:t>
-            </a:r>
-            <a:endParaRPr lang="hu-HU" dirty="0"/>
+              <a:rPr lang="hu-HU" dirty="0" smtClean="0">
+                <a:latin typeface="Century Schoolbook" panose="02040604050505020304" pitchFamily="18" charset="0"/>
+              </a:rPr>
+              <a:t>Számítógépes vírusok</a:t>
+            </a:r>
+            <a:endParaRPr lang="hu-HU" dirty="0">
+              <a:latin typeface="Century Schoolbook" panose="02040604050505020304" pitchFamily="18" charset="0"/>
+            </a:endParaRPr>
           </a:p>
         </p:txBody>
       </p:sp>
@@ -3015,21 +3019,25 @@
         </p:nvSpPr>
         <p:spPr>
           <a:xfrm>
-            <a:off x="0" y="6459538"/>
-            <a:ext cx="3479800" cy="398462"/>
+            <a:off x="3613150" y="3517900"/>
+            <a:ext cx="4775200" cy="939800"/>
           </a:xfrm>
         </p:spPr>
         <p:txBody>
           <a:bodyPr>
-            <a:normAutofit lnSpcReduction="10000"/>
+            <a:normAutofit/>
           </a:bodyPr>
           <a:lstStyle/>
           <a:p>
             <a:r>
-              <a:rPr lang="hu-HU" dirty="0" smtClean="0"/>
+              <a:rPr lang="hu-HU" sz="2800" dirty="0" smtClean="0">
+                <a:latin typeface="Century Schoolbook" panose="02040604050505020304" pitchFamily="18" charset="0"/>
+              </a:rPr>
               <a:t>Készítette: Somodi Konrád</a:t>
             </a:r>
-            <a:endParaRPr lang="hu-HU" dirty="0"/>
+            <a:endParaRPr lang="hu-HU" sz="2800" dirty="0">
+              <a:latin typeface="Century Schoolbook" panose="02040604050505020304" pitchFamily="18" charset="0"/>
+            </a:endParaRPr>
           </a:p>
         </p:txBody>
       </p:sp>
@@ -3071,8 +3079,8 @@
         </p:nvSpPr>
         <p:spPr>
           <a:xfrm>
-            <a:off x="3835400" y="2984500"/>
-            <a:ext cx="4533900" cy="584775"/>
+            <a:off x="3441700" y="2908300"/>
+            <a:ext cx="4965700" cy="646331"/>
           </a:xfrm>
           <a:prstGeom prst="rect">
             <a:avLst/>
@@ -3086,13 +3094,13 @@
           <a:lstStyle/>
           <a:p>
             <a:r>
-              <a:rPr lang="hu-HU" sz="3200" dirty="0" smtClean="0">
-                <a:latin typeface="Baskerville Old Face" panose="02020602080505020303" pitchFamily="18" charset="0"/>
+              <a:rPr lang="hu-HU" sz="3600" dirty="0" smtClean="0">
+                <a:latin typeface="Century Schoolbook" panose="02040604050505020304" pitchFamily="18" charset="0"/>
               </a:rPr>
               <a:t>Köszönöm a figyelmet!</a:t>
             </a:r>
-            <a:endParaRPr lang="hu-HU" sz="3200" dirty="0">
-              <a:latin typeface="Baskerville Old Face" panose="02020602080505020303" pitchFamily="18" charset="0"/>
+            <a:endParaRPr lang="hu-HU" sz="3600" dirty="0">
+              <a:latin typeface="Century Schoolbook" panose="02040604050505020304" pitchFamily="18" charset="0"/>
             </a:endParaRPr>
           </a:p>
         </p:txBody>

--- a/Beadandó SK.pptx
+++ b/Beadandó SK.pptx
@@ -11,8 +11,8 @@
     <p:sldId id="259" r:id="rId5"/>
     <p:sldId id="260" r:id="rId6"/>
     <p:sldId id="261" r:id="rId7"/>
-    <p:sldId id="262" r:id="rId8"/>
-    <p:sldId id="263" r:id="rId9"/>
+    <p:sldId id="263" r:id="rId8"/>
+    <p:sldId id="262" r:id="rId9"/>
     <p:sldId id="264" r:id="rId10"/>
     <p:sldId id="265" r:id="rId11"/>
   </p:sldIdLst>
@@ -113,6 +113,11 @@
       </a:defRPr>
     </a:lvl9pPr>
   </p:defaultTextStyle>
+  <p:extLst>
+    <p:ext uri="{EFAFB233-063F-42B5-8137-9DF3F51BA10A}">
+      <p15:sldGuideLst xmlns:p15="http://schemas.microsoft.com/office/powerpoint/2012/main"/>
+    </p:ext>
+  </p:extLst>
 </p:presentation>
 </file>
 
@@ -247,7 +252,7 @@
           <a:p>
             <a:fld id="{BD5193CC-C62B-423D-A098-867CDE0A1E84}" type="datetimeFigureOut">
               <a:rPr lang="hu-HU" smtClean="0"/>
-              <a:t>2022.09.08.</a:t>
+              <a:t>2022.09.12.</a:t>
             </a:fld>
             <a:endParaRPr lang="hu-HU"/>
           </a:p>
@@ -417,7 +422,7 @@
           <a:p>
             <a:fld id="{BD5193CC-C62B-423D-A098-867CDE0A1E84}" type="datetimeFigureOut">
               <a:rPr lang="hu-HU" smtClean="0"/>
-              <a:t>2022.09.08.</a:t>
+              <a:t>2022.09.12.</a:t>
             </a:fld>
             <a:endParaRPr lang="hu-HU"/>
           </a:p>
@@ -597,7 +602,7 @@
           <a:p>
             <a:fld id="{BD5193CC-C62B-423D-A098-867CDE0A1E84}" type="datetimeFigureOut">
               <a:rPr lang="hu-HU" smtClean="0"/>
-              <a:t>2022.09.08.</a:t>
+              <a:t>2022.09.12.</a:t>
             </a:fld>
             <a:endParaRPr lang="hu-HU"/>
           </a:p>
@@ -767,7 +772,7 @@
           <a:p>
             <a:fld id="{BD5193CC-C62B-423D-A098-867CDE0A1E84}" type="datetimeFigureOut">
               <a:rPr lang="hu-HU" smtClean="0"/>
-              <a:t>2022.09.08.</a:t>
+              <a:t>2022.09.12.</a:t>
             </a:fld>
             <a:endParaRPr lang="hu-HU"/>
           </a:p>
@@ -1013,7 +1018,7 @@
           <a:p>
             <a:fld id="{BD5193CC-C62B-423D-A098-867CDE0A1E84}" type="datetimeFigureOut">
               <a:rPr lang="hu-HU" smtClean="0"/>
-              <a:t>2022.09.08.</a:t>
+              <a:t>2022.09.12.</a:t>
             </a:fld>
             <a:endParaRPr lang="hu-HU"/>
           </a:p>
@@ -1245,7 +1250,7 @@
           <a:p>
             <a:fld id="{BD5193CC-C62B-423D-A098-867CDE0A1E84}" type="datetimeFigureOut">
               <a:rPr lang="hu-HU" smtClean="0"/>
-              <a:t>2022.09.08.</a:t>
+              <a:t>2022.09.12.</a:t>
             </a:fld>
             <a:endParaRPr lang="hu-HU"/>
           </a:p>
@@ -1612,7 +1617,7 @@
           <a:p>
             <a:fld id="{BD5193CC-C62B-423D-A098-867CDE0A1E84}" type="datetimeFigureOut">
               <a:rPr lang="hu-HU" smtClean="0"/>
-              <a:t>2022.09.08.</a:t>
+              <a:t>2022.09.12.</a:t>
             </a:fld>
             <a:endParaRPr lang="hu-HU"/>
           </a:p>
@@ -1730,7 +1735,7 @@
           <a:p>
             <a:fld id="{BD5193CC-C62B-423D-A098-867CDE0A1E84}" type="datetimeFigureOut">
               <a:rPr lang="hu-HU" smtClean="0"/>
-              <a:t>2022.09.08.</a:t>
+              <a:t>2022.09.12.</a:t>
             </a:fld>
             <a:endParaRPr lang="hu-HU"/>
           </a:p>
@@ -1825,7 +1830,7 @@
           <a:p>
             <a:fld id="{BD5193CC-C62B-423D-A098-867CDE0A1E84}" type="datetimeFigureOut">
               <a:rPr lang="hu-HU" smtClean="0"/>
-              <a:t>2022.09.08.</a:t>
+              <a:t>2022.09.12.</a:t>
             </a:fld>
             <a:endParaRPr lang="hu-HU"/>
           </a:p>
@@ -2102,7 +2107,7 @@
           <a:p>
             <a:fld id="{BD5193CC-C62B-423D-A098-867CDE0A1E84}" type="datetimeFigureOut">
               <a:rPr lang="hu-HU" smtClean="0"/>
-              <a:t>2022.09.08.</a:t>
+              <a:t>2022.09.12.</a:t>
             </a:fld>
             <a:endParaRPr lang="hu-HU"/>
           </a:p>
@@ -2355,7 +2360,7 @@
           <a:p>
             <a:fld id="{BD5193CC-C62B-423D-A098-867CDE0A1E84}" type="datetimeFigureOut">
               <a:rPr lang="hu-HU" smtClean="0"/>
-              <a:t>2022.09.08.</a:t>
+              <a:t>2022.09.12.</a:t>
             </a:fld>
             <a:endParaRPr lang="hu-HU"/>
           </a:p>
@@ -2568,7 +2573,7 @@
           <a:p>
             <a:fld id="{BD5193CC-C62B-423D-A098-867CDE0A1E84}" type="datetimeFigureOut">
               <a:rPr lang="hu-HU" smtClean="0"/>
-              <a:t>2022.09.08.</a:t>
+              <a:t>2022.09.12.</a:t>
             </a:fld>
             <a:endParaRPr lang="hu-HU"/>
           </a:p>
@@ -2997,12 +3002,16 @@
           <a:p>
             <a:r>
               <a:rPr lang="hu-HU" dirty="0" smtClean="0">
-                <a:latin typeface="Century Schoolbook" panose="02040604050505020304" pitchFamily="18" charset="0"/>
+                <a:latin typeface="Arial Unicode MS" panose="020B0604020202020204" pitchFamily="34" charset="-128"/>
+                <a:ea typeface="Arial Unicode MS" panose="020B0604020202020204" pitchFamily="34" charset="-128"/>
+                <a:cs typeface="Arial Unicode MS" panose="020B0604020202020204" pitchFamily="34" charset="-128"/>
               </a:rPr>
               <a:t>Számítógépes vírusok</a:t>
             </a:r>
             <a:endParaRPr lang="hu-HU" dirty="0">
-              <a:latin typeface="Century Schoolbook" panose="02040604050505020304" pitchFamily="18" charset="0"/>
+              <a:latin typeface="Arial Unicode MS" panose="020B0604020202020204" pitchFamily="34" charset="-128"/>
+              <a:ea typeface="Arial Unicode MS" panose="020B0604020202020204" pitchFamily="34" charset="-128"/>
+              <a:cs typeface="Arial Unicode MS" panose="020B0604020202020204" pitchFamily="34" charset="-128"/>
             </a:endParaRPr>
           </a:p>
         </p:txBody>
@@ -3020,7 +3029,7 @@
         <p:spPr>
           <a:xfrm>
             <a:off x="3613150" y="3517900"/>
-            <a:ext cx="4775200" cy="939800"/>
+            <a:ext cx="4775200" cy="559830"/>
           </a:xfrm>
         </p:spPr>
         <p:txBody>
@@ -3031,12 +3040,16 @@
           <a:p>
             <a:r>
               <a:rPr lang="hu-HU" sz="2800" dirty="0" smtClean="0">
-                <a:latin typeface="Century Schoolbook" panose="02040604050505020304" pitchFamily="18" charset="0"/>
+                <a:latin typeface="Arial Unicode MS" panose="020B0604020202020204" pitchFamily="34" charset="-128"/>
+                <a:ea typeface="Arial Unicode MS" panose="020B0604020202020204" pitchFamily="34" charset="-128"/>
+                <a:cs typeface="Arial Unicode MS" panose="020B0604020202020204" pitchFamily="34" charset="-128"/>
               </a:rPr>
               <a:t>Készítette: Somodi Konrád</a:t>
             </a:r>
             <a:endParaRPr lang="hu-HU" sz="2800" dirty="0">
-              <a:latin typeface="Century Schoolbook" panose="02040604050505020304" pitchFamily="18" charset="0"/>
+              <a:latin typeface="Arial Unicode MS" panose="020B0604020202020204" pitchFamily="34" charset="-128"/>
+              <a:ea typeface="Arial Unicode MS" panose="020B0604020202020204" pitchFamily="34" charset="-128"/>
+              <a:cs typeface="Arial Unicode MS" panose="020B0604020202020204" pitchFamily="34" charset="-128"/>
             </a:endParaRPr>
           </a:p>
         </p:txBody>
@@ -3051,6 +3064,13 @@
   <p:clrMapOvr>
     <a:masterClrMapping/>
   </p:clrMapOvr>
+  <p:timing>
+    <p:tnLst>
+      <p:par>
+        <p:cTn id="1" dur="indefinite" restart="never" nodeType="tmRoot"/>
+      </p:par>
+    </p:tnLst>
+  </p:timing>
 </p:sld>
 </file>
 
@@ -3145,12 +3165,32 @@
             <p:ph type="title"/>
           </p:nvPr>
         </p:nvSpPr>
-        <p:spPr/>
-        <p:txBody>
-          <a:bodyPr/>
-          <a:lstStyle/>
-          <a:p>
-            <a:endParaRPr lang="hu-HU"/>
+        <p:spPr>
+          <a:xfrm>
+            <a:off x="220362" y="276911"/>
+            <a:ext cx="3041822" cy="676275"/>
+          </a:xfrm>
+        </p:spPr>
+        <p:txBody>
+          <a:bodyPr>
+            <a:normAutofit fontScale="90000"/>
+          </a:bodyPr>
+          <a:lstStyle/>
+          <a:p>
+            <a:pPr algn="ctr"/>
+            <a:r>
+              <a:rPr lang="hu-HU" dirty="0" smtClean="0">
+                <a:latin typeface="Arial Unicode MS" panose="020B0604020202020204" pitchFamily="34" charset="-128"/>
+                <a:ea typeface="Arial Unicode MS" panose="020B0604020202020204" pitchFamily="34" charset="-128"/>
+                <a:cs typeface="Arial Unicode MS" panose="020B0604020202020204" pitchFamily="34" charset="-128"/>
+              </a:rPr>
+              <a:t>Mi a vírus?</a:t>
+            </a:r>
+            <a:endParaRPr lang="hu-HU" dirty="0">
+              <a:latin typeface="Arial Unicode MS" panose="020B0604020202020204" pitchFamily="34" charset="-128"/>
+              <a:ea typeface="Arial Unicode MS" panose="020B0604020202020204" pitchFamily="34" charset="-128"/>
+              <a:cs typeface="Arial Unicode MS" panose="020B0604020202020204" pitchFamily="34" charset="-128"/>
+            </a:endParaRPr>
           </a:p>
         </p:txBody>
       </p:sp>
@@ -3164,15 +3204,158 @@
             <p:ph idx="1"/>
           </p:nvPr>
         </p:nvSpPr>
-        <p:spPr/>
-        <p:txBody>
-          <a:bodyPr/>
-          <a:lstStyle/>
-          <a:p>
-            <a:endParaRPr lang="hu-HU"/>
-          </a:p>
-        </p:txBody>
-      </p:sp>
+        <p:spPr>
+          <a:xfrm>
+            <a:off x="220362" y="1126182"/>
+            <a:ext cx="11432060" cy="5422900"/>
+          </a:xfrm>
+        </p:spPr>
+        <p:txBody>
+          <a:bodyPr>
+            <a:noAutofit/>
+          </a:bodyPr>
+          <a:lstStyle/>
+          <a:p>
+            <a:pPr algn="just"/>
+            <a:r>
+              <a:rPr lang="hu-HU" dirty="0" smtClean="0">
+                <a:latin typeface="Arial Unicode MS" panose="020B0604020202020204" pitchFamily="34" charset="-128"/>
+                <a:ea typeface="Arial Unicode MS" panose="020B0604020202020204" pitchFamily="34" charset="-128"/>
+                <a:cs typeface="Arial Unicode MS" panose="020B0604020202020204" pitchFamily="34" charset="-128"/>
+              </a:rPr>
+              <a:t>Olyan programkód, </a:t>
+            </a:r>
+            <a:r>
+              <a:rPr lang="hu-HU" dirty="0">
+                <a:latin typeface="Arial Unicode MS" panose="020B0604020202020204" pitchFamily="34" charset="-128"/>
+                <a:ea typeface="Arial Unicode MS" panose="020B0604020202020204" pitchFamily="34" charset="-128"/>
+                <a:cs typeface="Arial Unicode MS" panose="020B0604020202020204" pitchFamily="34" charset="-128"/>
+              </a:rPr>
+              <a:t>amely saját másolatait helyezi el </a:t>
+            </a:r>
+            <a:r>
+              <a:rPr lang="hu-HU" dirty="0" smtClean="0">
+                <a:latin typeface="Arial Unicode MS" panose="020B0604020202020204" pitchFamily="34" charset="-128"/>
+                <a:ea typeface="Arial Unicode MS" panose="020B0604020202020204" pitchFamily="34" charset="-128"/>
+                <a:cs typeface="Arial Unicode MS" panose="020B0604020202020204" pitchFamily="34" charset="-128"/>
+              </a:rPr>
+              <a:t>programokban </a:t>
+            </a:r>
+            <a:r>
+              <a:rPr lang="hu-HU" dirty="0">
+                <a:latin typeface="Arial Unicode MS" panose="020B0604020202020204" pitchFamily="34" charset="-128"/>
+                <a:ea typeface="Arial Unicode MS" panose="020B0604020202020204" pitchFamily="34" charset="-128"/>
+                <a:cs typeface="Arial Unicode MS" panose="020B0604020202020204" pitchFamily="34" charset="-128"/>
+              </a:rPr>
+              <a:t>vagy </a:t>
+            </a:r>
+            <a:r>
+              <a:rPr lang="hu-HU" dirty="0" smtClean="0">
+                <a:latin typeface="Arial Unicode MS" panose="020B0604020202020204" pitchFamily="34" charset="-128"/>
+                <a:ea typeface="Arial Unicode MS" panose="020B0604020202020204" pitchFamily="34" charset="-128"/>
+                <a:cs typeface="Arial Unicode MS" panose="020B0604020202020204" pitchFamily="34" charset="-128"/>
+              </a:rPr>
+              <a:t>dokumentumokban. </a:t>
+            </a:r>
+          </a:p>
+          <a:p>
+            <a:pPr algn="just"/>
+            <a:r>
+              <a:rPr lang="hu-HU" dirty="0" smtClean="0">
+                <a:latin typeface="Arial Unicode MS" panose="020B0604020202020204" pitchFamily="34" charset="-128"/>
+                <a:ea typeface="Arial Unicode MS" panose="020B0604020202020204" pitchFamily="34" charset="-128"/>
+                <a:cs typeface="Arial Unicode MS" panose="020B0604020202020204" pitchFamily="34" charset="-128"/>
+              </a:rPr>
+              <a:t>Vírus jellemzően</a:t>
+            </a:r>
+          </a:p>
+          <a:p>
+            <a:pPr marL="971550" lvl="1" indent="-514350" algn="just">
+              <a:buFont typeface="+mj-lt"/>
+              <a:buAutoNum type="arabicPeriod"/>
+            </a:pPr>
+            <a:r>
+              <a:rPr lang="hu-HU" sz="2800" dirty="0" smtClean="0">
+                <a:latin typeface="Arial Unicode MS" panose="020B0604020202020204" pitchFamily="34" charset="-128"/>
+                <a:ea typeface="Arial Unicode MS" panose="020B0604020202020204" pitchFamily="34" charset="-128"/>
+                <a:cs typeface="Arial Unicode MS" panose="020B0604020202020204" pitchFamily="34" charset="-128"/>
+              </a:rPr>
+              <a:t>Pendrive</a:t>
+            </a:r>
+          </a:p>
+          <a:p>
+            <a:pPr marL="971550" lvl="1" indent="-514350" algn="just">
+              <a:buFont typeface="+mj-lt"/>
+              <a:buAutoNum type="arabicPeriod"/>
+            </a:pPr>
+            <a:r>
+              <a:rPr lang="hu-HU" sz="2800" dirty="0" smtClean="0">
+                <a:latin typeface="Arial Unicode MS" panose="020B0604020202020204" pitchFamily="34" charset="-128"/>
+                <a:ea typeface="Arial Unicode MS" panose="020B0604020202020204" pitchFamily="34" charset="-128"/>
+                <a:cs typeface="Arial Unicode MS" panose="020B0604020202020204" pitchFamily="34" charset="-128"/>
+              </a:rPr>
+              <a:t>Email</a:t>
+            </a:r>
+          </a:p>
+          <a:p>
+            <a:pPr marL="971550" lvl="1" indent="-514350" algn="just">
+              <a:buFont typeface="+mj-lt"/>
+              <a:buAutoNum type="arabicPeriod"/>
+            </a:pPr>
+            <a:r>
+              <a:rPr lang="hu-HU" sz="2800" dirty="0" smtClean="0">
+                <a:latin typeface="Arial Unicode MS" panose="020B0604020202020204" pitchFamily="34" charset="-128"/>
+                <a:ea typeface="Arial Unicode MS" panose="020B0604020202020204" pitchFamily="34" charset="-128"/>
+                <a:cs typeface="Arial Unicode MS" panose="020B0604020202020204" pitchFamily="34" charset="-128"/>
+              </a:rPr>
+              <a:t>Internetes letöltések</a:t>
+            </a:r>
+          </a:p>
+        </p:txBody>
+      </p:sp>
+      <p:pic>
+        <p:nvPicPr>
+          <p:cNvPr id="4" name="Kép 3"/>
+          <p:cNvPicPr>
+            <a:picLocks noChangeAspect="1"/>
+          </p:cNvPicPr>
+          <p:nvPr/>
+        </p:nvPicPr>
+        <p:blipFill>
+          <a:blip r:embed="rId2">
+            <a:extLst>
+              <a:ext uri="{28A0092B-C50C-407E-A947-70E740481C1C}">
+                <a14:useLocalDpi xmlns:a14="http://schemas.microsoft.com/office/drawing/2010/main" val="0"/>
+              </a:ext>
+            </a:extLst>
+          </a:blip>
+          <a:stretch>
+            <a:fillRect/>
+          </a:stretch>
+        </p:blipFill>
+        <p:spPr>
+          <a:xfrm>
+            <a:off x="4856204" y="1921304"/>
+            <a:ext cx="6796218" cy="4264642"/>
+          </a:xfrm>
+          <a:prstGeom prst="roundRect">
+            <a:avLst>
+              <a:gd name="adj" fmla="val 8594"/>
+            </a:avLst>
+          </a:prstGeom>
+          <a:solidFill>
+            <a:srgbClr val="FFFFFF">
+              <a:shade val="85000"/>
+            </a:srgbClr>
+          </a:solidFill>
+          <a:ln>
+            <a:noFill/>
+          </a:ln>
+          <a:effectLst>
+            <a:reflection blurRad="12700" stA="38000" endPos="28000" dist="5000" dir="5400000" sy="-100000" algn="bl" rotWithShape="0"/>
+          </a:effectLst>
+        </p:spPr>
+      </p:pic>
     </p:spTree>
     <p:extLst>
       <p:ext uri="{BB962C8B-B14F-4D97-AF65-F5344CB8AC3E}">
@@ -3183,6 +3366,13 @@
   <p:clrMapOvr>
     <a:masterClrMapping/>
   </p:clrMapOvr>
+  <p:timing>
+    <p:tnLst>
+      <p:par>
+        <p:cTn id="1" dur="indefinite" restart="never" nodeType="tmRoot"/>
+      </p:par>
+    </p:tnLst>
+  </p:timing>
 </p:sld>
 </file>
 
@@ -3213,12 +3403,21 @@
             <p:ph type="title"/>
           </p:nvPr>
         </p:nvSpPr>
-        <p:spPr/>
-        <p:txBody>
-          <a:bodyPr/>
-          <a:lstStyle/>
-          <a:p>
-            <a:endParaRPr lang="hu-HU"/>
+        <p:spPr>
+          <a:xfrm>
+            <a:off x="838200" y="631825"/>
+            <a:ext cx="4368800" cy="968375"/>
+          </a:xfrm>
+        </p:spPr>
+        <p:txBody>
+          <a:bodyPr/>
+          <a:lstStyle/>
+          <a:p>
+            <a:r>
+              <a:rPr lang="hu-HU" dirty="0" smtClean="0"/>
+              <a:t>Vírusok működése</a:t>
+            </a:r>
+            <a:endParaRPr lang="hu-HU" dirty="0"/>
           </a:p>
         </p:txBody>
       </p:sp>
@@ -3237,7 +3436,7 @@
           <a:bodyPr/>
           <a:lstStyle/>
           <a:p>
-            <a:endParaRPr lang="hu-HU"/>
+            <a:endParaRPr lang="hu-HU" dirty="0"/>
           </a:p>
         </p:txBody>
       </p:sp>
@@ -3281,12 +3480,27 @@
             <p:ph type="title"/>
           </p:nvPr>
         </p:nvSpPr>
-        <p:spPr/>
-        <p:txBody>
-          <a:bodyPr/>
-          <a:lstStyle/>
-          <a:p>
-            <a:endParaRPr lang="hu-HU"/>
+        <p:spPr>
+          <a:xfrm>
+            <a:off x="838200" y="1028700"/>
+            <a:ext cx="2732903" cy="661988"/>
+          </a:xfrm>
+        </p:spPr>
+        <p:txBody>
+          <a:bodyPr>
+            <a:normAutofit/>
+          </a:bodyPr>
+          <a:lstStyle/>
+          <a:p>
+            <a:r>
+              <a:rPr lang="hu-HU" sz="4000" dirty="0" smtClean="0">
+                <a:latin typeface="Century Schoolbook" panose="02040604050505020304" pitchFamily="18" charset="0"/>
+              </a:rPr>
+              <a:t>Jellemzőik</a:t>
+            </a:r>
+            <a:endParaRPr lang="hu-HU" sz="4000" dirty="0">
+              <a:latin typeface="Century Schoolbook" panose="02040604050505020304" pitchFamily="18" charset="0"/>
+            </a:endParaRPr>
           </a:p>
         </p:txBody>
       </p:sp>
@@ -3300,12 +3514,128 @@
             <p:ph idx="1"/>
           </p:nvPr>
         </p:nvSpPr>
-        <p:spPr/>
-        <p:txBody>
-          <a:bodyPr/>
-          <a:lstStyle/>
-          <a:p>
-            <a:endParaRPr lang="hu-HU"/>
+        <p:spPr>
+          <a:xfrm>
+            <a:off x="838200" y="2121414"/>
+            <a:ext cx="10515600" cy="3686262"/>
+          </a:xfrm>
+        </p:spPr>
+        <p:txBody>
+          <a:bodyPr>
+            <a:noAutofit/>
+          </a:bodyPr>
+          <a:lstStyle/>
+          <a:p>
+            <a:r>
+              <a:rPr lang="hu-HU" dirty="0">
+                <a:latin typeface="Arial Unicode MS" panose="020B0604020202020204" pitchFamily="34" charset="-128"/>
+                <a:ea typeface="Arial Unicode MS" panose="020B0604020202020204" pitchFamily="34" charset="-128"/>
+                <a:cs typeface="Arial Unicode MS" panose="020B0604020202020204" pitchFamily="34" charset="-128"/>
+              </a:rPr>
+              <a:t>A gazdaprogramok </a:t>
+            </a:r>
+            <a:r>
+              <a:rPr lang="hu-HU" dirty="0" smtClean="0">
+                <a:latin typeface="Arial Unicode MS" panose="020B0604020202020204" pitchFamily="34" charset="-128"/>
+                <a:ea typeface="Arial Unicode MS" panose="020B0604020202020204" pitchFamily="34" charset="-128"/>
+                <a:cs typeface="Arial Unicode MS" panose="020B0604020202020204" pitchFamily="34" charset="-128"/>
+              </a:rPr>
+              <a:t>megfertőzése, </a:t>
+            </a:r>
+            <a:r>
+              <a:rPr lang="hu-HU" dirty="0">
+                <a:latin typeface="Arial Unicode MS" panose="020B0604020202020204" pitchFamily="34" charset="-128"/>
+                <a:ea typeface="Arial Unicode MS" panose="020B0604020202020204" pitchFamily="34" charset="-128"/>
+                <a:cs typeface="Arial Unicode MS" panose="020B0604020202020204" pitchFamily="34" charset="-128"/>
+              </a:rPr>
+              <a:t>önsokszorosító viselkedés valamennyi vírusra </a:t>
+            </a:r>
+            <a:r>
+              <a:rPr lang="hu-HU" dirty="0" smtClean="0">
+                <a:latin typeface="Arial Unicode MS" panose="020B0604020202020204" pitchFamily="34" charset="-128"/>
+                <a:ea typeface="Arial Unicode MS" panose="020B0604020202020204" pitchFamily="34" charset="-128"/>
+                <a:cs typeface="Arial Unicode MS" panose="020B0604020202020204" pitchFamily="34" charset="-128"/>
+              </a:rPr>
+              <a:t>jellemző, továbbá:</a:t>
+            </a:r>
+          </a:p>
+          <a:p>
+            <a:pPr marL="971550" lvl="1" indent="-514350">
+              <a:lnSpc>
+                <a:spcPct val="150000"/>
+              </a:lnSpc>
+              <a:buFont typeface="+mj-lt"/>
+              <a:buAutoNum type="arabicPeriod"/>
+            </a:pPr>
+            <a:r>
+              <a:rPr lang="hu-HU" sz="2800" dirty="0">
+                <a:latin typeface="Arial Unicode MS" panose="020B0604020202020204" pitchFamily="34" charset="-128"/>
+                <a:ea typeface="Arial Unicode MS" panose="020B0604020202020204" pitchFamily="34" charset="-128"/>
+                <a:cs typeface="Arial Unicode MS" panose="020B0604020202020204" pitchFamily="34" charset="-128"/>
+              </a:rPr>
+              <a:t>nagyon kis </a:t>
+            </a:r>
+            <a:r>
+              <a:rPr lang="hu-HU" sz="2800" dirty="0" smtClean="0">
+                <a:latin typeface="Arial Unicode MS" panose="020B0604020202020204" pitchFamily="34" charset="-128"/>
+                <a:ea typeface="Arial Unicode MS" panose="020B0604020202020204" pitchFamily="34" charset="-128"/>
+                <a:cs typeface="Arial Unicode MS" panose="020B0604020202020204" pitchFamily="34" charset="-128"/>
+              </a:rPr>
+              <a:t>méretűek</a:t>
+            </a:r>
+          </a:p>
+          <a:p>
+            <a:pPr marL="971550" lvl="1" indent="-514350">
+              <a:lnSpc>
+                <a:spcPct val="150000"/>
+              </a:lnSpc>
+              <a:buFont typeface="+mj-lt"/>
+              <a:buAutoNum type="arabicPeriod"/>
+            </a:pPr>
+            <a:r>
+              <a:rPr lang="hu-HU" sz="2800" dirty="0">
+                <a:latin typeface="Arial Unicode MS" panose="020B0604020202020204" pitchFamily="34" charset="-128"/>
+                <a:ea typeface="Arial Unicode MS" panose="020B0604020202020204" pitchFamily="34" charset="-128"/>
+                <a:cs typeface="Arial Unicode MS" panose="020B0604020202020204" pitchFamily="34" charset="-128"/>
+              </a:rPr>
+              <a:t>futtatható állományokat képesek </a:t>
+            </a:r>
+            <a:r>
+              <a:rPr lang="hu-HU" sz="2800" dirty="0" smtClean="0">
+                <a:latin typeface="Arial Unicode MS" panose="020B0604020202020204" pitchFamily="34" charset="-128"/>
+                <a:ea typeface="Arial Unicode MS" panose="020B0604020202020204" pitchFamily="34" charset="-128"/>
+                <a:cs typeface="Arial Unicode MS" panose="020B0604020202020204" pitchFamily="34" charset="-128"/>
+              </a:rPr>
+              <a:t>megfertőzni</a:t>
+            </a:r>
+          </a:p>
+          <a:p>
+            <a:pPr marL="971550" lvl="1" indent="-514350">
+              <a:lnSpc>
+                <a:spcPct val="150000"/>
+              </a:lnSpc>
+              <a:buFont typeface="+mj-lt"/>
+              <a:buAutoNum type="arabicPeriod"/>
+            </a:pPr>
+            <a:r>
+              <a:rPr lang="hu-HU" sz="2800" dirty="0">
+                <a:latin typeface="Arial Unicode MS" panose="020B0604020202020204" pitchFamily="34" charset="-128"/>
+                <a:ea typeface="Arial Unicode MS" panose="020B0604020202020204" pitchFamily="34" charset="-128"/>
+                <a:cs typeface="Arial Unicode MS" panose="020B0604020202020204" pitchFamily="34" charset="-128"/>
+              </a:rPr>
+              <a:t>rejtetten </a:t>
+            </a:r>
+            <a:r>
+              <a:rPr lang="hu-HU" sz="2800" dirty="0" smtClean="0">
+                <a:latin typeface="Arial Unicode MS" panose="020B0604020202020204" pitchFamily="34" charset="-128"/>
+                <a:ea typeface="Arial Unicode MS" panose="020B0604020202020204" pitchFamily="34" charset="-128"/>
+                <a:cs typeface="Arial Unicode MS" panose="020B0604020202020204" pitchFamily="34" charset="-128"/>
+              </a:rPr>
+              <a:t>működnek, akkor fedik fel magukat, hogyha feladatukat elvégezték</a:t>
+            </a:r>
+          </a:p>
+          <a:p>
+            <a:endParaRPr lang="hu-HU" dirty="0"/>
           </a:p>
         </p:txBody>
       </p:sp>
@@ -3349,12 +3679,23 @@
             <p:ph type="title"/>
           </p:nvPr>
         </p:nvSpPr>
-        <p:spPr/>
-        <p:txBody>
-          <a:bodyPr/>
-          <a:lstStyle/>
-          <a:p>
-            <a:endParaRPr lang="hu-HU"/>
+        <p:spPr>
+          <a:xfrm>
+            <a:off x="838200" y="947737"/>
+            <a:ext cx="4445000" cy="877888"/>
+          </a:xfrm>
+        </p:spPr>
+        <p:txBody>
+          <a:bodyPr>
+            <a:normAutofit fontScale="90000"/>
+          </a:bodyPr>
+          <a:lstStyle/>
+          <a:p>
+            <a:r>
+              <a:rPr lang="hu-HU" dirty="0" smtClean="0"/>
+              <a:t>Legismertebb fajtái</a:t>
+            </a:r>
+            <a:endParaRPr lang="hu-HU" dirty="0"/>
           </a:p>
         </p:txBody>
       </p:sp>
@@ -3368,12 +3709,17 @@
             <p:ph idx="1"/>
           </p:nvPr>
         </p:nvSpPr>
-        <p:spPr/>
-        <p:txBody>
-          <a:bodyPr/>
-          <a:lstStyle/>
-          <a:p>
-            <a:endParaRPr lang="hu-HU"/>
+        <p:spPr>
+          <a:xfrm>
+            <a:off x="838200" y="2028825"/>
+            <a:ext cx="10515600" cy="4351338"/>
+          </a:xfrm>
+        </p:spPr>
+        <p:txBody>
+          <a:bodyPr/>
+          <a:lstStyle/>
+          <a:p>
+            <a:endParaRPr lang="hu-HU" dirty="0"/>
           </a:p>
         </p:txBody>
       </p:sp>
@@ -3417,12 +3763,23 @@
             <p:ph type="title"/>
           </p:nvPr>
         </p:nvSpPr>
-        <p:spPr/>
-        <p:txBody>
-          <a:bodyPr/>
-          <a:lstStyle/>
-          <a:p>
-            <a:endParaRPr lang="hu-HU"/>
+        <p:spPr>
+          <a:xfrm>
+            <a:off x="838200" y="787400"/>
+            <a:ext cx="6794500" cy="649288"/>
+          </a:xfrm>
+        </p:spPr>
+        <p:txBody>
+          <a:bodyPr>
+            <a:normAutofit fontScale="90000"/>
+          </a:bodyPr>
+          <a:lstStyle/>
+          <a:p>
+            <a:r>
+              <a:rPr lang="hu-HU" dirty="0" smtClean="0"/>
+              <a:t>Milyen fenyegetések vannak?</a:t>
+            </a:r>
+            <a:endParaRPr lang="hu-HU" dirty="0"/>
           </a:p>
         </p:txBody>
       </p:sp>
@@ -3436,7 +3793,12 @@
             <p:ph idx="1"/>
           </p:nvPr>
         </p:nvSpPr>
-        <p:spPr/>
+        <p:spPr>
+          <a:xfrm>
+            <a:off x="838200" y="2079625"/>
+            <a:ext cx="10515600" cy="4351338"/>
+          </a:xfrm>
+        </p:spPr>
         <p:txBody>
           <a:bodyPr/>
           <a:lstStyle/>
@@ -3490,7 +3852,11 @@
           <a:bodyPr/>
           <a:lstStyle/>
           <a:p>
-            <a:endParaRPr lang="hu-HU"/>
+            <a:r>
+              <a:rPr lang="hu-HU" dirty="0" smtClean="0"/>
+              <a:t>Védekezés vírusok ellen</a:t>
+            </a:r>
+            <a:endParaRPr lang="hu-HU" dirty="0"/>
           </a:p>
         </p:txBody>
       </p:sp>
@@ -3516,7 +3882,7 @@
     </p:spTree>
     <p:extLst>
       <p:ext uri="{BB962C8B-B14F-4D97-AF65-F5344CB8AC3E}">
-        <p14:creationId xmlns:p14="http://schemas.microsoft.com/office/powerpoint/2010/main" val="2367983641"/>
+        <p14:creationId xmlns:p14="http://schemas.microsoft.com/office/powerpoint/2010/main" val="371815632"/>
       </p:ext>
     </p:extLst>
   </p:cSld>
@@ -3558,7 +3924,11 @@
           <a:bodyPr/>
           <a:lstStyle/>
           <a:p>
-            <a:endParaRPr lang="hu-HU"/>
+            <a:r>
+              <a:rPr lang="hu-HU" dirty="0" smtClean="0"/>
+              <a:t>Híres számítógépes vírusok</a:t>
+            </a:r>
+            <a:endParaRPr lang="hu-HU" dirty="0"/>
           </a:p>
         </p:txBody>
       </p:sp>
@@ -3584,7 +3954,7 @@
     </p:spTree>
     <p:extLst>
       <p:ext uri="{BB962C8B-B14F-4D97-AF65-F5344CB8AC3E}">
-        <p14:creationId xmlns:p14="http://schemas.microsoft.com/office/powerpoint/2010/main" val="371815632"/>
+        <p14:creationId xmlns:p14="http://schemas.microsoft.com/office/powerpoint/2010/main" val="2367983641"/>
       </p:ext>
     </p:extLst>
   </p:cSld>
@@ -3626,7 +3996,11 @@
           <a:bodyPr/>
           <a:lstStyle/>
           <a:p>
-            <a:endParaRPr lang="hu-HU"/>
+            <a:r>
+              <a:rPr lang="hu-HU" dirty="0" smtClean="0"/>
+              <a:t>Források</a:t>
+            </a:r>
+            <a:endParaRPr lang="hu-HU" dirty="0"/>
           </a:p>
         </p:txBody>
       </p:sp>

--- a/Beadandó SK.pptx
+++ b/Beadandó SK.pptx
@@ -252,7 +252,7 @@
           <a:p>
             <a:fld id="{BD5193CC-C62B-423D-A098-867CDE0A1E84}" type="datetimeFigureOut">
               <a:rPr lang="hu-HU" smtClean="0"/>
-              <a:t>2022.09.12.</a:t>
+              <a:t>2022.09.13.</a:t>
             </a:fld>
             <a:endParaRPr lang="hu-HU"/>
           </a:p>
@@ -422,7 +422,7 @@
           <a:p>
             <a:fld id="{BD5193CC-C62B-423D-A098-867CDE0A1E84}" type="datetimeFigureOut">
               <a:rPr lang="hu-HU" smtClean="0"/>
-              <a:t>2022.09.12.</a:t>
+              <a:t>2022.09.13.</a:t>
             </a:fld>
             <a:endParaRPr lang="hu-HU"/>
           </a:p>
@@ -602,7 +602,7 @@
           <a:p>
             <a:fld id="{BD5193CC-C62B-423D-A098-867CDE0A1E84}" type="datetimeFigureOut">
               <a:rPr lang="hu-HU" smtClean="0"/>
-              <a:t>2022.09.12.</a:t>
+              <a:t>2022.09.13.</a:t>
             </a:fld>
             <a:endParaRPr lang="hu-HU"/>
           </a:p>
@@ -772,7 +772,7 @@
           <a:p>
             <a:fld id="{BD5193CC-C62B-423D-A098-867CDE0A1E84}" type="datetimeFigureOut">
               <a:rPr lang="hu-HU" smtClean="0"/>
-              <a:t>2022.09.12.</a:t>
+              <a:t>2022.09.13.</a:t>
             </a:fld>
             <a:endParaRPr lang="hu-HU"/>
           </a:p>
@@ -1018,7 +1018,7 @@
           <a:p>
             <a:fld id="{BD5193CC-C62B-423D-A098-867CDE0A1E84}" type="datetimeFigureOut">
               <a:rPr lang="hu-HU" smtClean="0"/>
-              <a:t>2022.09.12.</a:t>
+              <a:t>2022.09.13.</a:t>
             </a:fld>
             <a:endParaRPr lang="hu-HU"/>
           </a:p>
@@ -1250,7 +1250,7 @@
           <a:p>
             <a:fld id="{BD5193CC-C62B-423D-A098-867CDE0A1E84}" type="datetimeFigureOut">
               <a:rPr lang="hu-HU" smtClean="0"/>
-              <a:t>2022.09.12.</a:t>
+              <a:t>2022.09.13.</a:t>
             </a:fld>
             <a:endParaRPr lang="hu-HU"/>
           </a:p>
@@ -1617,7 +1617,7 @@
           <a:p>
             <a:fld id="{BD5193CC-C62B-423D-A098-867CDE0A1E84}" type="datetimeFigureOut">
               <a:rPr lang="hu-HU" smtClean="0"/>
-              <a:t>2022.09.12.</a:t>
+              <a:t>2022.09.13.</a:t>
             </a:fld>
             <a:endParaRPr lang="hu-HU"/>
           </a:p>
@@ -1735,7 +1735,7 @@
           <a:p>
             <a:fld id="{BD5193CC-C62B-423D-A098-867CDE0A1E84}" type="datetimeFigureOut">
               <a:rPr lang="hu-HU" smtClean="0"/>
-              <a:t>2022.09.12.</a:t>
+              <a:t>2022.09.13.</a:t>
             </a:fld>
             <a:endParaRPr lang="hu-HU"/>
           </a:p>
@@ -1830,7 +1830,7 @@
           <a:p>
             <a:fld id="{BD5193CC-C62B-423D-A098-867CDE0A1E84}" type="datetimeFigureOut">
               <a:rPr lang="hu-HU" smtClean="0"/>
-              <a:t>2022.09.12.</a:t>
+              <a:t>2022.09.13.</a:t>
             </a:fld>
             <a:endParaRPr lang="hu-HU"/>
           </a:p>
@@ -2107,7 +2107,7 @@
           <a:p>
             <a:fld id="{BD5193CC-C62B-423D-A098-867CDE0A1E84}" type="datetimeFigureOut">
               <a:rPr lang="hu-HU" smtClean="0"/>
-              <a:t>2022.09.12.</a:t>
+              <a:t>2022.09.13.</a:t>
             </a:fld>
             <a:endParaRPr lang="hu-HU"/>
           </a:p>
@@ -2360,7 +2360,7 @@
           <a:p>
             <a:fld id="{BD5193CC-C62B-423D-A098-867CDE0A1E84}" type="datetimeFigureOut">
               <a:rPr lang="hu-HU" smtClean="0"/>
-              <a:t>2022.09.12.</a:t>
+              <a:t>2022.09.13.</a:t>
             </a:fld>
             <a:endParaRPr lang="hu-HU"/>
           </a:p>
@@ -2573,7 +2573,7 @@
           <a:p>
             <a:fld id="{BD5193CC-C62B-423D-A098-867CDE0A1E84}" type="datetimeFigureOut">
               <a:rPr lang="hu-HU" smtClean="0"/>
-              <a:t>2022.09.12.</a:t>
+              <a:t>2022.09.13.</a:t>
             </a:fld>
             <a:endParaRPr lang="hu-HU"/>
           </a:p>
@@ -3356,6 +3356,96 @@
           </a:effectLst>
         </p:spPr>
       </p:pic>
+      <p:pic>
+        <p:nvPicPr>
+          <p:cNvPr id="5" name="Kép 4"/>
+          <p:cNvPicPr>
+            <a:picLocks noChangeAspect="1"/>
+          </p:cNvPicPr>
+          <p:nvPr/>
+        </p:nvPicPr>
+        <p:blipFill>
+          <a:blip r:embed="rId3" cstate="print">
+            <a:extLst>
+              <a:ext uri="{28A0092B-C50C-407E-A947-70E740481C1C}">
+                <a14:useLocalDpi xmlns:a14="http://schemas.microsoft.com/office/drawing/2010/main" val="0"/>
+              </a:ext>
+            </a:extLst>
+          </a:blip>
+          <a:stretch>
+            <a:fillRect/>
+          </a:stretch>
+        </p:blipFill>
+        <p:spPr>
+          <a:xfrm>
+            <a:off x="1175951" y="4345204"/>
+            <a:ext cx="2374556" cy="1840742"/>
+          </a:xfrm>
+          <a:prstGeom prst="rect">
+            <a:avLst/>
+          </a:prstGeom>
+        </p:spPr>
+      </p:pic>
+      <p:pic>
+        <p:nvPicPr>
+          <p:cNvPr id="6" name="Kép 5"/>
+          <p:cNvPicPr>
+            <a:picLocks noChangeAspect="1"/>
+          </p:cNvPicPr>
+          <p:nvPr/>
+        </p:nvPicPr>
+        <p:blipFill>
+          <a:blip r:embed="rId4">
+            <a:extLst>
+              <a:ext uri="{28A0092B-C50C-407E-A947-70E740481C1C}">
+                <a14:useLocalDpi xmlns:a14="http://schemas.microsoft.com/office/drawing/2010/main" val="0"/>
+              </a:ext>
+            </a:extLst>
+          </a:blip>
+          <a:stretch>
+            <a:fillRect/>
+          </a:stretch>
+        </p:blipFill>
+        <p:spPr>
+          <a:xfrm>
+            <a:off x="1344826" y="4101646"/>
+            <a:ext cx="2205681" cy="2205681"/>
+          </a:xfrm>
+          <a:prstGeom prst="rect">
+            <a:avLst/>
+          </a:prstGeom>
+        </p:spPr>
+      </p:pic>
+      <p:pic>
+        <p:nvPicPr>
+          <p:cNvPr id="7" name="Kép 6"/>
+          <p:cNvPicPr>
+            <a:picLocks noChangeAspect="1"/>
+          </p:cNvPicPr>
+          <p:nvPr/>
+        </p:nvPicPr>
+        <p:blipFill>
+          <a:blip r:embed="rId5" cstate="print">
+            <a:extLst>
+              <a:ext uri="{28A0092B-C50C-407E-A947-70E740481C1C}">
+                <a14:useLocalDpi xmlns:a14="http://schemas.microsoft.com/office/drawing/2010/main" val="0"/>
+              </a:ext>
+            </a:extLst>
+          </a:blip>
+          <a:stretch>
+            <a:fillRect/>
+          </a:stretch>
+        </p:blipFill>
+        <p:spPr>
+          <a:xfrm>
+            <a:off x="1175951" y="4055390"/>
+            <a:ext cx="2941455" cy="2251937"/>
+          </a:xfrm>
+          <a:prstGeom prst="rect">
+            <a:avLst/>
+          </a:prstGeom>
+        </p:spPr>
+      </p:pic>
     </p:spTree>
     <p:extLst>
       <p:ext uri="{BB962C8B-B14F-4D97-AF65-F5344CB8AC3E}">
@@ -3450,6 +3540,13 @@
   <p:clrMapOvr>
     <a:masterClrMapping/>
   </p:clrMapOvr>
+  <p:timing>
+    <p:tnLst>
+      <p:par>
+        <p:cTn id="1" dur="indefinite" restart="never" nodeType="tmRoot"/>
+      </p:par>
+    </p:tnLst>
+  </p:timing>
 </p:sld>
 </file>
 
@@ -3528,7 +3625,7 @@
           <a:p>
             <a:r>
               <a:rPr lang="hu-HU" dirty="0">
-                <a:latin typeface="Arial Unicode MS" panose="020B0604020202020204" pitchFamily="34" charset="-128"/>
+                <a:latin typeface="Century Schoolbook" panose="02040604050505020304" pitchFamily="18" charset="0"/>
                 <a:ea typeface="Arial Unicode MS" panose="020B0604020202020204" pitchFamily="34" charset="-128"/>
                 <a:cs typeface="Arial Unicode MS" panose="020B0604020202020204" pitchFamily="34" charset="-128"/>
               </a:rPr>
@@ -3536,7 +3633,7 @@
             </a:r>
             <a:r>
               <a:rPr lang="hu-HU" dirty="0" smtClean="0">
-                <a:latin typeface="Arial Unicode MS" panose="020B0604020202020204" pitchFamily="34" charset="-128"/>
+                <a:latin typeface="Century Schoolbook" panose="02040604050505020304" pitchFamily="18" charset="0"/>
                 <a:ea typeface="Arial Unicode MS" panose="020B0604020202020204" pitchFamily="34" charset="-128"/>
                 <a:cs typeface="Arial Unicode MS" panose="020B0604020202020204" pitchFamily="34" charset="-128"/>
               </a:rPr>
@@ -3544,7 +3641,7 @@
             </a:r>
             <a:r>
               <a:rPr lang="hu-HU" dirty="0">
-                <a:latin typeface="Arial Unicode MS" panose="020B0604020202020204" pitchFamily="34" charset="-128"/>
+                <a:latin typeface="Century Schoolbook" panose="02040604050505020304" pitchFamily="18" charset="0"/>
                 <a:ea typeface="Arial Unicode MS" panose="020B0604020202020204" pitchFamily="34" charset="-128"/>
                 <a:cs typeface="Arial Unicode MS" panose="020B0604020202020204" pitchFamily="34" charset="-128"/>
               </a:rPr>
@@ -3552,7 +3649,7 @@
             </a:r>
             <a:r>
               <a:rPr lang="hu-HU" dirty="0" smtClean="0">
-                <a:latin typeface="Arial Unicode MS" panose="020B0604020202020204" pitchFamily="34" charset="-128"/>
+                <a:latin typeface="Century Schoolbook" panose="02040604050505020304" pitchFamily="18" charset="0"/>
                 <a:ea typeface="Arial Unicode MS" panose="020B0604020202020204" pitchFamily="34" charset="-128"/>
                 <a:cs typeface="Arial Unicode MS" panose="020B0604020202020204" pitchFamily="34" charset="-128"/>
               </a:rPr>
@@ -3569,7 +3666,7 @@
             </a:pPr>
             <a:r>
               <a:rPr lang="hu-HU" sz="2800" dirty="0">
-                <a:latin typeface="Arial Unicode MS" panose="020B0604020202020204" pitchFamily="34" charset="-128"/>
+                <a:latin typeface="Century Schoolbook" panose="02040604050505020304" pitchFamily="18" charset="0"/>
                 <a:ea typeface="Arial Unicode MS" panose="020B0604020202020204" pitchFamily="34" charset="-128"/>
                 <a:cs typeface="Arial Unicode MS" panose="020B0604020202020204" pitchFamily="34" charset="-128"/>
               </a:rPr>
@@ -3577,7 +3674,7 @@
             </a:r>
             <a:r>
               <a:rPr lang="hu-HU" sz="2800" dirty="0" smtClean="0">
-                <a:latin typeface="Arial Unicode MS" panose="020B0604020202020204" pitchFamily="34" charset="-128"/>
+                <a:latin typeface="Century Schoolbook" panose="02040604050505020304" pitchFamily="18" charset="0"/>
                 <a:ea typeface="Arial Unicode MS" panose="020B0604020202020204" pitchFamily="34" charset="-128"/>
                 <a:cs typeface="Arial Unicode MS" panose="020B0604020202020204" pitchFamily="34" charset="-128"/>
               </a:rPr>
@@ -3594,7 +3691,7 @@
             </a:pPr>
             <a:r>
               <a:rPr lang="hu-HU" sz="2800" dirty="0">
-                <a:latin typeface="Arial Unicode MS" panose="020B0604020202020204" pitchFamily="34" charset="-128"/>
+                <a:latin typeface="Century Schoolbook" panose="02040604050505020304" pitchFamily="18" charset="0"/>
                 <a:ea typeface="Arial Unicode MS" panose="020B0604020202020204" pitchFamily="34" charset="-128"/>
                 <a:cs typeface="Arial Unicode MS" panose="020B0604020202020204" pitchFamily="34" charset="-128"/>
               </a:rPr>
@@ -3602,7 +3699,7 @@
             </a:r>
             <a:r>
               <a:rPr lang="hu-HU" sz="2800" dirty="0" smtClean="0">
-                <a:latin typeface="Arial Unicode MS" panose="020B0604020202020204" pitchFamily="34" charset="-128"/>
+                <a:latin typeface="Century Schoolbook" panose="02040604050505020304" pitchFamily="18" charset="0"/>
                 <a:ea typeface="Arial Unicode MS" panose="020B0604020202020204" pitchFamily="34" charset="-128"/>
                 <a:cs typeface="Arial Unicode MS" panose="020B0604020202020204" pitchFamily="34" charset="-128"/>
               </a:rPr>
@@ -3619,7 +3716,7 @@
             </a:pPr>
             <a:r>
               <a:rPr lang="hu-HU" sz="2800" dirty="0">
-                <a:latin typeface="Arial Unicode MS" panose="020B0604020202020204" pitchFamily="34" charset="-128"/>
+                <a:latin typeface="Century Schoolbook" panose="02040604050505020304" pitchFamily="18" charset="0"/>
                 <a:ea typeface="Arial Unicode MS" panose="020B0604020202020204" pitchFamily="34" charset="-128"/>
                 <a:cs typeface="Arial Unicode MS" panose="020B0604020202020204" pitchFamily="34" charset="-128"/>
               </a:rPr>
@@ -3627,7 +3724,7 @@
             </a:r>
             <a:r>
               <a:rPr lang="hu-HU" sz="2800" dirty="0" smtClean="0">
-                <a:latin typeface="Arial Unicode MS" panose="020B0604020202020204" pitchFamily="34" charset="-128"/>
+                <a:latin typeface="Century Schoolbook" panose="02040604050505020304" pitchFamily="18" charset="0"/>
                 <a:ea typeface="Arial Unicode MS" panose="020B0604020202020204" pitchFamily="34" charset="-128"/>
                 <a:cs typeface="Arial Unicode MS" panose="020B0604020202020204" pitchFamily="34" charset="-128"/>
               </a:rPr>
@@ -3635,7 +3732,9 @@
             </a:r>
           </a:p>
           <a:p>
-            <a:endParaRPr lang="hu-HU" dirty="0"/>
+            <a:endParaRPr lang="hu-HU" dirty="0">
+              <a:latin typeface="Century Schoolbook" panose="02040604050505020304" pitchFamily="18" charset="0"/>
+            </a:endParaRPr>
           </a:p>
         </p:txBody>
       </p:sp>
@@ -3649,6 +3748,13 @@
   <p:clrMapOvr>
     <a:masterClrMapping/>
   </p:clrMapOvr>
+  <p:timing>
+    <p:tnLst>
+      <p:par>
+        <p:cTn id="1" dur="indefinite" restart="never" nodeType="tmRoot"/>
+      </p:par>
+    </p:tnLst>
+  </p:timing>
 </p:sld>
 </file>
 
@@ -3681,45 +3787,296 @@
         </p:nvSpPr>
         <p:spPr>
           <a:xfrm>
-            <a:off x="838200" y="947737"/>
-            <a:ext cx="4445000" cy="877888"/>
+            <a:off x="405714" y="239504"/>
+            <a:ext cx="5537886" cy="877888"/>
           </a:xfrm>
         </p:spPr>
         <p:txBody>
           <a:bodyPr>
-            <a:normAutofit fontScale="90000"/>
+            <a:normAutofit/>
           </a:bodyPr>
           <a:lstStyle/>
           <a:p>
             <a:r>
-              <a:rPr lang="hu-HU" dirty="0" smtClean="0"/>
-              <a:t>Legismertebb fajtái</a:t>
-            </a:r>
-            <a:endParaRPr lang="hu-HU" dirty="0"/>
-          </a:p>
-        </p:txBody>
-      </p:sp>
-      <p:sp>
-        <p:nvSpPr>
-          <p:cNvPr id="3" name="Tartalom helye 2"/>
-          <p:cNvSpPr>
-            <a:spLocks noGrp="1"/>
-          </p:cNvSpPr>
-          <p:nvPr>
-            <p:ph idx="1"/>
-          </p:nvPr>
+              <a:rPr lang="hu-HU" sz="4000" b="1" dirty="0" smtClean="0">
+                <a:latin typeface="Century Schoolbook" panose="02040604050505020304" pitchFamily="18" charset="0"/>
+              </a:rPr>
+              <a:t>Legismertebb</a:t>
+            </a:r>
+            <a:r>
+              <a:rPr lang="hu-HU" b="1" dirty="0" smtClean="0">
+                <a:latin typeface="Century Schoolbook" panose="02040604050505020304" pitchFamily="18" charset="0"/>
+              </a:rPr>
+              <a:t> fajtái</a:t>
+            </a:r>
+            <a:endParaRPr lang="hu-HU" b="1" dirty="0">
+              <a:latin typeface="Century Schoolbook" panose="02040604050505020304" pitchFamily="18" charset="0"/>
+            </a:endParaRPr>
+          </a:p>
+        </p:txBody>
+      </p:sp>
+      <p:sp>
+        <p:nvSpPr>
+          <p:cNvPr id="4" name="Szövegdoboz 3"/>
+          <p:cNvSpPr txBox="1"/>
+          <p:nvPr/>
         </p:nvSpPr>
         <p:spPr>
           <a:xfrm>
-            <a:off x="838200" y="2028825"/>
-            <a:ext cx="10515600" cy="4351338"/>
+            <a:off x="209034" y="1139534"/>
+            <a:ext cx="7390372" cy="1446550"/>
           </a:xfrm>
+          <a:prstGeom prst="rect">
+            <a:avLst/>
+          </a:prstGeom>
+          <a:noFill/>
         </p:spPr>
         <p:txBody>
-          <a:bodyPr/>
-          <a:lstStyle/>
-          <a:p>
-            <a:endParaRPr lang="hu-HU" dirty="0"/>
+          <a:bodyPr wrap="square" rtlCol="0">
+            <a:spAutoFit/>
+          </a:bodyPr>
+          <a:lstStyle/>
+          <a:p>
+            <a:pPr algn="just"/>
+            <a:r>
+              <a:rPr lang="hu-HU" sz="2200" b="1" dirty="0">
+                <a:latin typeface="Century Schoolbook" panose="02040604050505020304" pitchFamily="18" charset="0"/>
+              </a:rPr>
+              <a:t>Fájlvírusok:</a:t>
+            </a:r>
+          </a:p>
+          <a:p>
+            <a:pPr lvl="1" algn="just"/>
+            <a:r>
+              <a:rPr lang="hu-HU" sz="2200" dirty="0">
+                <a:latin typeface="Century Schoolbook" panose="02040604050505020304" pitchFamily="18" charset="0"/>
+              </a:rPr>
+              <a:t>-Végrehajtható állományokat fertőznek meg(exe, sys, stb.)</a:t>
+            </a:r>
+          </a:p>
+          <a:p>
+            <a:pPr lvl="1" algn="just"/>
+            <a:r>
+              <a:rPr lang="hu-HU" sz="2200" dirty="0">
+                <a:latin typeface="Century Schoolbook" panose="02040604050505020304" pitchFamily="18" charset="0"/>
+              </a:rPr>
+              <a:t>-Elindítás után aktiválódik</a:t>
+            </a:r>
+          </a:p>
+        </p:txBody>
+      </p:sp>
+      <p:sp>
+        <p:nvSpPr>
+          <p:cNvPr id="5" name="Szövegdoboz 4"/>
+          <p:cNvSpPr txBox="1"/>
+          <p:nvPr/>
+        </p:nvSpPr>
+        <p:spPr>
+          <a:xfrm>
+            <a:off x="209035" y="2910830"/>
+            <a:ext cx="7390372" cy="1785104"/>
+          </a:xfrm>
+          <a:prstGeom prst="rect">
+            <a:avLst/>
+          </a:prstGeom>
+          <a:noFill/>
+        </p:spPr>
+        <p:txBody>
+          <a:bodyPr wrap="square" rtlCol="0">
+            <a:spAutoFit/>
+          </a:bodyPr>
+          <a:lstStyle/>
+          <a:p>
+            <a:pPr algn="just"/>
+            <a:r>
+              <a:rPr lang="hu-HU" sz="2200" b="1" dirty="0" smtClean="0">
+                <a:latin typeface="Century Schoolbook" panose="02040604050505020304" pitchFamily="18" charset="0"/>
+              </a:rPr>
+              <a:t>Bootvírusok:</a:t>
+            </a:r>
+          </a:p>
+          <a:p>
+            <a:pPr lvl="1" algn="just"/>
+            <a:r>
+              <a:rPr lang="hu-HU" sz="2200" dirty="0" smtClean="0">
+                <a:latin typeface="Century Schoolbook" panose="02040604050505020304" pitchFamily="18" charset="0"/>
+              </a:rPr>
+              <a:t>-Floppy/merevlemez boot-területeinek egyikébe írják be magukat</a:t>
+            </a:r>
+          </a:p>
+          <a:p>
+            <a:pPr lvl="1" algn="just"/>
+            <a:r>
+              <a:rPr lang="hu-HU" sz="2200" dirty="0" smtClean="0">
+                <a:latin typeface="Century Schoolbook" panose="02040604050505020304" pitchFamily="18" charset="0"/>
+              </a:rPr>
+              <a:t>-Akkor fertőződnek, hogyha fertőzött lemezről indul a gép</a:t>
+            </a:r>
+          </a:p>
+        </p:txBody>
+      </p:sp>
+      <p:sp>
+        <p:nvSpPr>
+          <p:cNvPr id="6" name="Szövegdoboz 5"/>
+          <p:cNvSpPr txBox="1"/>
+          <p:nvPr/>
+        </p:nvSpPr>
+        <p:spPr>
+          <a:xfrm>
+            <a:off x="209034" y="5020680"/>
+            <a:ext cx="7216346" cy="1107996"/>
+          </a:xfrm>
+          <a:prstGeom prst="rect">
+            <a:avLst/>
+          </a:prstGeom>
+          <a:noFill/>
+        </p:spPr>
+        <p:txBody>
+          <a:bodyPr wrap="square" rtlCol="0">
+            <a:spAutoFit/>
+          </a:bodyPr>
+          <a:lstStyle/>
+          <a:p>
+            <a:pPr algn="just"/>
+            <a:r>
+              <a:rPr lang="hu-HU" sz="2200" b="1" dirty="0" smtClean="0">
+                <a:latin typeface="Century Schoolbook" panose="02040604050505020304" pitchFamily="18" charset="0"/>
+              </a:rPr>
+              <a:t>Makrovírusok:</a:t>
+            </a:r>
+          </a:p>
+          <a:p>
+            <a:pPr lvl="1" algn="just"/>
+            <a:r>
+              <a:rPr lang="hu-HU" sz="2200" dirty="0" smtClean="0">
+                <a:latin typeface="Century Schoolbook" panose="02040604050505020304" pitchFamily="18" charset="0"/>
+              </a:rPr>
+              <a:t>-Dokumentumok útján terjednek</a:t>
+            </a:r>
+          </a:p>
+          <a:p>
+            <a:pPr lvl="1" algn="just"/>
+            <a:r>
+              <a:rPr lang="hu-HU" sz="2200" dirty="0" smtClean="0">
+                <a:latin typeface="Century Schoolbook" panose="02040604050505020304" pitchFamily="18" charset="0"/>
+              </a:rPr>
+              <a:t>-Egy vagy több dokumentumba is beágyazódik</a:t>
+            </a:r>
+          </a:p>
+        </p:txBody>
+      </p:sp>
+      <p:pic>
+        <p:nvPicPr>
+          <p:cNvPr id="7" name="Kép 6"/>
+          <p:cNvPicPr>
+            <a:picLocks noChangeAspect="1"/>
+          </p:cNvPicPr>
+          <p:nvPr/>
+        </p:nvPicPr>
+        <p:blipFill>
+          <a:blip r:embed="rId2" cstate="print">
+            <a:extLst>
+              <a:ext uri="{28A0092B-C50C-407E-A947-70E740481C1C}">
+                <a14:useLocalDpi xmlns:a14="http://schemas.microsoft.com/office/drawing/2010/main" val="0"/>
+              </a:ext>
+            </a:extLst>
+          </a:blip>
+          <a:stretch>
+            <a:fillRect/>
+          </a:stretch>
+        </p:blipFill>
+        <p:spPr>
+          <a:xfrm>
+            <a:off x="7685903" y="2457622"/>
+            <a:ext cx="3979222" cy="2238312"/>
+          </a:xfrm>
+          <a:prstGeom prst="roundRect">
+            <a:avLst>
+              <a:gd name="adj" fmla="val 8594"/>
+            </a:avLst>
+          </a:prstGeom>
+          <a:solidFill>
+            <a:srgbClr val="FFFFFF">
+              <a:shade val="85000"/>
+            </a:srgbClr>
+          </a:solidFill>
+          <a:ln>
+            <a:noFill/>
+          </a:ln>
+          <a:effectLst>
+            <a:reflection blurRad="12700" stA="38000" endPos="28000" dist="5000" dir="5400000" sy="-100000" algn="bl" rotWithShape="0"/>
+          </a:effectLst>
+        </p:spPr>
+      </p:pic>
+      <p:pic>
+        <p:nvPicPr>
+          <p:cNvPr id="8" name="Kép 7"/>
+          <p:cNvPicPr>
+            <a:picLocks noChangeAspect="1"/>
+          </p:cNvPicPr>
+          <p:nvPr/>
+        </p:nvPicPr>
+        <p:blipFill>
+          <a:blip r:embed="rId3">
+            <a:extLst>
+              <a:ext uri="{28A0092B-C50C-407E-A947-70E740481C1C}">
+                <a14:useLocalDpi xmlns:a14="http://schemas.microsoft.com/office/drawing/2010/main" val="0"/>
+              </a:ext>
+            </a:extLst>
+          </a:blip>
+          <a:stretch>
+            <a:fillRect/>
+          </a:stretch>
+        </p:blipFill>
+        <p:spPr>
+          <a:xfrm>
+            <a:off x="6818871" y="4695934"/>
+            <a:ext cx="3713782" cy="2063212"/>
+          </a:xfrm>
+          <a:prstGeom prst="roundRect">
+            <a:avLst>
+              <a:gd name="adj" fmla="val 8594"/>
+            </a:avLst>
+          </a:prstGeom>
+          <a:solidFill>
+            <a:srgbClr val="FFFFFF">
+              <a:shade val="85000"/>
+            </a:srgbClr>
+          </a:solidFill>
+          <a:ln>
+            <a:noFill/>
+          </a:ln>
+          <a:effectLst>
+            <a:reflection blurRad="12700" stA="38000" endPos="28000" dist="5000" dir="5400000" sy="-100000" algn="bl" rotWithShape="0"/>
+          </a:effectLst>
+        </p:spPr>
+      </p:pic>
+      <p:sp>
+        <p:nvSpPr>
+          <p:cNvPr id="9" name="Szövegdoboz 8"/>
+          <p:cNvSpPr txBox="1"/>
+          <p:nvPr/>
+        </p:nvSpPr>
+        <p:spPr>
+          <a:xfrm>
+            <a:off x="9934833" y="1117392"/>
+            <a:ext cx="864972" cy="523220"/>
+          </a:xfrm>
+          <a:prstGeom prst="rect">
+            <a:avLst/>
+          </a:prstGeom>
+          <a:noFill/>
+        </p:spPr>
+        <p:txBody>
+          <a:bodyPr wrap="square" rtlCol="0">
+            <a:spAutoFit/>
+          </a:bodyPr>
+          <a:lstStyle/>
+          <a:p>
+            <a:r>
+              <a:rPr lang="hu-HU" sz="2800" dirty="0" smtClean="0"/>
+              <a:t>KÉP!</a:t>
+            </a:r>
           </a:p>
         </p:txBody>
       </p:sp>
@@ -3733,6 +4090,13 @@
   <p:clrMapOvr>
     <a:masterClrMapping/>
   </p:clrMapOvr>
+  <p:timing>
+    <p:tnLst>
+      <p:par>
+        <p:cTn id="1" dur="indefinite" restart="never" nodeType="tmRoot"/>
+      </p:par>
+    </p:tnLst>
+  </p:timing>
 </p:sld>
 </file>
 
@@ -3817,6 +4181,13 @@
   <p:clrMapOvr>
     <a:masterClrMapping/>
   </p:clrMapOvr>
+  <p:timing>
+    <p:tnLst>
+      <p:par>
+        <p:cTn id="1" dur="indefinite" restart="never" nodeType="tmRoot"/>
+      </p:par>
+    </p:tnLst>
+  </p:timing>
 </p:sld>
 </file>
 
@@ -3847,6 +4218,40 @@
             <p:ph type="title"/>
           </p:nvPr>
         </p:nvSpPr>
+        <p:spPr>
+          <a:xfrm>
+            <a:off x="838200" y="130346"/>
+            <a:ext cx="10515600" cy="1325563"/>
+          </a:xfrm>
+        </p:spPr>
+        <p:txBody>
+          <a:bodyPr>
+            <a:normAutofit/>
+          </a:bodyPr>
+          <a:lstStyle/>
+          <a:p>
+            <a:r>
+              <a:rPr lang="hu-HU" sz="4000" dirty="0" smtClean="0">
+                <a:latin typeface="Century Schoolbook" panose="02040604050505020304" pitchFamily="18" charset="0"/>
+              </a:rPr>
+              <a:t>Védekezés vírusok ellen</a:t>
+            </a:r>
+            <a:endParaRPr lang="hu-HU" sz="4000" dirty="0">
+              <a:latin typeface="Century Schoolbook" panose="02040604050505020304" pitchFamily="18" charset="0"/>
+            </a:endParaRPr>
+          </a:p>
+        </p:txBody>
+      </p:sp>
+      <p:sp>
+        <p:nvSpPr>
+          <p:cNvPr id="3" name="Tartalom helye 2"/>
+          <p:cNvSpPr>
+            <a:spLocks noGrp="1"/>
+          </p:cNvSpPr>
+          <p:nvPr>
+            <p:ph idx="1"/>
+          </p:nvPr>
+        </p:nvSpPr>
         <p:spPr/>
         <p:txBody>
           <a:bodyPr/>
@@ -3854,28 +4259,30 @@
           <a:p>
             <a:r>
               <a:rPr lang="hu-HU" dirty="0" smtClean="0"/>
-              <a:t>Védekezés vírusok ellen</a:t>
-            </a:r>
+              <a:t>Kerüljük a gyanús oldalakat, emaileket</a:t>
+            </a:r>
+          </a:p>
+          <a:p>
+            <a:r>
+              <a:rPr lang="hu-HU" dirty="0" smtClean="0"/>
+              <a:t>Használjunk vírusírtót</a:t>
+            </a:r>
+          </a:p>
+          <a:p>
+            <a:r>
+              <a:rPr lang="hu-HU" dirty="0" smtClean="0"/>
+              <a:t>Ne nyissunk meg spam leveleket, illetve a </a:t>
+            </a:r>
+            <a:r>
+              <a:rPr lang="hu-HU" smtClean="0"/>
+              <a:t>benne található üzeneteket se</a:t>
+            </a:r>
+          </a:p>
+          <a:p>
+            <a:endParaRPr lang="hu-HU" dirty="0" smtClean="0"/>
+          </a:p>
+          <a:p>
             <a:endParaRPr lang="hu-HU" dirty="0"/>
-          </a:p>
-        </p:txBody>
-      </p:sp>
-      <p:sp>
-        <p:nvSpPr>
-          <p:cNvPr id="3" name="Tartalom helye 2"/>
-          <p:cNvSpPr>
-            <a:spLocks noGrp="1"/>
-          </p:cNvSpPr>
-          <p:nvPr>
-            <p:ph idx="1"/>
-          </p:nvPr>
-        </p:nvSpPr>
-        <p:spPr/>
-        <p:txBody>
-          <a:bodyPr/>
-          <a:lstStyle/>
-          <a:p>
-            <a:endParaRPr lang="hu-HU"/>
           </a:p>
         </p:txBody>
       </p:sp>
@@ -4019,7 +4426,37 @@
           <a:bodyPr/>
           <a:lstStyle/>
           <a:p>
-            <a:endParaRPr lang="hu-HU"/>
+            <a:r>
+              <a:rPr lang="hu-HU" dirty="0">
+                <a:hlinkClick r:id="rId2"/>
+              </a:rPr>
+              <a:t>https://</a:t>
+            </a:r>
+            <a:r>
+              <a:rPr lang="hu-HU" dirty="0" smtClean="0">
+                <a:hlinkClick r:id="rId2"/>
+              </a:rPr>
+              <a:t>hu.theastrologypage.com/macro-virus#menu-1</a:t>
+            </a:r>
+            <a:endParaRPr lang="hu-HU" dirty="0" smtClean="0"/>
+          </a:p>
+          <a:p>
+            <a:r>
+              <a:rPr lang="hu-HU" dirty="0">
+                <a:hlinkClick r:id="rId3"/>
+              </a:rPr>
+              <a:t>https://</a:t>
+            </a:r>
+            <a:r>
+              <a:rPr lang="hu-HU" dirty="0" smtClean="0">
+                <a:hlinkClick r:id="rId3"/>
+              </a:rPr>
+              <a:t>hu.wikipedia.org/wiki/Sz%C3%A1m%C3%ADt%C3%B3g%C3%A9pes_v%C3%ADrus</a:t>
+            </a:r>
+            <a:endParaRPr lang="hu-HU" dirty="0" smtClean="0"/>
+          </a:p>
+          <a:p>
+            <a:endParaRPr lang="hu-HU" dirty="0"/>
           </a:p>
         </p:txBody>
       </p:sp>

--- a/Beadandó SK.pptx
+++ b/Beadandó SK.pptx
@@ -2,7 +2,7 @@
 <file path=ppt/presentation.xml><?xml version="1.0" encoding="utf-8"?>
 <p:presentation xmlns:a="http://schemas.openxmlformats.org/drawingml/2006/main" xmlns:r="http://schemas.openxmlformats.org/officeDocument/2006/relationships" xmlns:p="http://schemas.openxmlformats.org/presentationml/2006/main" saveSubsetFonts="1">
   <p:sldMasterIdLst>
-    <p:sldMasterId id="2147483648" r:id="rId1"/>
+    <p:sldMasterId id="2147483660" r:id="rId1"/>
   </p:sldMasterIdLst>
   <p:sldIdLst>
     <p:sldId id="256" r:id="rId2"/>
@@ -20,9 +20,9 @@
   <p:notesSz cx="6858000" cy="9144000"/>
   <p:defaultTextStyle>
     <a:defPPr>
-      <a:defRPr lang="hu-HU"/>
+      <a:defRPr lang="en-US"/>
     </a:defPPr>
-    <a:lvl1pPr marL="0" algn="l" defTabSz="914400" rtl="0" eaLnBrk="1" latinLnBrk="0" hangingPunct="1">
+    <a:lvl1pPr marL="0" algn="l" defTabSz="457200" rtl="0" eaLnBrk="1" latinLnBrk="0" hangingPunct="1">
       <a:defRPr sz="1800" kern="1200">
         <a:solidFill>
           <a:schemeClr val="tx1"/>
@@ -32,7 +32,7 @@
         <a:cs typeface="+mn-cs"/>
       </a:defRPr>
     </a:lvl1pPr>
-    <a:lvl2pPr marL="457200" algn="l" defTabSz="914400" rtl="0" eaLnBrk="1" latinLnBrk="0" hangingPunct="1">
+    <a:lvl2pPr marL="457200" algn="l" defTabSz="457200" rtl="0" eaLnBrk="1" latinLnBrk="0" hangingPunct="1">
       <a:defRPr sz="1800" kern="1200">
         <a:solidFill>
           <a:schemeClr val="tx1"/>
@@ -42,7 +42,7 @@
         <a:cs typeface="+mn-cs"/>
       </a:defRPr>
     </a:lvl2pPr>
-    <a:lvl3pPr marL="914400" algn="l" defTabSz="914400" rtl="0" eaLnBrk="1" latinLnBrk="0" hangingPunct="1">
+    <a:lvl3pPr marL="914400" algn="l" defTabSz="457200" rtl="0" eaLnBrk="1" latinLnBrk="0" hangingPunct="1">
       <a:defRPr sz="1800" kern="1200">
         <a:solidFill>
           <a:schemeClr val="tx1"/>
@@ -52,7 +52,7 @@
         <a:cs typeface="+mn-cs"/>
       </a:defRPr>
     </a:lvl3pPr>
-    <a:lvl4pPr marL="1371600" algn="l" defTabSz="914400" rtl="0" eaLnBrk="1" latinLnBrk="0" hangingPunct="1">
+    <a:lvl4pPr marL="1371600" algn="l" defTabSz="457200" rtl="0" eaLnBrk="1" latinLnBrk="0" hangingPunct="1">
       <a:defRPr sz="1800" kern="1200">
         <a:solidFill>
           <a:schemeClr val="tx1"/>
@@ -62,7 +62,7 @@
         <a:cs typeface="+mn-cs"/>
       </a:defRPr>
     </a:lvl4pPr>
-    <a:lvl5pPr marL="1828800" algn="l" defTabSz="914400" rtl="0" eaLnBrk="1" latinLnBrk="0" hangingPunct="1">
+    <a:lvl5pPr marL="1828800" algn="l" defTabSz="457200" rtl="0" eaLnBrk="1" latinLnBrk="0" hangingPunct="1">
       <a:defRPr sz="1800" kern="1200">
         <a:solidFill>
           <a:schemeClr val="tx1"/>
@@ -72,7 +72,7 @@
         <a:cs typeface="+mn-cs"/>
       </a:defRPr>
     </a:lvl5pPr>
-    <a:lvl6pPr marL="2286000" algn="l" defTabSz="914400" rtl="0" eaLnBrk="1" latinLnBrk="0" hangingPunct="1">
+    <a:lvl6pPr marL="2286000" algn="l" defTabSz="457200" rtl="0" eaLnBrk="1" latinLnBrk="0" hangingPunct="1">
       <a:defRPr sz="1800" kern="1200">
         <a:solidFill>
           <a:schemeClr val="tx1"/>
@@ -82,7 +82,7 @@
         <a:cs typeface="+mn-cs"/>
       </a:defRPr>
     </a:lvl6pPr>
-    <a:lvl7pPr marL="2743200" algn="l" defTabSz="914400" rtl="0" eaLnBrk="1" latinLnBrk="0" hangingPunct="1">
+    <a:lvl7pPr marL="2743200" algn="l" defTabSz="457200" rtl="0" eaLnBrk="1" latinLnBrk="0" hangingPunct="1">
       <a:defRPr sz="1800" kern="1200">
         <a:solidFill>
           <a:schemeClr val="tx1"/>
@@ -92,7 +92,7 @@
         <a:cs typeface="+mn-cs"/>
       </a:defRPr>
     </a:lvl7pPr>
-    <a:lvl8pPr marL="3200400" algn="l" defTabSz="914400" rtl="0" eaLnBrk="1" latinLnBrk="0" hangingPunct="1">
+    <a:lvl8pPr marL="3200400" algn="l" defTabSz="457200" rtl="0" eaLnBrk="1" latinLnBrk="0" hangingPunct="1">
       <a:defRPr sz="1800" kern="1200">
         <a:solidFill>
           <a:schemeClr val="tx1"/>
@@ -102,7 +102,7 @@
         <a:cs typeface="+mn-cs"/>
       </a:defRPr>
     </a:lvl8pPr>
-    <a:lvl9pPr marL="3657600" algn="l" defTabSz="914400" rtl="0" eaLnBrk="1" latinLnBrk="0" hangingPunct="1">
+    <a:lvl9pPr marL="3657600" algn="l" defTabSz="457200" rtl="0" eaLnBrk="1" latinLnBrk="0" hangingPunct="1">
       <a:defRPr sz="1800" kern="1200">
         <a:solidFill>
           <a:schemeClr val="tx1"/>
@@ -140,7 +140,7 @@
       </p:grpSpPr>
       <p:sp>
         <p:nvSpPr>
-          <p:cNvPr id="2" name="Cím 1"/>
+          <p:cNvPr id="2" name="Title 1"/>
           <p:cNvSpPr>
             <a:spLocks noGrp="1"/>
           </p:cNvSpPr>
@@ -150,15 +150,15 @@
         </p:nvSpPr>
         <p:spPr>
           <a:xfrm>
-            <a:off x="1524000" y="1122363"/>
-            <a:ext cx="9144000" cy="2387600"/>
+            <a:off x="1154955" y="1447800"/>
+            <a:ext cx="8825658" cy="3329581"/>
           </a:xfrm>
         </p:spPr>
         <p:txBody>
           <a:bodyPr anchor="b"/>
           <a:lstStyle>
-            <a:lvl1pPr algn="ctr">
-              <a:defRPr sz="6000"/>
+            <a:lvl1pPr>
+              <a:defRPr sz="7200"/>
             </a:lvl1pPr>
           </a:lstStyle>
           <a:p>
@@ -166,13 +166,13 @@
               <a:rPr lang="hu-HU" smtClean="0"/>
               <a:t>Mintacím szerkesztése</a:t>
             </a:r>
-            <a:endParaRPr lang="hu-HU"/>
-          </a:p>
-        </p:txBody>
-      </p:sp>
-      <p:sp>
-        <p:nvSpPr>
-          <p:cNvPr id="3" name="Alcím 2"/>
+            <a:endParaRPr lang="en-US" dirty="0"/>
+          </a:p>
+        </p:txBody>
+      </p:sp>
+      <p:sp>
+        <p:nvSpPr>
+          <p:cNvPr id="3" name="Subtitle 2"/>
           <p:cNvSpPr>
             <a:spLocks noGrp="1"/>
           </p:cNvSpPr>
@@ -182,48 +182,103 @@
         </p:nvSpPr>
         <p:spPr>
           <a:xfrm>
-            <a:off x="1524000" y="3602038"/>
-            <a:ext cx="9144000" cy="1655762"/>
-          </a:xfrm>
-        </p:spPr>
-        <p:txBody>
-          <a:bodyPr/>
+            <a:off x="1154955" y="4777380"/>
+            <a:ext cx="8825658" cy="861420"/>
+          </a:xfrm>
+        </p:spPr>
+        <p:txBody>
+          <a:bodyPr anchor="t"/>
           <a:lstStyle>
-            <a:lvl1pPr marL="0" indent="0" algn="ctr">
-              <a:buNone/>
-              <a:defRPr sz="2400"/>
+            <a:lvl1pPr marL="0" indent="0" algn="l">
+              <a:buNone/>
+              <a:defRPr cap="all">
+                <a:solidFill>
+                  <a:schemeClr val="bg2">
+                    <a:lumMod val="40000"/>
+                    <a:lumOff val="60000"/>
+                  </a:schemeClr>
+                </a:solidFill>
+              </a:defRPr>
             </a:lvl1pPr>
             <a:lvl2pPr marL="457200" indent="0" algn="ctr">
               <a:buNone/>
-              <a:defRPr sz="2000"/>
+              <a:defRPr>
+                <a:solidFill>
+                  <a:schemeClr val="tx1">
+                    <a:tint val="75000"/>
+                  </a:schemeClr>
+                </a:solidFill>
+              </a:defRPr>
             </a:lvl2pPr>
             <a:lvl3pPr marL="914400" indent="0" algn="ctr">
               <a:buNone/>
-              <a:defRPr sz="1800"/>
+              <a:defRPr>
+                <a:solidFill>
+                  <a:schemeClr val="tx1">
+                    <a:tint val="75000"/>
+                  </a:schemeClr>
+                </a:solidFill>
+              </a:defRPr>
             </a:lvl3pPr>
             <a:lvl4pPr marL="1371600" indent="0" algn="ctr">
               <a:buNone/>
-              <a:defRPr sz="1600"/>
+              <a:defRPr>
+                <a:solidFill>
+                  <a:schemeClr val="tx1">
+                    <a:tint val="75000"/>
+                  </a:schemeClr>
+                </a:solidFill>
+              </a:defRPr>
             </a:lvl4pPr>
             <a:lvl5pPr marL="1828800" indent="0" algn="ctr">
               <a:buNone/>
-              <a:defRPr sz="1600"/>
+              <a:defRPr>
+                <a:solidFill>
+                  <a:schemeClr val="tx1">
+                    <a:tint val="75000"/>
+                  </a:schemeClr>
+                </a:solidFill>
+              </a:defRPr>
             </a:lvl5pPr>
             <a:lvl6pPr marL="2286000" indent="0" algn="ctr">
               <a:buNone/>
-              <a:defRPr sz="1600"/>
+              <a:defRPr>
+                <a:solidFill>
+                  <a:schemeClr val="tx1">
+                    <a:tint val="75000"/>
+                  </a:schemeClr>
+                </a:solidFill>
+              </a:defRPr>
             </a:lvl6pPr>
             <a:lvl7pPr marL="2743200" indent="0" algn="ctr">
               <a:buNone/>
-              <a:defRPr sz="1600"/>
+              <a:defRPr>
+                <a:solidFill>
+                  <a:schemeClr val="tx1">
+                    <a:tint val="75000"/>
+                  </a:schemeClr>
+                </a:solidFill>
+              </a:defRPr>
             </a:lvl7pPr>
             <a:lvl8pPr marL="3200400" indent="0" algn="ctr">
               <a:buNone/>
-              <a:defRPr sz="1600"/>
+              <a:defRPr>
+                <a:solidFill>
+                  <a:schemeClr val="tx1">
+                    <a:tint val="75000"/>
+                  </a:schemeClr>
+                </a:solidFill>
+              </a:defRPr>
             </a:lvl8pPr>
             <a:lvl9pPr marL="3657600" indent="0" algn="ctr">
               <a:buNone/>
-              <a:defRPr sz="1600"/>
+              <a:defRPr>
+                <a:solidFill>
+                  <a:schemeClr val="tx1">
+                    <a:tint val="75000"/>
+                  </a:schemeClr>
+                </a:solidFill>
+              </a:defRPr>
             </a:lvl9pPr>
           </a:lstStyle>
           <a:p>
@@ -231,13 +286,13 @@
               <a:rPr lang="hu-HU" smtClean="0"/>
               <a:t>Kattintson ide az alcím mintájának szerkesztéséhez</a:t>
             </a:r>
-            <a:endParaRPr lang="hu-HU"/>
-          </a:p>
-        </p:txBody>
-      </p:sp>
-      <p:sp>
-        <p:nvSpPr>
-          <p:cNvPr id="4" name="Dátum helye 3"/>
+            <a:endParaRPr lang="en-US" dirty="0"/>
+          </a:p>
+        </p:txBody>
+      </p:sp>
+      <p:sp>
+        <p:nvSpPr>
+          <p:cNvPr id="4" name="Date Placeholder 3"/>
           <p:cNvSpPr>
             <a:spLocks noGrp="1"/>
           </p:cNvSpPr>
@@ -252,7 +307,7 @@
           <a:p>
             <a:fld id="{BD5193CC-C62B-423D-A098-867CDE0A1E84}" type="datetimeFigureOut">
               <a:rPr lang="hu-HU" smtClean="0"/>
-              <a:t>2022.09.13.</a:t>
+              <a:t>2022.09.15.</a:t>
             </a:fld>
             <a:endParaRPr lang="hu-HU"/>
           </a:p>
@@ -260,7 +315,7 @@
       </p:sp>
       <p:sp>
         <p:nvSpPr>
-          <p:cNvPr id="5" name="Élőláb helye 4"/>
+          <p:cNvPr id="5" name="Footer Placeholder 4"/>
           <p:cNvSpPr>
             <a:spLocks noGrp="1"/>
           </p:cNvSpPr>
@@ -279,7 +334,7 @@
       </p:sp>
       <p:sp>
         <p:nvSpPr>
-          <p:cNvPr id="6" name="Dia számának helye 5"/>
+          <p:cNvPr id="6" name="Slide Number Placeholder 5"/>
           <p:cNvSpPr>
             <a:spLocks noGrp="1"/>
           </p:cNvSpPr>
@@ -303,7 +358,7 @@
     </p:spTree>
     <p:extLst>
       <p:ext uri="{BB962C8B-B14F-4D97-AF65-F5344CB8AC3E}">
-        <p14:creationId xmlns:p14="http://schemas.microsoft.com/office/powerpoint/2010/main" val="2518254748"/>
+        <p14:creationId xmlns:p14="http://schemas.microsoft.com/office/powerpoint/2010/main" val="708176691"/>
       </p:ext>
     </p:extLst>
   </p:cSld>
@@ -314,6 +369,2572 @@
 </file>
 
 <file path=ppt/slideLayouts/slideLayout10.xml><?xml version="1.0" encoding="utf-8"?>
+<p:sldLayout xmlns:a="http://schemas.openxmlformats.org/drawingml/2006/main" xmlns:r="http://schemas.openxmlformats.org/officeDocument/2006/relationships" xmlns:p="http://schemas.openxmlformats.org/presentationml/2006/main" preserve="1">
+  <p:cSld name="Panorámakép képaláírással">
+    <p:spTree>
+      <p:nvGrpSpPr>
+        <p:cNvPr id="1" name=""/>
+        <p:cNvGrpSpPr/>
+        <p:nvPr/>
+      </p:nvGrpSpPr>
+      <p:grpSpPr>
+        <a:xfrm>
+          <a:off x="0" y="0"/>
+          <a:ext cx="0" cy="0"/>
+          <a:chOff x="0" y="0"/>
+          <a:chExt cx="0" cy="0"/>
+        </a:xfrm>
+      </p:grpSpPr>
+      <p:sp>
+        <p:nvSpPr>
+          <p:cNvPr id="2" name="Title 1"/>
+          <p:cNvSpPr>
+            <a:spLocks noGrp="1"/>
+          </p:cNvSpPr>
+          <p:nvPr>
+            <p:ph type="title"/>
+          </p:nvPr>
+        </p:nvSpPr>
+        <p:spPr>
+          <a:xfrm>
+            <a:off x="1154956" y="4800587"/>
+            <a:ext cx="8825657" cy="566738"/>
+          </a:xfrm>
+        </p:spPr>
+        <p:txBody>
+          <a:bodyPr anchor="b">
+            <a:normAutofit/>
+          </a:bodyPr>
+          <a:lstStyle>
+            <a:lvl1pPr algn="l">
+              <a:defRPr sz="2400" b="0"/>
+            </a:lvl1pPr>
+          </a:lstStyle>
+          <a:p>
+            <a:r>
+              <a:rPr lang="hu-HU" smtClean="0"/>
+              <a:t>Mintacím szerkesztése</a:t>
+            </a:r>
+            <a:endParaRPr lang="en-US" dirty="0"/>
+          </a:p>
+        </p:txBody>
+      </p:sp>
+      <p:sp>
+        <p:nvSpPr>
+          <p:cNvPr id="3" name="Picture Placeholder 2"/>
+          <p:cNvSpPr>
+            <a:spLocks noGrp="1" noChangeAspect="1"/>
+          </p:cNvSpPr>
+          <p:nvPr>
+            <p:ph type="pic" idx="1"/>
+          </p:nvPr>
+        </p:nvSpPr>
+        <p:spPr>
+          <a:xfrm>
+            <a:off x="1154955" y="685800"/>
+            <a:ext cx="8825658" cy="3640666"/>
+          </a:xfrm>
+          <a:prstGeom prst="roundRect">
+            <a:avLst>
+              <a:gd name="adj" fmla="val 1858"/>
+            </a:avLst>
+          </a:prstGeom>
+          <a:effectLst>
+            <a:outerShdw blurRad="50800" dist="50800" dir="5400000" algn="tl" rotWithShape="0">
+              <a:srgbClr val="000000">
+                <a:alpha val="43000"/>
+              </a:srgbClr>
+            </a:outerShdw>
+          </a:effectLst>
+        </p:spPr>
+        <p:txBody>
+          <a:bodyPr anchor="t">
+            <a:normAutofit/>
+          </a:bodyPr>
+          <a:lstStyle>
+            <a:lvl1pPr marL="0" indent="0" algn="ctr">
+              <a:buNone/>
+              <a:defRPr sz="1600"/>
+            </a:lvl1pPr>
+            <a:lvl2pPr marL="457200" indent="0">
+              <a:buNone/>
+              <a:defRPr sz="1600"/>
+            </a:lvl2pPr>
+            <a:lvl3pPr marL="914400" indent="0">
+              <a:buNone/>
+              <a:defRPr sz="1600"/>
+            </a:lvl3pPr>
+            <a:lvl4pPr marL="1371600" indent="0">
+              <a:buNone/>
+              <a:defRPr sz="1600"/>
+            </a:lvl4pPr>
+            <a:lvl5pPr marL="1828800" indent="0">
+              <a:buNone/>
+              <a:defRPr sz="1600"/>
+            </a:lvl5pPr>
+            <a:lvl6pPr marL="2286000" indent="0">
+              <a:buNone/>
+              <a:defRPr sz="1600"/>
+            </a:lvl6pPr>
+            <a:lvl7pPr marL="2743200" indent="0">
+              <a:buNone/>
+              <a:defRPr sz="1600"/>
+            </a:lvl7pPr>
+            <a:lvl8pPr marL="3200400" indent="0">
+              <a:buNone/>
+              <a:defRPr sz="1600"/>
+            </a:lvl8pPr>
+            <a:lvl9pPr marL="3657600" indent="0">
+              <a:buNone/>
+              <a:defRPr sz="1600"/>
+            </a:lvl9pPr>
+          </a:lstStyle>
+          <a:p>
+            <a:r>
+              <a:rPr lang="hu-HU" smtClean="0"/>
+              <a:t>Kép beszúrásához kattintson az ikonra</a:t>
+            </a:r>
+            <a:endParaRPr lang="en-US" dirty="0"/>
+          </a:p>
+        </p:txBody>
+      </p:sp>
+      <p:sp>
+        <p:nvSpPr>
+          <p:cNvPr id="4" name="Text Placeholder 3"/>
+          <p:cNvSpPr>
+            <a:spLocks noGrp="1"/>
+          </p:cNvSpPr>
+          <p:nvPr>
+            <p:ph type="body" sz="half" idx="2"/>
+          </p:nvPr>
+        </p:nvSpPr>
+        <p:spPr>
+          <a:xfrm>
+            <a:off x="1154956" y="5367325"/>
+            <a:ext cx="8825656" cy="493712"/>
+          </a:xfrm>
+        </p:spPr>
+        <p:txBody>
+          <a:bodyPr>
+            <a:normAutofit/>
+          </a:bodyPr>
+          <a:lstStyle>
+            <a:lvl1pPr marL="0" indent="0">
+              <a:buNone/>
+              <a:defRPr sz="1200"/>
+            </a:lvl1pPr>
+            <a:lvl2pPr marL="457200" indent="0">
+              <a:buNone/>
+              <a:defRPr sz="1200"/>
+            </a:lvl2pPr>
+            <a:lvl3pPr marL="914400" indent="0">
+              <a:buNone/>
+              <a:defRPr sz="1000"/>
+            </a:lvl3pPr>
+            <a:lvl4pPr marL="1371600" indent="0">
+              <a:buNone/>
+              <a:defRPr sz="900"/>
+            </a:lvl4pPr>
+            <a:lvl5pPr marL="1828800" indent="0">
+              <a:buNone/>
+              <a:defRPr sz="900"/>
+            </a:lvl5pPr>
+            <a:lvl6pPr marL="2286000" indent="0">
+              <a:buNone/>
+              <a:defRPr sz="900"/>
+            </a:lvl6pPr>
+            <a:lvl7pPr marL="2743200" indent="0">
+              <a:buNone/>
+              <a:defRPr sz="900"/>
+            </a:lvl7pPr>
+            <a:lvl8pPr marL="3200400" indent="0">
+              <a:buNone/>
+              <a:defRPr sz="900"/>
+            </a:lvl8pPr>
+            <a:lvl9pPr marL="3657600" indent="0">
+              <a:buNone/>
+              <a:defRPr sz="900"/>
+            </a:lvl9pPr>
+          </a:lstStyle>
+          <a:p>
+            <a:pPr lvl="0"/>
+            <a:r>
+              <a:rPr lang="hu-HU" smtClean="0"/>
+              <a:t>Mintaszöveg szerkesztése</a:t>
+            </a:r>
+          </a:p>
+        </p:txBody>
+      </p:sp>
+      <p:sp>
+        <p:nvSpPr>
+          <p:cNvPr id="5" name="Date Placeholder 4"/>
+          <p:cNvSpPr>
+            <a:spLocks noGrp="1"/>
+          </p:cNvSpPr>
+          <p:nvPr>
+            <p:ph type="dt" sz="half" idx="10"/>
+          </p:nvPr>
+        </p:nvSpPr>
+        <p:spPr/>
+        <p:txBody>
+          <a:bodyPr/>
+          <a:lstStyle/>
+          <a:p>
+            <a:fld id="{BD5193CC-C62B-423D-A098-867CDE0A1E84}" type="datetimeFigureOut">
+              <a:rPr lang="hu-HU" smtClean="0"/>
+              <a:t>2022.09.15.</a:t>
+            </a:fld>
+            <a:endParaRPr lang="hu-HU"/>
+          </a:p>
+        </p:txBody>
+      </p:sp>
+      <p:sp>
+        <p:nvSpPr>
+          <p:cNvPr id="6" name="Footer Placeholder 5"/>
+          <p:cNvSpPr>
+            <a:spLocks noGrp="1"/>
+          </p:cNvSpPr>
+          <p:nvPr>
+            <p:ph type="ftr" sz="quarter" idx="11"/>
+          </p:nvPr>
+        </p:nvSpPr>
+        <p:spPr/>
+        <p:txBody>
+          <a:bodyPr/>
+          <a:lstStyle/>
+          <a:p>
+            <a:endParaRPr lang="hu-HU"/>
+          </a:p>
+        </p:txBody>
+      </p:sp>
+      <p:sp>
+        <p:nvSpPr>
+          <p:cNvPr id="7" name="Slide Number Placeholder 6"/>
+          <p:cNvSpPr>
+            <a:spLocks noGrp="1"/>
+          </p:cNvSpPr>
+          <p:nvPr>
+            <p:ph type="sldNum" sz="quarter" idx="12"/>
+          </p:nvPr>
+        </p:nvSpPr>
+        <p:spPr/>
+        <p:txBody>
+          <a:bodyPr/>
+          <a:lstStyle/>
+          <a:p>
+            <a:fld id="{B1D5A0BF-B207-483D-85F5-529B216DADAF}" type="slidenum">
+              <a:rPr lang="hu-HU" smtClean="0"/>
+              <a:t>‹#›</a:t>
+            </a:fld>
+            <a:endParaRPr lang="hu-HU"/>
+          </a:p>
+        </p:txBody>
+      </p:sp>
+    </p:spTree>
+    <p:extLst>
+      <p:ext uri="{BB962C8B-B14F-4D97-AF65-F5344CB8AC3E}">
+        <p14:creationId xmlns:p14="http://schemas.microsoft.com/office/powerpoint/2010/main" val="601075660"/>
+      </p:ext>
+    </p:extLst>
+  </p:cSld>
+  <p:clrMapOvr>
+    <a:masterClrMapping/>
+  </p:clrMapOvr>
+</p:sldLayout>
+</file>
+
+<file path=ppt/slideLayouts/slideLayout11.xml><?xml version="1.0" encoding="utf-8"?>
+<p:sldLayout xmlns:a="http://schemas.openxmlformats.org/drawingml/2006/main" xmlns:r="http://schemas.openxmlformats.org/officeDocument/2006/relationships" xmlns:p="http://schemas.openxmlformats.org/presentationml/2006/main" preserve="1">
+  <p:cSld name="Cím és képaláírás">
+    <p:spTree>
+      <p:nvGrpSpPr>
+        <p:cNvPr id="1" name=""/>
+        <p:cNvGrpSpPr/>
+        <p:nvPr/>
+      </p:nvGrpSpPr>
+      <p:grpSpPr>
+        <a:xfrm>
+          <a:off x="0" y="0"/>
+          <a:ext cx="0" cy="0"/>
+          <a:chOff x="0" y="0"/>
+          <a:chExt cx="0" cy="0"/>
+        </a:xfrm>
+      </p:grpSpPr>
+      <p:sp>
+        <p:nvSpPr>
+          <p:cNvPr id="2" name="Title 1"/>
+          <p:cNvSpPr>
+            <a:spLocks noGrp="1"/>
+          </p:cNvSpPr>
+          <p:nvPr>
+            <p:ph type="title"/>
+          </p:nvPr>
+        </p:nvSpPr>
+        <p:spPr>
+          <a:xfrm>
+            <a:off x="1154954" y="1447800"/>
+            <a:ext cx="8825659" cy="1981200"/>
+          </a:xfrm>
+        </p:spPr>
+        <p:txBody>
+          <a:bodyPr/>
+          <a:lstStyle>
+            <a:lvl1pPr>
+              <a:defRPr sz="4800"/>
+            </a:lvl1pPr>
+          </a:lstStyle>
+          <a:p>
+            <a:r>
+              <a:rPr lang="hu-HU" smtClean="0"/>
+              <a:t>Mintacím szerkesztése</a:t>
+            </a:r>
+            <a:endParaRPr lang="en-US" dirty="0"/>
+          </a:p>
+        </p:txBody>
+      </p:sp>
+      <p:sp>
+        <p:nvSpPr>
+          <p:cNvPr id="8" name="Text Placeholder 3"/>
+          <p:cNvSpPr>
+            <a:spLocks noGrp="1"/>
+          </p:cNvSpPr>
+          <p:nvPr>
+            <p:ph type="body" sz="half" idx="2"/>
+          </p:nvPr>
+        </p:nvSpPr>
+        <p:spPr>
+          <a:xfrm>
+            <a:off x="1154954" y="3657600"/>
+            <a:ext cx="8825659" cy="2362200"/>
+          </a:xfrm>
+        </p:spPr>
+        <p:txBody>
+          <a:bodyPr anchor="ctr">
+            <a:normAutofit/>
+          </a:bodyPr>
+          <a:lstStyle>
+            <a:lvl1pPr marL="0" indent="0">
+              <a:buNone/>
+              <a:defRPr sz="1800"/>
+            </a:lvl1pPr>
+            <a:lvl2pPr marL="457200" indent="0">
+              <a:buNone/>
+              <a:defRPr sz="1200"/>
+            </a:lvl2pPr>
+            <a:lvl3pPr marL="914400" indent="0">
+              <a:buNone/>
+              <a:defRPr sz="1000"/>
+            </a:lvl3pPr>
+            <a:lvl4pPr marL="1371600" indent="0">
+              <a:buNone/>
+              <a:defRPr sz="900"/>
+            </a:lvl4pPr>
+            <a:lvl5pPr marL="1828800" indent="0">
+              <a:buNone/>
+              <a:defRPr sz="900"/>
+            </a:lvl5pPr>
+            <a:lvl6pPr marL="2286000" indent="0">
+              <a:buNone/>
+              <a:defRPr sz="900"/>
+            </a:lvl6pPr>
+            <a:lvl7pPr marL="2743200" indent="0">
+              <a:buNone/>
+              <a:defRPr sz="900"/>
+            </a:lvl7pPr>
+            <a:lvl8pPr marL="3200400" indent="0">
+              <a:buNone/>
+              <a:defRPr sz="900"/>
+            </a:lvl8pPr>
+            <a:lvl9pPr marL="3657600" indent="0">
+              <a:buNone/>
+              <a:defRPr sz="900"/>
+            </a:lvl9pPr>
+          </a:lstStyle>
+          <a:p>
+            <a:pPr lvl="0"/>
+            <a:r>
+              <a:rPr lang="hu-HU" smtClean="0"/>
+              <a:t>Mintaszöveg szerkesztése</a:t>
+            </a:r>
+          </a:p>
+        </p:txBody>
+      </p:sp>
+      <p:sp>
+        <p:nvSpPr>
+          <p:cNvPr id="4" name="Date Placeholder 3"/>
+          <p:cNvSpPr>
+            <a:spLocks noGrp="1"/>
+          </p:cNvSpPr>
+          <p:nvPr>
+            <p:ph type="dt" sz="half" idx="10"/>
+          </p:nvPr>
+        </p:nvSpPr>
+        <p:spPr/>
+        <p:txBody>
+          <a:bodyPr/>
+          <a:lstStyle/>
+          <a:p>
+            <a:fld id="{BD5193CC-C62B-423D-A098-867CDE0A1E84}" type="datetimeFigureOut">
+              <a:rPr lang="hu-HU" smtClean="0"/>
+              <a:t>2022.09.15.</a:t>
+            </a:fld>
+            <a:endParaRPr lang="hu-HU"/>
+          </a:p>
+        </p:txBody>
+      </p:sp>
+      <p:sp>
+        <p:nvSpPr>
+          <p:cNvPr id="5" name="Footer Placeholder 4"/>
+          <p:cNvSpPr>
+            <a:spLocks noGrp="1"/>
+          </p:cNvSpPr>
+          <p:nvPr>
+            <p:ph type="ftr" sz="quarter" idx="11"/>
+          </p:nvPr>
+        </p:nvSpPr>
+        <p:spPr/>
+        <p:txBody>
+          <a:bodyPr/>
+          <a:lstStyle/>
+          <a:p>
+            <a:endParaRPr lang="hu-HU"/>
+          </a:p>
+        </p:txBody>
+      </p:sp>
+      <p:sp>
+        <p:nvSpPr>
+          <p:cNvPr id="6" name="Slide Number Placeholder 5"/>
+          <p:cNvSpPr>
+            <a:spLocks noGrp="1"/>
+          </p:cNvSpPr>
+          <p:nvPr>
+            <p:ph type="sldNum" sz="quarter" idx="12"/>
+          </p:nvPr>
+        </p:nvSpPr>
+        <p:spPr/>
+        <p:txBody>
+          <a:bodyPr/>
+          <a:lstStyle/>
+          <a:p>
+            <a:fld id="{B1D5A0BF-B207-483D-85F5-529B216DADAF}" type="slidenum">
+              <a:rPr lang="hu-HU" smtClean="0"/>
+              <a:t>‹#›</a:t>
+            </a:fld>
+            <a:endParaRPr lang="hu-HU"/>
+          </a:p>
+        </p:txBody>
+      </p:sp>
+    </p:spTree>
+    <p:extLst>
+      <p:ext uri="{BB962C8B-B14F-4D97-AF65-F5344CB8AC3E}">
+        <p14:creationId xmlns:p14="http://schemas.microsoft.com/office/powerpoint/2010/main" val="2750072324"/>
+      </p:ext>
+    </p:extLst>
+  </p:cSld>
+  <p:clrMapOvr>
+    <a:masterClrMapping/>
+  </p:clrMapOvr>
+</p:sldLayout>
+</file>
+
+<file path=ppt/slideLayouts/slideLayout12.xml><?xml version="1.0" encoding="utf-8"?>
+<p:sldLayout xmlns:a="http://schemas.openxmlformats.org/drawingml/2006/main" xmlns:r="http://schemas.openxmlformats.org/officeDocument/2006/relationships" xmlns:p="http://schemas.openxmlformats.org/presentationml/2006/main" preserve="1">
+  <p:cSld name="Idézet képaláírással">
+    <p:spTree>
+      <p:nvGrpSpPr>
+        <p:cNvPr id="1" name=""/>
+        <p:cNvGrpSpPr/>
+        <p:nvPr/>
+      </p:nvGrpSpPr>
+      <p:grpSpPr>
+        <a:xfrm>
+          <a:off x="0" y="0"/>
+          <a:ext cx="0" cy="0"/>
+          <a:chOff x="0" y="0"/>
+          <a:chExt cx="0" cy="0"/>
+        </a:xfrm>
+      </p:grpSpPr>
+      <p:sp>
+        <p:nvSpPr>
+          <p:cNvPr id="2" name="Title 1"/>
+          <p:cNvSpPr>
+            <a:spLocks noGrp="1"/>
+          </p:cNvSpPr>
+          <p:nvPr>
+            <p:ph type="title"/>
+          </p:nvPr>
+        </p:nvSpPr>
+        <p:spPr>
+          <a:xfrm>
+            <a:off x="1574801" y="1447800"/>
+            <a:ext cx="7999315" cy="2323374"/>
+          </a:xfrm>
+        </p:spPr>
+        <p:txBody>
+          <a:bodyPr/>
+          <a:lstStyle>
+            <a:lvl1pPr>
+              <a:defRPr sz="4800"/>
+            </a:lvl1pPr>
+          </a:lstStyle>
+          <a:p>
+            <a:r>
+              <a:rPr lang="hu-HU" smtClean="0"/>
+              <a:t>Mintacím szerkesztése</a:t>
+            </a:r>
+            <a:endParaRPr lang="en-US" dirty="0"/>
+          </a:p>
+        </p:txBody>
+      </p:sp>
+      <p:sp>
+        <p:nvSpPr>
+          <p:cNvPr id="11" name="Text Placeholder 3"/>
+          <p:cNvSpPr>
+            <a:spLocks noGrp="1"/>
+          </p:cNvSpPr>
+          <p:nvPr>
+            <p:ph type="body" sz="half" idx="14"/>
+          </p:nvPr>
+        </p:nvSpPr>
+        <p:spPr>
+          <a:xfrm>
+            <a:off x="1930400" y="3771174"/>
+            <a:ext cx="7279649" cy="342174"/>
+          </a:xfrm>
+        </p:spPr>
+        <p:txBody>
+          <a:bodyPr vert="horz" lIns="91440" tIns="45720" rIns="91440" bIns="45720" rtlCol="0" anchor="t">
+            <a:normAutofit/>
+          </a:bodyPr>
+          <a:lstStyle>
+            <a:lvl1pPr marL="0" indent="0">
+              <a:buNone/>
+              <a:defRPr lang="en-US" sz="1400" b="0" i="0" kern="1200" cap="small" dirty="0">
+                <a:solidFill>
+                  <a:schemeClr val="bg2">
+                    <a:lumMod val="40000"/>
+                    <a:lumOff val="60000"/>
+                  </a:schemeClr>
+                </a:solidFill>
+                <a:latin typeface="+mj-lt"/>
+                <a:ea typeface="+mj-ea"/>
+                <a:cs typeface="+mj-cs"/>
+              </a:defRPr>
+            </a:lvl1pPr>
+            <a:lvl2pPr marL="457200" indent="0">
+              <a:buNone/>
+              <a:defRPr sz="1200"/>
+            </a:lvl2pPr>
+            <a:lvl3pPr marL="914400" indent="0">
+              <a:buNone/>
+              <a:defRPr sz="1000"/>
+            </a:lvl3pPr>
+            <a:lvl4pPr marL="1371600" indent="0">
+              <a:buNone/>
+              <a:defRPr sz="900"/>
+            </a:lvl4pPr>
+            <a:lvl5pPr marL="1828800" indent="0">
+              <a:buNone/>
+              <a:defRPr sz="900"/>
+            </a:lvl5pPr>
+            <a:lvl6pPr marL="2286000" indent="0">
+              <a:buNone/>
+              <a:defRPr sz="900"/>
+            </a:lvl6pPr>
+            <a:lvl7pPr marL="2743200" indent="0">
+              <a:buNone/>
+              <a:defRPr sz="900"/>
+            </a:lvl7pPr>
+            <a:lvl8pPr marL="3200400" indent="0">
+              <a:buNone/>
+              <a:defRPr sz="900"/>
+            </a:lvl8pPr>
+            <a:lvl9pPr marL="3657600" indent="0">
+              <a:buNone/>
+              <a:defRPr sz="900"/>
+            </a:lvl9pPr>
+          </a:lstStyle>
+          <a:p>
+            <a:pPr marL="0" lvl="0" indent="0">
+              <a:buNone/>
+            </a:pPr>
+            <a:r>
+              <a:rPr lang="hu-HU" smtClean="0"/>
+              <a:t>Mintaszöveg szerkesztése</a:t>
+            </a:r>
+          </a:p>
+        </p:txBody>
+      </p:sp>
+      <p:sp>
+        <p:nvSpPr>
+          <p:cNvPr id="10" name="Text Placeholder 3"/>
+          <p:cNvSpPr>
+            <a:spLocks noGrp="1"/>
+          </p:cNvSpPr>
+          <p:nvPr>
+            <p:ph type="body" sz="half" idx="2"/>
+          </p:nvPr>
+        </p:nvSpPr>
+        <p:spPr>
+          <a:xfrm>
+            <a:off x="1154954" y="4350657"/>
+            <a:ext cx="8825659" cy="1676400"/>
+          </a:xfrm>
+        </p:spPr>
+        <p:txBody>
+          <a:bodyPr anchor="ctr">
+            <a:normAutofit/>
+          </a:bodyPr>
+          <a:lstStyle>
+            <a:lvl1pPr marL="0" indent="0">
+              <a:buNone/>
+              <a:defRPr sz="1800"/>
+            </a:lvl1pPr>
+            <a:lvl2pPr marL="457200" indent="0">
+              <a:buNone/>
+              <a:defRPr sz="1200"/>
+            </a:lvl2pPr>
+            <a:lvl3pPr marL="914400" indent="0">
+              <a:buNone/>
+              <a:defRPr sz="1000"/>
+            </a:lvl3pPr>
+            <a:lvl4pPr marL="1371600" indent="0">
+              <a:buNone/>
+              <a:defRPr sz="900"/>
+            </a:lvl4pPr>
+            <a:lvl5pPr marL="1828800" indent="0">
+              <a:buNone/>
+              <a:defRPr sz="900"/>
+            </a:lvl5pPr>
+            <a:lvl6pPr marL="2286000" indent="0">
+              <a:buNone/>
+              <a:defRPr sz="900"/>
+            </a:lvl6pPr>
+            <a:lvl7pPr marL="2743200" indent="0">
+              <a:buNone/>
+              <a:defRPr sz="900"/>
+            </a:lvl7pPr>
+            <a:lvl8pPr marL="3200400" indent="0">
+              <a:buNone/>
+              <a:defRPr sz="900"/>
+            </a:lvl8pPr>
+            <a:lvl9pPr marL="3657600" indent="0">
+              <a:buNone/>
+              <a:defRPr sz="900"/>
+            </a:lvl9pPr>
+          </a:lstStyle>
+          <a:p>
+            <a:pPr lvl="0"/>
+            <a:r>
+              <a:rPr lang="hu-HU" smtClean="0"/>
+              <a:t>Mintaszöveg szerkesztése</a:t>
+            </a:r>
+          </a:p>
+        </p:txBody>
+      </p:sp>
+      <p:sp>
+        <p:nvSpPr>
+          <p:cNvPr id="4" name="Date Placeholder 3"/>
+          <p:cNvSpPr>
+            <a:spLocks noGrp="1"/>
+          </p:cNvSpPr>
+          <p:nvPr>
+            <p:ph type="dt" sz="half" idx="10"/>
+          </p:nvPr>
+        </p:nvSpPr>
+        <p:spPr/>
+        <p:txBody>
+          <a:bodyPr/>
+          <a:lstStyle/>
+          <a:p>
+            <a:fld id="{BD5193CC-C62B-423D-A098-867CDE0A1E84}" type="datetimeFigureOut">
+              <a:rPr lang="hu-HU" smtClean="0"/>
+              <a:t>2022.09.15.</a:t>
+            </a:fld>
+            <a:endParaRPr lang="hu-HU"/>
+          </a:p>
+        </p:txBody>
+      </p:sp>
+      <p:sp>
+        <p:nvSpPr>
+          <p:cNvPr id="5" name="Footer Placeholder 4"/>
+          <p:cNvSpPr>
+            <a:spLocks noGrp="1"/>
+          </p:cNvSpPr>
+          <p:nvPr>
+            <p:ph type="ftr" sz="quarter" idx="11"/>
+          </p:nvPr>
+        </p:nvSpPr>
+        <p:spPr/>
+        <p:txBody>
+          <a:bodyPr/>
+          <a:lstStyle/>
+          <a:p>
+            <a:endParaRPr lang="hu-HU"/>
+          </a:p>
+        </p:txBody>
+      </p:sp>
+      <p:sp>
+        <p:nvSpPr>
+          <p:cNvPr id="6" name="Slide Number Placeholder 5"/>
+          <p:cNvSpPr>
+            <a:spLocks noGrp="1"/>
+          </p:cNvSpPr>
+          <p:nvPr>
+            <p:ph type="sldNum" sz="quarter" idx="12"/>
+          </p:nvPr>
+        </p:nvSpPr>
+        <p:spPr/>
+        <p:txBody>
+          <a:bodyPr/>
+          <a:lstStyle/>
+          <a:p>
+            <a:fld id="{B1D5A0BF-B207-483D-85F5-529B216DADAF}" type="slidenum">
+              <a:rPr lang="hu-HU" smtClean="0"/>
+              <a:t>‹#›</a:t>
+            </a:fld>
+            <a:endParaRPr lang="hu-HU"/>
+          </a:p>
+        </p:txBody>
+      </p:sp>
+      <p:sp>
+        <p:nvSpPr>
+          <p:cNvPr id="12" name="TextBox 11"/>
+          <p:cNvSpPr txBox="1"/>
+          <p:nvPr/>
+        </p:nvSpPr>
+        <p:spPr>
+          <a:xfrm>
+            <a:off x="898295" y="971253"/>
+            <a:ext cx="801912" cy="1969770"/>
+          </a:xfrm>
+          <a:prstGeom prst="rect">
+            <a:avLst/>
+          </a:prstGeom>
+          <a:noFill/>
+        </p:spPr>
+        <p:txBody>
+          <a:bodyPr wrap="square" rtlCol="0">
+            <a:spAutoFit/>
+          </a:bodyPr>
+          <a:lstStyle>
+            <a:defPPr>
+              <a:defRPr lang="en-US"/>
+            </a:defPPr>
+            <a:lvl1pPr algn="r">
+              <a:defRPr sz="12200" b="0" i="0">
+                <a:solidFill>
+                  <a:schemeClr val="bg2">
+                    <a:lumMod val="40000"/>
+                    <a:lumOff val="60000"/>
+                  </a:schemeClr>
+                </a:solidFill>
+                <a:latin typeface="Arial"/>
+                <a:ea typeface="+mj-ea"/>
+                <a:cs typeface="+mj-cs"/>
+              </a:defRPr>
+            </a:lvl1pPr>
+          </a:lstStyle>
+          <a:p>
+            <a:pPr lvl="0"/>
+            <a:r>
+              <a:rPr lang="en-US" dirty="0"/>
+              <a:t>“</a:t>
+            </a:r>
+          </a:p>
+        </p:txBody>
+      </p:sp>
+      <p:sp>
+        <p:nvSpPr>
+          <p:cNvPr id="15" name="TextBox 14"/>
+          <p:cNvSpPr txBox="1"/>
+          <p:nvPr/>
+        </p:nvSpPr>
+        <p:spPr>
+          <a:xfrm>
+            <a:off x="9330490" y="2613787"/>
+            <a:ext cx="801912" cy="1969770"/>
+          </a:xfrm>
+          <a:prstGeom prst="rect">
+            <a:avLst/>
+          </a:prstGeom>
+          <a:noFill/>
+        </p:spPr>
+        <p:txBody>
+          <a:bodyPr wrap="square" rtlCol="0">
+            <a:spAutoFit/>
+          </a:bodyPr>
+          <a:lstStyle>
+            <a:defPPr>
+              <a:defRPr lang="en-US"/>
+            </a:defPPr>
+            <a:lvl1pPr algn="r">
+              <a:defRPr sz="12200" b="0" i="0">
+                <a:solidFill>
+                  <a:schemeClr val="bg2">
+                    <a:lumMod val="40000"/>
+                    <a:lumOff val="60000"/>
+                  </a:schemeClr>
+                </a:solidFill>
+                <a:latin typeface="Arial"/>
+                <a:ea typeface="+mj-ea"/>
+                <a:cs typeface="+mj-cs"/>
+              </a:defRPr>
+            </a:lvl1pPr>
+          </a:lstStyle>
+          <a:p>
+            <a:pPr lvl="0"/>
+            <a:r>
+              <a:rPr lang="en-US" dirty="0"/>
+              <a:t>”</a:t>
+            </a:r>
+          </a:p>
+        </p:txBody>
+      </p:sp>
+    </p:spTree>
+    <p:extLst>
+      <p:ext uri="{BB962C8B-B14F-4D97-AF65-F5344CB8AC3E}">
+        <p14:creationId xmlns:p14="http://schemas.microsoft.com/office/powerpoint/2010/main" val="2946067085"/>
+      </p:ext>
+    </p:extLst>
+  </p:cSld>
+  <p:clrMapOvr>
+    <a:masterClrMapping/>
+  </p:clrMapOvr>
+</p:sldLayout>
+</file>
+
+<file path=ppt/slideLayouts/slideLayout13.xml><?xml version="1.0" encoding="utf-8"?>
+<p:sldLayout xmlns:a="http://schemas.openxmlformats.org/drawingml/2006/main" xmlns:r="http://schemas.openxmlformats.org/officeDocument/2006/relationships" xmlns:p="http://schemas.openxmlformats.org/presentationml/2006/main" preserve="1">
+  <p:cSld name="Névkártya">
+    <p:spTree>
+      <p:nvGrpSpPr>
+        <p:cNvPr id="1" name=""/>
+        <p:cNvGrpSpPr/>
+        <p:nvPr/>
+      </p:nvGrpSpPr>
+      <p:grpSpPr>
+        <a:xfrm>
+          <a:off x="0" y="0"/>
+          <a:ext cx="0" cy="0"/>
+          <a:chOff x="0" y="0"/>
+          <a:chExt cx="0" cy="0"/>
+        </a:xfrm>
+      </p:grpSpPr>
+      <p:sp>
+        <p:nvSpPr>
+          <p:cNvPr id="2" name="Title 1"/>
+          <p:cNvSpPr>
+            <a:spLocks noGrp="1"/>
+          </p:cNvSpPr>
+          <p:nvPr>
+            <p:ph type="title"/>
+          </p:nvPr>
+        </p:nvSpPr>
+        <p:spPr>
+          <a:xfrm>
+            <a:off x="1154954" y="3124201"/>
+            <a:ext cx="8825660" cy="1653180"/>
+          </a:xfrm>
+        </p:spPr>
+        <p:txBody>
+          <a:bodyPr anchor="b"/>
+          <a:lstStyle>
+            <a:lvl1pPr algn="l">
+              <a:defRPr sz="4000" b="0" cap="none"/>
+            </a:lvl1pPr>
+          </a:lstStyle>
+          <a:p>
+            <a:r>
+              <a:rPr lang="hu-HU" smtClean="0"/>
+              <a:t>Mintacím szerkesztése</a:t>
+            </a:r>
+            <a:endParaRPr lang="en-US" dirty="0"/>
+          </a:p>
+        </p:txBody>
+      </p:sp>
+      <p:sp>
+        <p:nvSpPr>
+          <p:cNvPr id="3" name="Text Placeholder 2"/>
+          <p:cNvSpPr>
+            <a:spLocks noGrp="1"/>
+          </p:cNvSpPr>
+          <p:nvPr>
+            <p:ph type="body" idx="1"/>
+          </p:nvPr>
+        </p:nvSpPr>
+        <p:spPr>
+          <a:xfrm>
+            <a:off x="1154954" y="4777381"/>
+            <a:ext cx="8825659" cy="860400"/>
+          </a:xfrm>
+        </p:spPr>
+        <p:txBody>
+          <a:bodyPr anchor="t"/>
+          <a:lstStyle>
+            <a:lvl1pPr marL="0" indent="0" algn="l">
+              <a:buNone/>
+              <a:defRPr sz="2000" cap="none">
+                <a:solidFill>
+                  <a:schemeClr val="bg2">
+                    <a:lumMod val="40000"/>
+                    <a:lumOff val="60000"/>
+                  </a:schemeClr>
+                </a:solidFill>
+              </a:defRPr>
+            </a:lvl1pPr>
+            <a:lvl2pPr marL="457200" indent="0">
+              <a:buNone/>
+              <a:defRPr sz="1800">
+                <a:solidFill>
+                  <a:schemeClr val="tx1">
+                    <a:tint val="75000"/>
+                  </a:schemeClr>
+                </a:solidFill>
+              </a:defRPr>
+            </a:lvl2pPr>
+            <a:lvl3pPr marL="914400" indent="0">
+              <a:buNone/>
+              <a:defRPr sz="1600">
+                <a:solidFill>
+                  <a:schemeClr val="tx1">
+                    <a:tint val="75000"/>
+                  </a:schemeClr>
+                </a:solidFill>
+              </a:defRPr>
+            </a:lvl3pPr>
+            <a:lvl4pPr marL="1371600" indent="0">
+              <a:buNone/>
+              <a:defRPr sz="1400">
+                <a:solidFill>
+                  <a:schemeClr val="tx1">
+                    <a:tint val="75000"/>
+                  </a:schemeClr>
+                </a:solidFill>
+              </a:defRPr>
+            </a:lvl4pPr>
+            <a:lvl5pPr marL="1828800" indent="0">
+              <a:buNone/>
+              <a:defRPr sz="1400">
+                <a:solidFill>
+                  <a:schemeClr val="tx1">
+                    <a:tint val="75000"/>
+                  </a:schemeClr>
+                </a:solidFill>
+              </a:defRPr>
+            </a:lvl5pPr>
+            <a:lvl6pPr marL="2286000" indent="0">
+              <a:buNone/>
+              <a:defRPr sz="1400">
+                <a:solidFill>
+                  <a:schemeClr val="tx1">
+                    <a:tint val="75000"/>
+                  </a:schemeClr>
+                </a:solidFill>
+              </a:defRPr>
+            </a:lvl6pPr>
+            <a:lvl7pPr marL="2743200" indent="0">
+              <a:buNone/>
+              <a:defRPr sz="1400">
+                <a:solidFill>
+                  <a:schemeClr val="tx1">
+                    <a:tint val="75000"/>
+                  </a:schemeClr>
+                </a:solidFill>
+              </a:defRPr>
+            </a:lvl7pPr>
+            <a:lvl8pPr marL="3200400" indent="0">
+              <a:buNone/>
+              <a:defRPr sz="1400">
+                <a:solidFill>
+                  <a:schemeClr val="tx1">
+                    <a:tint val="75000"/>
+                  </a:schemeClr>
+                </a:solidFill>
+              </a:defRPr>
+            </a:lvl8pPr>
+            <a:lvl9pPr marL="3657600" indent="0">
+              <a:buNone/>
+              <a:defRPr sz="1400">
+                <a:solidFill>
+                  <a:schemeClr val="tx1">
+                    <a:tint val="75000"/>
+                  </a:schemeClr>
+                </a:solidFill>
+              </a:defRPr>
+            </a:lvl9pPr>
+          </a:lstStyle>
+          <a:p>
+            <a:pPr lvl="0"/>
+            <a:r>
+              <a:rPr lang="hu-HU" smtClean="0"/>
+              <a:t>Mintaszöveg szerkesztése</a:t>
+            </a:r>
+          </a:p>
+        </p:txBody>
+      </p:sp>
+      <p:sp>
+        <p:nvSpPr>
+          <p:cNvPr id="4" name="Date Placeholder 3"/>
+          <p:cNvSpPr>
+            <a:spLocks noGrp="1"/>
+          </p:cNvSpPr>
+          <p:nvPr>
+            <p:ph type="dt" sz="half" idx="10"/>
+          </p:nvPr>
+        </p:nvSpPr>
+        <p:spPr/>
+        <p:txBody>
+          <a:bodyPr/>
+          <a:lstStyle/>
+          <a:p>
+            <a:fld id="{BD5193CC-C62B-423D-A098-867CDE0A1E84}" type="datetimeFigureOut">
+              <a:rPr lang="hu-HU" smtClean="0"/>
+              <a:t>2022.09.15.</a:t>
+            </a:fld>
+            <a:endParaRPr lang="hu-HU"/>
+          </a:p>
+        </p:txBody>
+      </p:sp>
+      <p:sp>
+        <p:nvSpPr>
+          <p:cNvPr id="5" name="Footer Placeholder 4"/>
+          <p:cNvSpPr>
+            <a:spLocks noGrp="1"/>
+          </p:cNvSpPr>
+          <p:nvPr>
+            <p:ph type="ftr" sz="quarter" idx="11"/>
+          </p:nvPr>
+        </p:nvSpPr>
+        <p:spPr/>
+        <p:txBody>
+          <a:bodyPr/>
+          <a:lstStyle/>
+          <a:p>
+            <a:endParaRPr lang="hu-HU"/>
+          </a:p>
+        </p:txBody>
+      </p:sp>
+      <p:sp>
+        <p:nvSpPr>
+          <p:cNvPr id="6" name="Slide Number Placeholder 5"/>
+          <p:cNvSpPr>
+            <a:spLocks noGrp="1"/>
+          </p:cNvSpPr>
+          <p:nvPr>
+            <p:ph type="sldNum" sz="quarter" idx="12"/>
+          </p:nvPr>
+        </p:nvSpPr>
+        <p:spPr/>
+        <p:txBody>
+          <a:bodyPr/>
+          <a:lstStyle/>
+          <a:p>
+            <a:fld id="{B1D5A0BF-B207-483D-85F5-529B216DADAF}" type="slidenum">
+              <a:rPr lang="hu-HU" smtClean="0"/>
+              <a:t>‹#›</a:t>
+            </a:fld>
+            <a:endParaRPr lang="hu-HU"/>
+          </a:p>
+        </p:txBody>
+      </p:sp>
+    </p:spTree>
+    <p:extLst>
+      <p:ext uri="{BB962C8B-B14F-4D97-AF65-F5344CB8AC3E}">
+        <p14:creationId xmlns:p14="http://schemas.microsoft.com/office/powerpoint/2010/main" val="2795370641"/>
+      </p:ext>
+    </p:extLst>
+  </p:cSld>
+  <p:clrMapOvr>
+    <a:masterClrMapping/>
+  </p:clrMapOvr>
+</p:sldLayout>
+</file>
+
+<file path=ppt/slideLayouts/slideLayout14.xml><?xml version="1.0" encoding="utf-8"?>
+<p:sldLayout xmlns:a="http://schemas.openxmlformats.org/drawingml/2006/main" xmlns:r="http://schemas.openxmlformats.org/officeDocument/2006/relationships" xmlns:p="http://schemas.openxmlformats.org/presentationml/2006/main" preserve="1">
+  <p:cSld name="3 hasáb">
+    <p:spTree>
+      <p:nvGrpSpPr>
+        <p:cNvPr id="1" name=""/>
+        <p:cNvGrpSpPr/>
+        <p:nvPr/>
+      </p:nvGrpSpPr>
+      <p:grpSpPr>
+        <a:xfrm>
+          <a:off x="0" y="0"/>
+          <a:ext cx="0" cy="0"/>
+          <a:chOff x="0" y="0"/>
+          <a:chExt cx="0" cy="0"/>
+        </a:xfrm>
+      </p:grpSpPr>
+      <p:sp>
+        <p:nvSpPr>
+          <p:cNvPr id="2" name="Title 1"/>
+          <p:cNvSpPr>
+            <a:spLocks noGrp="1"/>
+          </p:cNvSpPr>
+          <p:nvPr>
+            <p:ph type="title"/>
+          </p:nvPr>
+        </p:nvSpPr>
+        <p:spPr/>
+        <p:txBody>
+          <a:bodyPr/>
+          <a:lstStyle>
+            <a:lvl1pPr>
+              <a:defRPr sz="4200"/>
+            </a:lvl1pPr>
+          </a:lstStyle>
+          <a:p>
+            <a:r>
+              <a:rPr lang="hu-HU" smtClean="0"/>
+              <a:t>Mintacím szerkesztése</a:t>
+            </a:r>
+            <a:endParaRPr lang="en-US" dirty="0"/>
+          </a:p>
+        </p:txBody>
+      </p:sp>
+      <p:sp>
+        <p:nvSpPr>
+          <p:cNvPr id="3" name="Text Placeholder 2"/>
+          <p:cNvSpPr>
+            <a:spLocks noGrp="1"/>
+          </p:cNvSpPr>
+          <p:nvPr>
+            <p:ph type="body" idx="1"/>
+          </p:nvPr>
+        </p:nvSpPr>
+        <p:spPr>
+          <a:xfrm>
+            <a:off x="632947" y="1981200"/>
+            <a:ext cx="2946866" cy="576262"/>
+          </a:xfrm>
+        </p:spPr>
+        <p:txBody>
+          <a:bodyPr anchor="b">
+            <a:noAutofit/>
+          </a:bodyPr>
+          <a:lstStyle>
+            <a:lvl1pPr marL="0" indent="0">
+              <a:buNone/>
+              <a:defRPr sz="2400" b="0">
+                <a:solidFill>
+                  <a:schemeClr val="bg2">
+                    <a:lumMod val="40000"/>
+                    <a:lumOff val="60000"/>
+                  </a:schemeClr>
+                </a:solidFill>
+              </a:defRPr>
+            </a:lvl1pPr>
+            <a:lvl2pPr marL="457200" indent="0">
+              <a:buNone/>
+              <a:defRPr sz="2000" b="1"/>
+            </a:lvl2pPr>
+            <a:lvl3pPr marL="914400" indent="0">
+              <a:buNone/>
+              <a:defRPr sz="1800" b="1"/>
+            </a:lvl3pPr>
+            <a:lvl4pPr marL="1371600" indent="0">
+              <a:buNone/>
+              <a:defRPr sz="1600" b="1"/>
+            </a:lvl4pPr>
+            <a:lvl5pPr marL="1828800" indent="0">
+              <a:buNone/>
+              <a:defRPr sz="1600" b="1"/>
+            </a:lvl5pPr>
+            <a:lvl6pPr marL="2286000" indent="0">
+              <a:buNone/>
+              <a:defRPr sz="1600" b="1"/>
+            </a:lvl6pPr>
+            <a:lvl7pPr marL="2743200" indent="0">
+              <a:buNone/>
+              <a:defRPr sz="1600" b="1"/>
+            </a:lvl7pPr>
+            <a:lvl8pPr marL="3200400" indent="0">
+              <a:buNone/>
+              <a:defRPr sz="1600" b="1"/>
+            </a:lvl8pPr>
+            <a:lvl9pPr marL="3657600" indent="0">
+              <a:buNone/>
+              <a:defRPr sz="1600" b="1"/>
+            </a:lvl9pPr>
+          </a:lstStyle>
+          <a:p>
+            <a:pPr lvl="0"/>
+            <a:r>
+              <a:rPr lang="hu-HU" smtClean="0"/>
+              <a:t>Mintaszöveg szerkesztése</a:t>
+            </a:r>
+          </a:p>
+        </p:txBody>
+      </p:sp>
+      <p:sp>
+        <p:nvSpPr>
+          <p:cNvPr id="16" name="Text Placeholder 3"/>
+          <p:cNvSpPr>
+            <a:spLocks noGrp="1"/>
+          </p:cNvSpPr>
+          <p:nvPr>
+            <p:ph type="body" sz="half" idx="15"/>
+          </p:nvPr>
+        </p:nvSpPr>
+        <p:spPr>
+          <a:xfrm>
+            <a:off x="652463" y="2667000"/>
+            <a:ext cx="2927350" cy="3589338"/>
+          </a:xfrm>
+        </p:spPr>
+        <p:txBody>
+          <a:bodyPr anchor="t">
+            <a:normAutofit/>
+          </a:bodyPr>
+          <a:lstStyle>
+            <a:lvl1pPr marL="0" indent="0">
+              <a:buNone/>
+              <a:defRPr sz="1400"/>
+            </a:lvl1pPr>
+            <a:lvl2pPr marL="457200" indent="0">
+              <a:buNone/>
+              <a:defRPr sz="1200"/>
+            </a:lvl2pPr>
+            <a:lvl3pPr marL="914400" indent="0">
+              <a:buNone/>
+              <a:defRPr sz="1000"/>
+            </a:lvl3pPr>
+            <a:lvl4pPr marL="1371600" indent="0">
+              <a:buNone/>
+              <a:defRPr sz="900"/>
+            </a:lvl4pPr>
+            <a:lvl5pPr marL="1828800" indent="0">
+              <a:buNone/>
+              <a:defRPr sz="900"/>
+            </a:lvl5pPr>
+            <a:lvl6pPr marL="2286000" indent="0">
+              <a:buNone/>
+              <a:defRPr sz="900"/>
+            </a:lvl6pPr>
+            <a:lvl7pPr marL="2743200" indent="0">
+              <a:buNone/>
+              <a:defRPr sz="900"/>
+            </a:lvl7pPr>
+            <a:lvl8pPr marL="3200400" indent="0">
+              <a:buNone/>
+              <a:defRPr sz="900"/>
+            </a:lvl8pPr>
+            <a:lvl9pPr marL="3657600" indent="0">
+              <a:buNone/>
+              <a:defRPr sz="900"/>
+            </a:lvl9pPr>
+          </a:lstStyle>
+          <a:p>
+            <a:pPr lvl="0"/>
+            <a:r>
+              <a:rPr lang="hu-HU" smtClean="0"/>
+              <a:t>Mintaszöveg szerkesztése</a:t>
+            </a:r>
+          </a:p>
+        </p:txBody>
+      </p:sp>
+      <p:sp>
+        <p:nvSpPr>
+          <p:cNvPr id="5" name="Text Placeholder 4"/>
+          <p:cNvSpPr>
+            <a:spLocks noGrp="1"/>
+          </p:cNvSpPr>
+          <p:nvPr>
+            <p:ph type="body" sz="quarter" idx="3"/>
+          </p:nvPr>
+        </p:nvSpPr>
+        <p:spPr>
+          <a:xfrm>
+            <a:off x="3883659" y="1981200"/>
+            <a:ext cx="2936241" cy="576262"/>
+          </a:xfrm>
+        </p:spPr>
+        <p:txBody>
+          <a:bodyPr anchor="b">
+            <a:noAutofit/>
+          </a:bodyPr>
+          <a:lstStyle>
+            <a:lvl1pPr marL="0" indent="0">
+              <a:buNone/>
+              <a:defRPr sz="2400" b="0">
+                <a:solidFill>
+                  <a:schemeClr val="bg2">
+                    <a:lumMod val="40000"/>
+                    <a:lumOff val="60000"/>
+                  </a:schemeClr>
+                </a:solidFill>
+              </a:defRPr>
+            </a:lvl1pPr>
+            <a:lvl2pPr marL="457200" indent="0">
+              <a:buNone/>
+              <a:defRPr sz="2000" b="1"/>
+            </a:lvl2pPr>
+            <a:lvl3pPr marL="914400" indent="0">
+              <a:buNone/>
+              <a:defRPr sz="1800" b="1"/>
+            </a:lvl3pPr>
+            <a:lvl4pPr marL="1371600" indent="0">
+              <a:buNone/>
+              <a:defRPr sz="1600" b="1"/>
+            </a:lvl4pPr>
+            <a:lvl5pPr marL="1828800" indent="0">
+              <a:buNone/>
+              <a:defRPr sz="1600" b="1"/>
+            </a:lvl5pPr>
+            <a:lvl6pPr marL="2286000" indent="0">
+              <a:buNone/>
+              <a:defRPr sz="1600" b="1"/>
+            </a:lvl6pPr>
+            <a:lvl7pPr marL="2743200" indent="0">
+              <a:buNone/>
+              <a:defRPr sz="1600" b="1"/>
+            </a:lvl7pPr>
+            <a:lvl8pPr marL="3200400" indent="0">
+              <a:buNone/>
+              <a:defRPr sz="1600" b="1"/>
+            </a:lvl8pPr>
+            <a:lvl9pPr marL="3657600" indent="0">
+              <a:buNone/>
+              <a:defRPr sz="1600" b="1"/>
+            </a:lvl9pPr>
+          </a:lstStyle>
+          <a:p>
+            <a:pPr lvl="0"/>
+            <a:r>
+              <a:rPr lang="hu-HU" smtClean="0"/>
+              <a:t>Mintaszöveg szerkesztése</a:t>
+            </a:r>
+          </a:p>
+        </p:txBody>
+      </p:sp>
+      <p:sp>
+        <p:nvSpPr>
+          <p:cNvPr id="19" name="Text Placeholder 3"/>
+          <p:cNvSpPr>
+            <a:spLocks noGrp="1"/>
+          </p:cNvSpPr>
+          <p:nvPr>
+            <p:ph type="body" sz="half" idx="16"/>
+          </p:nvPr>
+        </p:nvSpPr>
+        <p:spPr>
+          <a:xfrm>
+            <a:off x="3873106" y="2667000"/>
+            <a:ext cx="2946794" cy="3589338"/>
+          </a:xfrm>
+        </p:spPr>
+        <p:txBody>
+          <a:bodyPr anchor="t">
+            <a:normAutofit/>
+          </a:bodyPr>
+          <a:lstStyle>
+            <a:lvl1pPr marL="0" indent="0">
+              <a:buNone/>
+              <a:defRPr sz="1400"/>
+            </a:lvl1pPr>
+            <a:lvl2pPr marL="457200" indent="0">
+              <a:buNone/>
+              <a:defRPr sz="1200"/>
+            </a:lvl2pPr>
+            <a:lvl3pPr marL="914400" indent="0">
+              <a:buNone/>
+              <a:defRPr sz="1000"/>
+            </a:lvl3pPr>
+            <a:lvl4pPr marL="1371600" indent="0">
+              <a:buNone/>
+              <a:defRPr sz="900"/>
+            </a:lvl4pPr>
+            <a:lvl5pPr marL="1828800" indent="0">
+              <a:buNone/>
+              <a:defRPr sz="900"/>
+            </a:lvl5pPr>
+            <a:lvl6pPr marL="2286000" indent="0">
+              <a:buNone/>
+              <a:defRPr sz="900"/>
+            </a:lvl6pPr>
+            <a:lvl7pPr marL="2743200" indent="0">
+              <a:buNone/>
+              <a:defRPr sz="900"/>
+            </a:lvl7pPr>
+            <a:lvl8pPr marL="3200400" indent="0">
+              <a:buNone/>
+              <a:defRPr sz="900"/>
+            </a:lvl8pPr>
+            <a:lvl9pPr marL="3657600" indent="0">
+              <a:buNone/>
+              <a:defRPr sz="900"/>
+            </a:lvl9pPr>
+          </a:lstStyle>
+          <a:p>
+            <a:pPr lvl="0"/>
+            <a:r>
+              <a:rPr lang="hu-HU" smtClean="0"/>
+              <a:t>Mintaszöveg szerkesztése</a:t>
+            </a:r>
+          </a:p>
+        </p:txBody>
+      </p:sp>
+      <p:sp>
+        <p:nvSpPr>
+          <p:cNvPr id="14" name="Text Placeholder 4"/>
+          <p:cNvSpPr>
+            <a:spLocks noGrp="1"/>
+          </p:cNvSpPr>
+          <p:nvPr>
+            <p:ph type="body" sz="quarter" idx="13"/>
+          </p:nvPr>
+        </p:nvSpPr>
+        <p:spPr>
+          <a:xfrm>
+            <a:off x="7124700" y="1981200"/>
+            <a:ext cx="2932113" cy="576262"/>
+          </a:xfrm>
+        </p:spPr>
+        <p:txBody>
+          <a:bodyPr anchor="b">
+            <a:noAutofit/>
+          </a:bodyPr>
+          <a:lstStyle>
+            <a:lvl1pPr marL="0" indent="0">
+              <a:buNone/>
+              <a:defRPr sz="2400" b="0">
+                <a:solidFill>
+                  <a:schemeClr val="bg2">
+                    <a:lumMod val="40000"/>
+                    <a:lumOff val="60000"/>
+                  </a:schemeClr>
+                </a:solidFill>
+              </a:defRPr>
+            </a:lvl1pPr>
+            <a:lvl2pPr marL="457200" indent="0">
+              <a:buNone/>
+              <a:defRPr sz="2000" b="1"/>
+            </a:lvl2pPr>
+            <a:lvl3pPr marL="914400" indent="0">
+              <a:buNone/>
+              <a:defRPr sz="1800" b="1"/>
+            </a:lvl3pPr>
+            <a:lvl4pPr marL="1371600" indent="0">
+              <a:buNone/>
+              <a:defRPr sz="1600" b="1"/>
+            </a:lvl4pPr>
+            <a:lvl5pPr marL="1828800" indent="0">
+              <a:buNone/>
+              <a:defRPr sz="1600" b="1"/>
+            </a:lvl5pPr>
+            <a:lvl6pPr marL="2286000" indent="0">
+              <a:buNone/>
+              <a:defRPr sz="1600" b="1"/>
+            </a:lvl6pPr>
+            <a:lvl7pPr marL="2743200" indent="0">
+              <a:buNone/>
+              <a:defRPr sz="1600" b="1"/>
+            </a:lvl7pPr>
+            <a:lvl8pPr marL="3200400" indent="0">
+              <a:buNone/>
+              <a:defRPr sz="1600" b="1"/>
+            </a:lvl8pPr>
+            <a:lvl9pPr marL="3657600" indent="0">
+              <a:buNone/>
+              <a:defRPr sz="1600" b="1"/>
+            </a:lvl9pPr>
+          </a:lstStyle>
+          <a:p>
+            <a:pPr lvl="0"/>
+            <a:r>
+              <a:rPr lang="hu-HU" smtClean="0"/>
+              <a:t>Mintaszöveg szerkesztése</a:t>
+            </a:r>
+          </a:p>
+        </p:txBody>
+      </p:sp>
+      <p:sp>
+        <p:nvSpPr>
+          <p:cNvPr id="20" name="Text Placeholder 3"/>
+          <p:cNvSpPr>
+            <a:spLocks noGrp="1"/>
+          </p:cNvSpPr>
+          <p:nvPr>
+            <p:ph type="body" sz="half" idx="17"/>
+          </p:nvPr>
+        </p:nvSpPr>
+        <p:spPr>
+          <a:xfrm>
+            <a:off x="7124700" y="2667000"/>
+            <a:ext cx="2932113" cy="3589338"/>
+          </a:xfrm>
+        </p:spPr>
+        <p:txBody>
+          <a:bodyPr anchor="t">
+            <a:normAutofit/>
+          </a:bodyPr>
+          <a:lstStyle>
+            <a:lvl1pPr marL="0" indent="0">
+              <a:buNone/>
+              <a:defRPr sz="1400"/>
+            </a:lvl1pPr>
+            <a:lvl2pPr marL="457200" indent="0">
+              <a:buNone/>
+              <a:defRPr sz="1200"/>
+            </a:lvl2pPr>
+            <a:lvl3pPr marL="914400" indent="0">
+              <a:buNone/>
+              <a:defRPr sz="1000"/>
+            </a:lvl3pPr>
+            <a:lvl4pPr marL="1371600" indent="0">
+              <a:buNone/>
+              <a:defRPr sz="900"/>
+            </a:lvl4pPr>
+            <a:lvl5pPr marL="1828800" indent="0">
+              <a:buNone/>
+              <a:defRPr sz="900"/>
+            </a:lvl5pPr>
+            <a:lvl6pPr marL="2286000" indent="0">
+              <a:buNone/>
+              <a:defRPr sz="900"/>
+            </a:lvl6pPr>
+            <a:lvl7pPr marL="2743200" indent="0">
+              <a:buNone/>
+              <a:defRPr sz="900"/>
+            </a:lvl7pPr>
+            <a:lvl8pPr marL="3200400" indent="0">
+              <a:buNone/>
+              <a:defRPr sz="900"/>
+            </a:lvl8pPr>
+            <a:lvl9pPr marL="3657600" indent="0">
+              <a:buNone/>
+              <a:defRPr sz="900"/>
+            </a:lvl9pPr>
+          </a:lstStyle>
+          <a:p>
+            <a:pPr lvl="0"/>
+            <a:r>
+              <a:rPr lang="hu-HU" smtClean="0"/>
+              <a:t>Mintaszöveg szerkesztése</a:t>
+            </a:r>
+          </a:p>
+        </p:txBody>
+      </p:sp>
+      <p:cxnSp>
+        <p:nvCxnSpPr>
+          <p:cNvPr id="17" name="Straight Connector 16"/>
+          <p:cNvCxnSpPr/>
+          <p:nvPr/>
+        </p:nvCxnSpPr>
+        <p:spPr>
+          <a:xfrm>
+            <a:off x="3726142" y="2133600"/>
+            <a:ext cx="0" cy="3962400"/>
+          </a:xfrm>
+          <a:prstGeom prst="line">
+            <a:avLst/>
+          </a:prstGeom>
+          <a:ln w="12700" cmpd="sng">
+            <a:solidFill>
+              <a:schemeClr val="bg2">
+                <a:lumMod val="40000"/>
+                <a:lumOff val="60000"/>
+                <a:alpha val="40000"/>
+              </a:schemeClr>
+            </a:solidFill>
+          </a:ln>
+        </p:spPr>
+        <p:style>
+          <a:lnRef idx="2">
+            <a:schemeClr val="accent1"/>
+          </a:lnRef>
+          <a:fillRef idx="0">
+            <a:schemeClr val="accent1"/>
+          </a:fillRef>
+          <a:effectRef idx="1">
+            <a:schemeClr val="accent1"/>
+          </a:effectRef>
+          <a:fontRef idx="minor">
+            <a:schemeClr val="tx1"/>
+          </a:fontRef>
+        </p:style>
+      </p:cxnSp>
+      <p:cxnSp>
+        <p:nvCxnSpPr>
+          <p:cNvPr id="18" name="Straight Connector 17"/>
+          <p:cNvCxnSpPr/>
+          <p:nvPr/>
+        </p:nvCxnSpPr>
+        <p:spPr>
+          <a:xfrm>
+            <a:off x="6962227" y="2133600"/>
+            <a:ext cx="0" cy="3966882"/>
+          </a:xfrm>
+          <a:prstGeom prst="line">
+            <a:avLst/>
+          </a:prstGeom>
+          <a:ln w="12700" cmpd="sng">
+            <a:solidFill>
+              <a:schemeClr val="bg2">
+                <a:lumMod val="40000"/>
+                <a:lumOff val="60000"/>
+                <a:alpha val="40000"/>
+              </a:schemeClr>
+            </a:solidFill>
+          </a:ln>
+        </p:spPr>
+        <p:style>
+          <a:lnRef idx="2">
+            <a:schemeClr val="accent1"/>
+          </a:lnRef>
+          <a:fillRef idx="0">
+            <a:schemeClr val="accent1"/>
+          </a:fillRef>
+          <a:effectRef idx="1">
+            <a:schemeClr val="accent1"/>
+          </a:effectRef>
+          <a:fontRef idx="minor">
+            <a:schemeClr val="tx1"/>
+          </a:fontRef>
+        </p:style>
+      </p:cxnSp>
+      <p:sp>
+        <p:nvSpPr>
+          <p:cNvPr id="7" name="Date Placeholder 3"/>
+          <p:cNvSpPr>
+            <a:spLocks noGrp="1"/>
+          </p:cNvSpPr>
+          <p:nvPr>
+            <p:ph type="dt" sz="half" idx="10"/>
+          </p:nvPr>
+        </p:nvSpPr>
+        <p:spPr/>
+        <p:txBody>
+          <a:bodyPr/>
+          <a:lstStyle/>
+          <a:p>
+            <a:fld id="{BD5193CC-C62B-423D-A098-867CDE0A1E84}" type="datetimeFigureOut">
+              <a:rPr lang="hu-HU" smtClean="0"/>
+              <a:t>2022.09.15.</a:t>
+            </a:fld>
+            <a:endParaRPr lang="hu-HU"/>
+          </a:p>
+        </p:txBody>
+      </p:sp>
+      <p:sp>
+        <p:nvSpPr>
+          <p:cNvPr id="4" name="Footer Placeholder 4"/>
+          <p:cNvSpPr>
+            <a:spLocks noGrp="1"/>
+          </p:cNvSpPr>
+          <p:nvPr>
+            <p:ph type="ftr" sz="quarter" idx="11"/>
+          </p:nvPr>
+        </p:nvSpPr>
+        <p:spPr/>
+        <p:txBody>
+          <a:bodyPr/>
+          <a:lstStyle/>
+          <a:p>
+            <a:endParaRPr lang="hu-HU"/>
+          </a:p>
+        </p:txBody>
+      </p:sp>
+      <p:sp>
+        <p:nvSpPr>
+          <p:cNvPr id="6" name="Slide Number Placeholder 5"/>
+          <p:cNvSpPr>
+            <a:spLocks noGrp="1"/>
+          </p:cNvSpPr>
+          <p:nvPr>
+            <p:ph type="sldNum" sz="quarter" idx="12"/>
+          </p:nvPr>
+        </p:nvSpPr>
+        <p:spPr/>
+        <p:txBody>
+          <a:bodyPr/>
+          <a:lstStyle/>
+          <a:p>
+            <a:fld id="{B1D5A0BF-B207-483D-85F5-529B216DADAF}" type="slidenum">
+              <a:rPr lang="hu-HU" smtClean="0"/>
+              <a:t>‹#›</a:t>
+            </a:fld>
+            <a:endParaRPr lang="hu-HU"/>
+          </a:p>
+        </p:txBody>
+      </p:sp>
+    </p:spTree>
+    <p:extLst>
+      <p:ext uri="{BB962C8B-B14F-4D97-AF65-F5344CB8AC3E}">
+        <p14:creationId xmlns:p14="http://schemas.microsoft.com/office/powerpoint/2010/main" val="3369359254"/>
+      </p:ext>
+    </p:extLst>
+  </p:cSld>
+  <p:clrMapOvr>
+    <a:masterClrMapping/>
+  </p:clrMapOvr>
+</p:sldLayout>
+</file>
+
+<file path=ppt/slideLayouts/slideLayout15.xml><?xml version="1.0" encoding="utf-8"?>
+<p:sldLayout xmlns:a="http://schemas.openxmlformats.org/drawingml/2006/main" xmlns:r="http://schemas.openxmlformats.org/officeDocument/2006/relationships" xmlns:p="http://schemas.openxmlformats.org/presentationml/2006/main" preserve="1">
+  <p:cSld name="3 képhasáb">
+    <p:spTree>
+      <p:nvGrpSpPr>
+        <p:cNvPr id="1" name=""/>
+        <p:cNvGrpSpPr/>
+        <p:nvPr/>
+      </p:nvGrpSpPr>
+      <p:grpSpPr>
+        <a:xfrm>
+          <a:off x="0" y="0"/>
+          <a:ext cx="0" cy="0"/>
+          <a:chOff x="0" y="0"/>
+          <a:chExt cx="0" cy="0"/>
+        </a:xfrm>
+      </p:grpSpPr>
+      <p:sp>
+        <p:nvSpPr>
+          <p:cNvPr id="2" name="Title 1"/>
+          <p:cNvSpPr>
+            <a:spLocks noGrp="1"/>
+          </p:cNvSpPr>
+          <p:nvPr>
+            <p:ph type="title"/>
+          </p:nvPr>
+        </p:nvSpPr>
+        <p:spPr/>
+        <p:txBody>
+          <a:bodyPr/>
+          <a:lstStyle>
+            <a:lvl1pPr>
+              <a:defRPr sz="4200"/>
+            </a:lvl1pPr>
+          </a:lstStyle>
+          <a:p>
+            <a:r>
+              <a:rPr lang="hu-HU" smtClean="0"/>
+              <a:t>Mintacím szerkesztése</a:t>
+            </a:r>
+            <a:endParaRPr lang="en-US" dirty="0"/>
+          </a:p>
+        </p:txBody>
+      </p:sp>
+      <p:sp>
+        <p:nvSpPr>
+          <p:cNvPr id="3" name="Text Placeholder 2"/>
+          <p:cNvSpPr>
+            <a:spLocks noGrp="1"/>
+          </p:cNvSpPr>
+          <p:nvPr>
+            <p:ph type="body" idx="1"/>
+          </p:nvPr>
+        </p:nvSpPr>
+        <p:spPr>
+          <a:xfrm>
+            <a:off x="652463" y="4250949"/>
+            <a:ext cx="2940050" cy="576262"/>
+          </a:xfrm>
+        </p:spPr>
+        <p:txBody>
+          <a:bodyPr anchor="b">
+            <a:noAutofit/>
+          </a:bodyPr>
+          <a:lstStyle>
+            <a:lvl1pPr marL="0" indent="0">
+              <a:buNone/>
+              <a:defRPr sz="2400" b="0">
+                <a:solidFill>
+                  <a:schemeClr val="bg2">
+                    <a:lumMod val="40000"/>
+                    <a:lumOff val="60000"/>
+                  </a:schemeClr>
+                </a:solidFill>
+              </a:defRPr>
+            </a:lvl1pPr>
+            <a:lvl2pPr marL="457200" indent="0">
+              <a:buNone/>
+              <a:defRPr sz="2000" b="1"/>
+            </a:lvl2pPr>
+            <a:lvl3pPr marL="914400" indent="0">
+              <a:buNone/>
+              <a:defRPr sz="1800" b="1"/>
+            </a:lvl3pPr>
+            <a:lvl4pPr marL="1371600" indent="0">
+              <a:buNone/>
+              <a:defRPr sz="1600" b="1"/>
+            </a:lvl4pPr>
+            <a:lvl5pPr marL="1828800" indent="0">
+              <a:buNone/>
+              <a:defRPr sz="1600" b="1"/>
+            </a:lvl5pPr>
+            <a:lvl6pPr marL="2286000" indent="0">
+              <a:buNone/>
+              <a:defRPr sz="1600" b="1"/>
+            </a:lvl6pPr>
+            <a:lvl7pPr marL="2743200" indent="0">
+              <a:buNone/>
+              <a:defRPr sz="1600" b="1"/>
+            </a:lvl7pPr>
+            <a:lvl8pPr marL="3200400" indent="0">
+              <a:buNone/>
+              <a:defRPr sz="1600" b="1"/>
+            </a:lvl8pPr>
+            <a:lvl9pPr marL="3657600" indent="0">
+              <a:buNone/>
+              <a:defRPr sz="1600" b="1"/>
+            </a:lvl9pPr>
+          </a:lstStyle>
+          <a:p>
+            <a:pPr lvl="0"/>
+            <a:r>
+              <a:rPr lang="hu-HU" smtClean="0"/>
+              <a:t>Mintaszöveg szerkesztése</a:t>
+            </a:r>
+          </a:p>
+        </p:txBody>
+      </p:sp>
+      <p:sp>
+        <p:nvSpPr>
+          <p:cNvPr id="29" name="Picture Placeholder 2"/>
+          <p:cNvSpPr>
+            <a:spLocks noGrp="1" noChangeAspect="1"/>
+          </p:cNvSpPr>
+          <p:nvPr>
+            <p:ph type="pic" idx="15"/>
+          </p:nvPr>
+        </p:nvSpPr>
+        <p:spPr>
+          <a:xfrm>
+            <a:off x="652463" y="2209800"/>
+            <a:ext cx="2940050" cy="1524000"/>
+          </a:xfrm>
+          <a:prstGeom prst="roundRect">
+            <a:avLst>
+              <a:gd name="adj" fmla="val 1858"/>
+            </a:avLst>
+          </a:prstGeom>
+          <a:effectLst>
+            <a:outerShdw blurRad="50800" dist="50800" dir="5400000" algn="tl" rotWithShape="0">
+              <a:srgbClr val="000000">
+                <a:alpha val="43000"/>
+              </a:srgbClr>
+            </a:outerShdw>
+          </a:effectLst>
+        </p:spPr>
+        <p:txBody>
+          <a:bodyPr anchor="t">
+            <a:normAutofit/>
+          </a:bodyPr>
+          <a:lstStyle>
+            <a:lvl1pPr marL="0" indent="0" algn="ctr">
+              <a:buNone/>
+              <a:defRPr sz="1600"/>
+            </a:lvl1pPr>
+            <a:lvl2pPr marL="457200" indent="0">
+              <a:buNone/>
+              <a:defRPr sz="1600"/>
+            </a:lvl2pPr>
+            <a:lvl3pPr marL="914400" indent="0">
+              <a:buNone/>
+              <a:defRPr sz="1600"/>
+            </a:lvl3pPr>
+            <a:lvl4pPr marL="1371600" indent="0">
+              <a:buNone/>
+              <a:defRPr sz="1600"/>
+            </a:lvl4pPr>
+            <a:lvl5pPr marL="1828800" indent="0">
+              <a:buNone/>
+              <a:defRPr sz="1600"/>
+            </a:lvl5pPr>
+            <a:lvl6pPr marL="2286000" indent="0">
+              <a:buNone/>
+              <a:defRPr sz="1600"/>
+            </a:lvl6pPr>
+            <a:lvl7pPr marL="2743200" indent="0">
+              <a:buNone/>
+              <a:defRPr sz="1600"/>
+            </a:lvl7pPr>
+            <a:lvl8pPr marL="3200400" indent="0">
+              <a:buNone/>
+              <a:defRPr sz="1600"/>
+            </a:lvl8pPr>
+            <a:lvl9pPr marL="3657600" indent="0">
+              <a:buNone/>
+              <a:defRPr sz="1600"/>
+            </a:lvl9pPr>
+          </a:lstStyle>
+          <a:p>
+            <a:r>
+              <a:rPr lang="hu-HU" smtClean="0"/>
+              <a:t>Kép beszúrásához kattintson az ikonra</a:t>
+            </a:r>
+            <a:endParaRPr lang="en-US" dirty="0"/>
+          </a:p>
+        </p:txBody>
+      </p:sp>
+      <p:sp>
+        <p:nvSpPr>
+          <p:cNvPr id="22" name="Text Placeholder 3"/>
+          <p:cNvSpPr>
+            <a:spLocks noGrp="1"/>
+          </p:cNvSpPr>
+          <p:nvPr>
+            <p:ph type="body" sz="half" idx="18"/>
+          </p:nvPr>
+        </p:nvSpPr>
+        <p:spPr>
+          <a:xfrm>
+            <a:off x="652463" y="4827211"/>
+            <a:ext cx="2940050" cy="659189"/>
+          </a:xfrm>
+        </p:spPr>
+        <p:txBody>
+          <a:bodyPr anchor="t">
+            <a:normAutofit/>
+          </a:bodyPr>
+          <a:lstStyle>
+            <a:lvl1pPr marL="0" indent="0">
+              <a:buNone/>
+              <a:defRPr sz="1400"/>
+            </a:lvl1pPr>
+            <a:lvl2pPr marL="457200" indent="0">
+              <a:buNone/>
+              <a:defRPr sz="1200"/>
+            </a:lvl2pPr>
+            <a:lvl3pPr marL="914400" indent="0">
+              <a:buNone/>
+              <a:defRPr sz="1000"/>
+            </a:lvl3pPr>
+            <a:lvl4pPr marL="1371600" indent="0">
+              <a:buNone/>
+              <a:defRPr sz="900"/>
+            </a:lvl4pPr>
+            <a:lvl5pPr marL="1828800" indent="0">
+              <a:buNone/>
+              <a:defRPr sz="900"/>
+            </a:lvl5pPr>
+            <a:lvl6pPr marL="2286000" indent="0">
+              <a:buNone/>
+              <a:defRPr sz="900"/>
+            </a:lvl6pPr>
+            <a:lvl7pPr marL="2743200" indent="0">
+              <a:buNone/>
+              <a:defRPr sz="900"/>
+            </a:lvl7pPr>
+            <a:lvl8pPr marL="3200400" indent="0">
+              <a:buNone/>
+              <a:defRPr sz="900"/>
+            </a:lvl8pPr>
+            <a:lvl9pPr marL="3657600" indent="0">
+              <a:buNone/>
+              <a:defRPr sz="900"/>
+            </a:lvl9pPr>
+          </a:lstStyle>
+          <a:p>
+            <a:pPr lvl="0"/>
+            <a:r>
+              <a:rPr lang="hu-HU" smtClean="0"/>
+              <a:t>Mintaszöveg szerkesztése</a:t>
+            </a:r>
+          </a:p>
+        </p:txBody>
+      </p:sp>
+      <p:sp>
+        <p:nvSpPr>
+          <p:cNvPr id="5" name="Text Placeholder 4"/>
+          <p:cNvSpPr>
+            <a:spLocks noGrp="1"/>
+          </p:cNvSpPr>
+          <p:nvPr>
+            <p:ph type="body" sz="quarter" idx="3"/>
+          </p:nvPr>
+        </p:nvSpPr>
+        <p:spPr>
+          <a:xfrm>
+            <a:off x="3889375" y="4250949"/>
+            <a:ext cx="2930525" cy="576262"/>
+          </a:xfrm>
+        </p:spPr>
+        <p:txBody>
+          <a:bodyPr anchor="b">
+            <a:noAutofit/>
+          </a:bodyPr>
+          <a:lstStyle>
+            <a:lvl1pPr marL="0" indent="0">
+              <a:buNone/>
+              <a:defRPr sz="2400" b="0">
+                <a:solidFill>
+                  <a:schemeClr val="bg2">
+                    <a:lumMod val="40000"/>
+                    <a:lumOff val="60000"/>
+                  </a:schemeClr>
+                </a:solidFill>
+              </a:defRPr>
+            </a:lvl1pPr>
+            <a:lvl2pPr marL="457200" indent="0">
+              <a:buNone/>
+              <a:defRPr sz="2000" b="1"/>
+            </a:lvl2pPr>
+            <a:lvl3pPr marL="914400" indent="0">
+              <a:buNone/>
+              <a:defRPr sz="1800" b="1"/>
+            </a:lvl3pPr>
+            <a:lvl4pPr marL="1371600" indent="0">
+              <a:buNone/>
+              <a:defRPr sz="1600" b="1"/>
+            </a:lvl4pPr>
+            <a:lvl5pPr marL="1828800" indent="0">
+              <a:buNone/>
+              <a:defRPr sz="1600" b="1"/>
+            </a:lvl5pPr>
+            <a:lvl6pPr marL="2286000" indent="0">
+              <a:buNone/>
+              <a:defRPr sz="1600" b="1"/>
+            </a:lvl6pPr>
+            <a:lvl7pPr marL="2743200" indent="0">
+              <a:buNone/>
+              <a:defRPr sz="1600" b="1"/>
+            </a:lvl7pPr>
+            <a:lvl8pPr marL="3200400" indent="0">
+              <a:buNone/>
+              <a:defRPr sz="1600" b="1"/>
+            </a:lvl8pPr>
+            <a:lvl9pPr marL="3657600" indent="0">
+              <a:buNone/>
+              <a:defRPr sz="1600" b="1"/>
+            </a:lvl9pPr>
+          </a:lstStyle>
+          <a:p>
+            <a:pPr lvl="0"/>
+            <a:r>
+              <a:rPr lang="hu-HU" smtClean="0"/>
+              <a:t>Mintaszöveg szerkesztése</a:t>
+            </a:r>
+          </a:p>
+        </p:txBody>
+      </p:sp>
+      <p:sp>
+        <p:nvSpPr>
+          <p:cNvPr id="30" name="Picture Placeholder 2"/>
+          <p:cNvSpPr>
+            <a:spLocks noGrp="1" noChangeAspect="1"/>
+          </p:cNvSpPr>
+          <p:nvPr>
+            <p:ph type="pic" idx="21"/>
+          </p:nvPr>
+        </p:nvSpPr>
+        <p:spPr>
+          <a:xfrm>
+            <a:off x="3889374" y="2209800"/>
+            <a:ext cx="2930525" cy="1524000"/>
+          </a:xfrm>
+          <a:prstGeom prst="roundRect">
+            <a:avLst>
+              <a:gd name="adj" fmla="val 1858"/>
+            </a:avLst>
+          </a:prstGeom>
+          <a:effectLst>
+            <a:outerShdw blurRad="50800" dist="50800" dir="5400000" algn="tl" rotWithShape="0">
+              <a:srgbClr val="000000">
+                <a:alpha val="43000"/>
+              </a:srgbClr>
+            </a:outerShdw>
+          </a:effectLst>
+        </p:spPr>
+        <p:txBody>
+          <a:bodyPr anchor="t">
+            <a:normAutofit/>
+          </a:bodyPr>
+          <a:lstStyle>
+            <a:lvl1pPr marL="0" indent="0" algn="ctr">
+              <a:buNone/>
+              <a:defRPr sz="1600"/>
+            </a:lvl1pPr>
+            <a:lvl2pPr marL="457200" indent="0">
+              <a:buNone/>
+              <a:defRPr sz="1600"/>
+            </a:lvl2pPr>
+            <a:lvl3pPr marL="914400" indent="0">
+              <a:buNone/>
+              <a:defRPr sz="1600"/>
+            </a:lvl3pPr>
+            <a:lvl4pPr marL="1371600" indent="0">
+              <a:buNone/>
+              <a:defRPr sz="1600"/>
+            </a:lvl4pPr>
+            <a:lvl5pPr marL="1828800" indent="0">
+              <a:buNone/>
+              <a:defRPr sz="1600"/>
+            </a:lvl5pPr>
+            <a:lvl6pPr marL="2286000" indent="0">
+              <a:buNone/>
+              <a:defRPr sz="1600"/>
+            </a:lvl6pPr>
+            <a:lvl7pPr marL="2743200" indent="0">
+              <a:buNone/>
+              <a:defRPr sz="1600"/>
+            </a:lvl7pPr>
+            <a:lvl8pPr marL="3200400" indent="0">
+              <a:buNone/>
+              <a:defRPr sz="1600"/>
+            </a:lvl8pPr>
+            <a:lvl9pPr marL="3657600" indent="0">
+              <a:buNone/>
+              <a:defRPr sz="1600"/>
+            </a:lvl9pPr>
+          </a:lstStyle>
+          <a:p>
+            <a:r>
+              <a:rPr lang="hu-HU" smtClean="0"/>
+              <a:t>Kép beszúrásához kattintson az ikonra</a:t>
+            </a:r>
+            <a:endParaRPr lang="en-US" dirty="0"/>
+          </a:p>
+        </p:txBody>
+      </p:sp>
+      <p:sp>
+        <p:nvSpPr>
+          <p:cNvPr id="23" name="Text Placeholder 3"/>
+          <p:cNvSpPr>
+            <a:spLocks noGrp="1"/>
+          </p:cNvSpPr>
+          <p:nvPr>
+            <p:ph type="body" sz="half" idx="19"/>
+          </p:nvPr>
+        </p:nvSpPr>
+        <p:spPr>
+          <a:xfrm>
+            <a:off x="3888022" y="4827210"/>
+            <a:ext cx="2934406" cy="659189"/>
+          </a:xfrm>
+        </p:spPr>
+        <p:txBody>
+          <a:bodyPr anchor="t">
+            <a:normAutofit/>
+          </a:bodyPr>
+          <a:lstStyle>
+            <a:lvl1pPr marL="0" indent="0">
+              <a:buNone/>
+              <a:defRPr sz="1400"/>
+            </a:lvl1pPr>
+            <a:lvl2pPr marL="457200" indent="0">
+              <a:buNone/>
+              <a:defRPr sz="1200"/>
+            </a:lvl2pPr>
+            <a:lvl3pPr marL="914400" indent="0">
+              <a:buNone/>
+              <a:defRPr sz="1000"/>
+            </a:lvl3pPr>
+            <a:lvl4pPr marL="1371600" indent="0">
+              <a:buNone/>
+              <a:defRPr sz="900"/>
+            </a:lvl4pPr>
+            <a:lvl5pPr marL="1828800" indent="0">
+              <a:buNone/>
+              <a:defRPr sz="900"/>
+            </a:lvl5pPr>
+            <a:lvl6pPr marL="2286000" indent="0">
+              <a:buNone/>
+              <a:defRPr sz="900"/>
+            </a:lvl6pPr>
+            <a:lvl7pPr marL="2743200" indent="0">
+              <a:buNone/>
+              <a:defRPr sz="900"/>
+            </a:lvl7pPr>
+            <a:lvl8pPr marL="3200400" indent="0">
+              <a:buNone/>
+              <a:defRPr sz="900"/>
+            </a:lvl8pPr>
+            <a:lvl9pPr marL="3657600" indent="0">
+              <a:buNone/>
+              <a:defRPr sz="900"/>
+            </a:lvl9pPr>
+          </a:lstStyle>
+          <a:p>
+            <a:pPr lvl="0"/>
+            <a:r>
+              <a:rPr lang="hu-HU" smtClean="0"/>
+              <a:t>Mintaszöveg szerkesztése</a:t>
+            </a:r>
+          </a:p>
+        </p:txBody>
+      </p:sp>
+      <p:sp>
+        <p:nvSpPr>
+          <p:cNvPr id="14" name="Text Placeholder 4"/>
+          <p:cNvSpPr>
+            <a:spLocks noGrp="1"/>
+          </p:cNvSpPr>
+          <p:nvPr>
+            <p:ph type="body" sz="quarter" idx="13"/>
+          </p:nvPr>
+        </p:nvSpPr>
+        <p:spPr>
+          <a:xfrm>
+            <a:off x="7124700" y="4250949"/>
+            <a:ext cx="2932113" cy="576262"/>
+          </a:xfrm>
+        </p:spPr>
+        <p:txBody>
+          <a:bodyPr anchor="b">
+            <a:noAutofit/>
+          </a:bodyPr>
+          <a:lstStyle>
+            <a:lvl1pPr marL="0" indent="0">
+              <a:buNone/>
+              <a:defRPr sz="2400" b="0">
+                <a:solidFill>
+                  <a:schemeClr val="bg2">
+                    <a:lumMod val="40000"/>
+                    <a:lumOff val="60000"/>
+                  </a:schemeClr>
+                </a:solidFill>
+              </a:defRPr>
+            </a:lvl1pPr>
+            <a:lvl2pPr marL="457200" indent="0">
+              <a:buNone/>
+              <a:defRPr sz="2000" b="1"/>
+            </a:lvl2pPr>
+            <a:lvl3pPr marL="914400" indent="0">
+              <a:buNone/>
+              <a:defRPr sz="1800" b="1"/>
+            </a:lvl3pPr>
+            <a:lvl4pPr marL="1371600" indent="0">
+              <a:buNone/>
+              <a:defRPr sz="1600" b="1"/>
+            </a:lvl4pPr>
+            <a:lvl5pPr marL="1828800" indent="0">
+              <a:buNone/>
+              <a:defRPr sz="1600" b="1"/>
+            </a:lvl5pPr>
+            <a:lvl6pPr marL="2286000" indent="0">
+              <a:buNone/>
+              <a:defRPr sz="1600" b="1"/>
+            </a:lvl6pPr>
+            <a:lvl7pPr marL="2743200" indent="0">
+              <a:buNone/>
+              <a:defRPr sz="1600" b="1"/>
+            </a:lvl7pPr>
+            <a:lvl8pPr marL="3200400" indent="0">
+              <a:buNone/>
+              <a:defRPr sz="1600" b="1"/>
+            </a:lvl8pPr>
+            <a:lvl9pPr marL="3657600" indent="0">
+              <a:buNone/>
+              <a:defRPr sz="1600" b="1"/>
+            </a:lvl9pPr>
+          </a:lstStyle>
+          <a:p>
+            <a:pPr lvl="0"/>
+            <a:r>
+              <a:rPr lang="hu-HU" smtClean="0"/>
+              <a:t>Mintaszöveg szerkesztése</a:t>
+            </a:r>
+          </a:p>
+        </p:txBody>
+      </p:sp>
+      <p:sp>
+        <p:nvSpPr>
+          <p:cNvPr id="31" name="Picture Placeholder 2"/>
+          <p:cNvSpPr>
+            <a:spLocks noGrp="1" noChangeAspect="1"/>
+          </p:cNvSpPr>
+          <p:nvPr>
+            <p:ph type="pic" idx="22"/>
+          </p:nvPr>
+        </p:nvSpPr>
+        <p:spPr>
+          <a:xfrm>
+            <a:off x="7124699" y="2209800"/>
+            <a:ext cx="2932113" cy="1524000"/>
+          </a:xfrm>
+          <a:prstGeom prst="roundRect">
+            <a:avLst>
+              <a:gd name="adj" fmla="val 1858"/>
+            </a:avLst>
+          </a:prstGeom>
+          <a:effectLst>
+            <a:outerShdw blurRad="50800" dist="50800" dir="5400000" algn="tl" rotWithShape="0">
+              <a:srgbClr val="000000">
+                <a:alpha val="43000"/>
+              </a:srgbClr>
+            </a:outerShdw>
+          </a:effectLst>
+        </p:spPr>
+        <p:txBody>
+          <a:bodyPr anchor="t">
+            <a:normAutofit/>
+          </a:bodyPr>
+          <a:lstStyle>
+            <a:lvl1pPr marL="0" indent="0" algn="ctr">
+              <a:buNone/>
+              <a:defRPr sz="1600"/>
+            </a:lvl1pPr>
+            <a:lvl2pPr marL="457200" indent="0">
+              <a:buNone/>
+              <a:defRPr sz="1600"/>
+            </a:lvl2pPr>
+            <a:lvl3pPr marL="914400" indent="0">
+              <a:buNone/>
+              <a:defRPr sz="1600"/>
+            </a:lvl3pPr>
+            <a:lvl4pPr marL="1371600" indent="0">
+              <a:buNone/>
+              <a:defRPr sz="1600"/>
+            </a:lvl4pPr>
+            <a:lvl5pPr marL="1828800" indent="0">
+              <a:buNone/>
+              <a:defRPr sz="1600"/>
+            </a:lvl5pPr>
+            <a:lvl6pPr marL="2286000" indent="0">
+              <a:buNone/>
+              <a:defRPr sz="1600"/>
+            </a:lvl6pPr>
+            <a:lvl7pPr marL="2743200" indent="0">
+              <a:buNone/>
+              <a:defRPr sz="1600"/>
+            </a:lvl7pPr>
+            <a:lvl8pPr marL="3200400" indent="0">
+              <a:buNone/>
+              <a:defRPr sz="1600"/>
+            </a:lvl8pPr>
+            <a:lvl9pPr marL="3657600" indent="0">
+              <a:buNone/>
+              <a:defRPr sz="1600"/>
+            </a:lvl9pPr>
+          </a:lstStyle>
+          <a:p>
+            <a:r>
+              <a:rPr lang="hu-HU" smtClean="0"/>
+              <a:t>Kép beszúrásához kattintson az ikonra</a:t>
+            </a:r>
+            <a:endParaRPr lang="en-US" dirty="0"/>
+          </a:p>
+        </p:txBody>
+      </p:sp>
+      <p:sp>
+        <p:nvSpPr>
+          <p:cNvPr id="24" name="Text Placeholder 3"/>
+          <p:cNvSpPr>
+            <a:spLocks noGrp="1"/>
+          </p:cNvSpPr>
+          <p:nvPr>
+            <p:ph type="body" sz="half" idx="20"/>
+          </p:nvPr>
+        </p:nvSpPr>
+        <p:spPr>
+          <a:xfrm>
+            <a:off x="7124575" y="4827208"/>
+            <a:ext cx="2935997" cy="659189"/>
+          </a:xfrm>
+        </p:spPr>
+        <p:txBody>
+          <a:bodyPr anchor="t">
+            <a:normAutofit/>
+          </a:bodyPr>
+          <a:lstStyle>
+            <a:lvl1pPr marL="0" indent="0">
+              <a:buNone/>
+              <a:defRPr sz="1400"/>
+            </a:lvl1pPr>
+            <a:lvl2pPr marL="457200" indent="0">
+              <a:buNone/>
+              <a:defRPr sz="1200"/>
+            </a:lvl2pPr>
+            <a:lvl3pPr marL="914400" indent="0">
+              <a:buNone/>
+              <a:defRPr sz="1000"/>
+            </a:lvl3pPr>
+            <a:lvl4pPr marL="1371600" indent="0">
+              <a:buNone/>
+              <a:defRPr sz="900"/>
+            </a:lvl4pPr>
+            <a:lvl5pPr marL="1828800" indent="0">
+              <a:buNone/>
+              <a:defRPr sz="900"/>
+            </a:lvl5pPr>
+            <a:lvl6pPr marL="2286000" indent="0">
+              <a:buNone/>
+              <a:defRPr sz="900"/>
+            </a:lvl6pPr>
+            <a:lvl7pPr marL="2743200" indent="0">
+              <a:buNone/>
+              <a:defRPr sz="900"/>
+            </a:lvl7pPr>
+            <a:lvl8pPr marL="3200400" indent="0">
+              <a:buNone/>
+              <a:defRPr sz="900"/>
+            </a:lvl8pPr>
+            <a:lvl9pPr marL="3657600" indent="0">
+              <a:buNone/>
+              <a:defRPr sz="900"/>
+            </a:lvl9pPr>
+          </a:lstStyle>
+          <a:p>
+            <a:pPr lvl="0"/>
+            <a:r>
+              <a:rPr lang="hu-HU" smtClean="0"/>
+              <a:t>Mintaszöveg szerkesztése</a:t>
+            </a:r>
+          </a:p>
+        </p:txBody>
+      </p:sp>
+      <p:cxnSp>
+        <p:nvCxnSpPr>
+          <p:cNvPr id="19" name="Straight Connector 18"/>
+          <p:cNvCxnSpPr/>
+          <p:nvPr/>
+        </p:nvCxnSpPr>
+        <p:spPr>
+          <a:xfrm>
+            <a:off x="3726142" y="2133600"/>
+            <a:ext cx="0" cy="3962400"/>
+          </a:xfrm>
+          <a:prstGeom prst="line">
+            <a:avLst/>
+          </a:prstGeom>
+          <a:ln w="12700" cmpd="sng">
+            <a:solidFill>
+              <a:schemeClr val="bg2">
+                <a:lumMod val="40000"/>
+                <a:lumOff val="60000"/>
+                <a:alpha val="40000"/>
+              </a:schemeClr>
+            </a:solidFill>
+          </a:ln>
+        </p:spPr>
+        <p:style>
+          <a:lnRef idx="2">
+            <a:schemeClr val="accent1"/>
+          </a:lnRef>
+          <a:fillRef idx="0">
+            <a:schemeClr val="accent1"/>
+          </a:fillRef>
+          <a:effectRef idx="1">
+            <a:schemeClr val="accent1"/>
+          </a:effectRef>
+          <a:fontRef idx="minor">
+            <a:schemeClr val="tx1"/>
+          </a:fontRef>
+        </p:style>
+      </p:cxnSp>
+      <p:cxnSp>
+        <p:nvCxnSpPr>
+          <p:cNvPr id="20" name="Straight Connector 19"/>
+          <p:cNvCxnSpPr/>
+          <p:nvPr/>
+        </p:nvCxnSpPr>
+        <p:spPr>
+          <a:xfrm>
+            <a:off x="6962227" y="2133600"/>
+            <a:ext cx="0" cy="3966882"/>
+          </a:xfrm>
+          <a:prstGeom prst="line">
+            <a:avLst/>
+          </a:prstGeom>
+          <a:ln w="12700" cmpd="sng">
+            <a:solidFill>
+              <a:schemeClr val="bg2">
+                <a:lumMod val="40000"/>
+                <a:lumOff val="60000"/>
+                <a:alpha val="40000"/>
+              </a:schemeClr>
+            </a:solidFill>
+          </a:ln>
+        </p:spPr>
+        <p:style>
+          <a:lnRef idx="2">
+            <a:schemeClr val="accent1"/>
+          </a:lnRef>
+          <a:fillRef idx="0">
+            <a:schemeClr val="accent1"/>
+          </a:fillRef>
+          <a:effectRef idx="1">
+            <a:schemeClr val="accent1"/>
+          </a:effectRef>
+          <a:fontRef idx="minor">
+            <a:schemeClr val="tx1"/>
+          </a:fontRef>
+        </p:style>
+      </p:cxnSp>
+      <p:sp>
+        <p:nvSpPr>
+          <p:cNvPr id="7" name="Date Placeholder 3"/>
+          <p:cNvSpPr>
+            <a:spLocks noGrp="1"/>
+          </p:cNvSpPr>
+          <p:nvPr>
+            <p:ph type="dt" sz="half" idx="10"/>
+          </p:nvPr>
+        </p:nvSpPr>
+        <p:spPr/>
+        <p:txBody>
+          <a:bodyPr/>
+          <a:lstStyle/>
+          <a:p>
+            <a:fld id="{BD5193CC-C62B-423D-A098-867CDE0A1E84}" type="datetimeFigureOut">
+              <a:rPr lang="hu-HU" smtClean="0"/>
+              <a:t>2022.09.15.</a:t>
+            </a:fld>
+            <a:endParaRPr lang="hu-HU"/>
+          </a:p>
+        </p:txBody>
+      </p:sp>
+      <p:sp>
+        <p:nvSpPr>
+          <p:cNvPr id="4" name="Footer Placeholder 4"/>
+          <p:cNvSpPr>
+            <a:spLocks noGrp="1"/>
+          </p:cNvSpPr>
+          <p:nvPr>
+            <p:ph type="ftr" sz="quarter" idx="11"/>
+          </p:nvPr>
+        </p:nvSpPr>
+        <p:spPr/>
+        <p:txBody>
+          <a:bodyPr/>
+          <a:lstStyle/>
+          <a:p>
+            <a:endParaRPr lang="hu-HU"/>
+          </a:p>
+        </p:txBody>
+      </p:sp>
+      <p:sp>
+        <p:nvSpPr>
+          <p:cNvPr id="6" name="Slide Number Placeholder 5"/>
+          <p:cNvSpPr>
+            <a:spLocks noGrp="1"/>
+          </p:cNvSpPr>
+          <p:nvPr>
+            <p:ph type="sldNum" sz="quarter" idx="12"/>
+          </p:nvPr>
+        </p:nvSpPr>
+        <p:spPr/>
+        <p:txBody>
+          <a:bodyPr/>
+          <a:lstStyle/>
+          <a:p>
+            <a:fld id="{B1D5A0BF-B207-483D-85F5-529B216DADAF}" type="slidenum">
+              <a:rPr lang="hu-HU" smtClean="0"/>
+              <a:t>‹#›</a:t>
+            </a:fld>
+            <a:endParaRPr lang="hu-HU"/>
+          </a:p>
+        </p:txBody>
+      </p:sp>
+    </p:spTree>
+    <p:extLst>
+      <p:ext uri="{BB962C8B-B14F-4D97-AF65-F5344CB8AC3E}">
+        <p14:creationId xmlns:p14="http://schemas.microsoft.com/office/powerpoint/2010/main" val="1359943996"/>
+      </p:ext>
+    </p:extLst>
+  </p:cSld>
+  <p:clrMapOvr>
+    <a:masterClrMapping/>
+  </p:clrMapOvr>
+</p:sldLayout>
+</file>
+
+<file path=ppt/slideLayouts/slideLayout16.xml><?xml version="1.0" encoding="utf-8"?>
 <p:sldLayout xmlns:a="http://schemas.openxmlformats.org/drawingml/2006/main" xmlns:r="http://schemas.openxmlformats.org/officeDocument/2006/relationships" xmlns:p="http://schemas.openxmlformats.org/presentationml/2006/main" type="vertTx" preserve="1">
   <p:cSld name="Cím és függőleges szöveg">
     <p:spTree>
@@ -332,7 +2953,7 @@
       </p:grpSpPr>
       <p:sp>
         <p:nvSpPr>
-          <p:cNvPr id="2" name="Cím 1"/>
+          <p:cNvPr id="2" name="Title 1"/>
           <p:cNvSpPr>
             <a:spLocks noGrp="1"/>
           </p:cNvSpPr>
@@ -349,13 +2970,13 @@
               <a:rPr lang="hu-HU" smtClean="0"/>
               <a:t>Mintacím szerkesztése</a:t>
             </a:r>
-            <a:endParaRPr lang="hu-HU"/>
-          </a:p>
-        </p:txBody>
-      </p:sp>
-      <p:sp>
-        <p:nvSpPr>
-          <p:cNvPr id="3" name="Függőleges szöveg helye 2"/>
+            <a:endParaRPr lang="en-US" dirty="0"/>
+          </a:p>
+        </p:txBody>
+      </p:sp>
+      <p:sp>
+        <p:nvSpPr>
+          <p:cNvPr id="3" name="Vertical Text Placeholder 2"/>
           <p:cNvSpPr>
             <a:spLocks noGrp="1"/>
           </p:cNvSpPr>
@@ -365,7 +2986,7 @@
         </p:nvSpPr>
         <p:spPr/>
         <p:txBody>
-          <a:bodyPr vert="eaVert"/>
+          <a:bodyPr vert="eaVert" anchor="t" anchorCtr="0"/>
           <a:lstStyle/>
           <a:p>
             <a:pPr lvl="0"/>
@@ -401,13 +3022,13 @@
               <a:rPr lang="hu-HU" smtClean="0"/>
               <a:t>Ötödik szint</a:t>
             </a:r>
-            <a:endParaRPr lang="hu-HU"/>
-          </a:p>
-        </p:txBody>
-      </p:sp>
-      <p:sp>
-        <p:nvSpPr>
-          <p:cNvPr id="4" name="Dátum helye 3"/>
+            <a:endParaRPr lang="en-US" dirty="0"/>
+          </a:p>
+        </p:txBody>
+      </p:sp>
+      <p:sp>
+        <p:nvSpPr>
+          <p:cNvPr id="4" name="Date Placeholder 3"/>
           <p:cNvSpPr>
             <a:spLocks noGrp="1"/>
           </p:cNvSpPr>
@@ -422,7 +3043,7 @@
           <a:p>
             <a:fld id="{BD5193CC-C62B-423D-A098-867CDE0A1E84}" type="datetimeFigureOut">
               <a:rPr lang="hu-HU" smtClean="0"/>
-              <a:t>2022.09.13.</a:t>
+              <a:t>2022.09.15.</a:t>
             </a:fld>
             <a:endParaRPr lang="hu-HU"/>
           </a:p>
@@ -430,7 +3051,7 @@
       </p:sp>
       <p:sp>
         <p:nvSpPr>
-          <p:cNvPr id="5" name="Élőláb helye 4"/>
+          <p:cNvPr id="5" name="Footer Placeholder 4"/>
           <p:cNvSpPr>
             <a:spLocks noGrp="1"/>
           </p:cNvSpPr>
@@ -449,7 +3070,7 @@
       </p:sp>
       <p:sp>
         <p:nvSpPr>
-          <p:cNvPr id="6" name="Dia számának helye 5"/>
+          <p:cNvPr id="6" name="Slide Number Placeholder 5"/>
           <p:cNvSpPr>
             <a:spLocks noGrp="1"/>
           </p:cNvSpPr>
@@ -473,7 +3094,7 @@
     </p:spTree>
     <p:extLst>
       <p:ext uri="{BB962C8B-B14F-4D97-AF65-F5344CB8AC3E}">
-        <p14:creationId xmlns:p14="http://schemas.microsoft.com/office/powerpoint/2010/main" val="3748754059"/>
+        <p14:creationId xmlns:p14="http://schemas.microsoft.com/office/powerpoint/2010/main" val="1541931060"/>
       </p:ext>
     </p:extLst>
   </p:cSld>
@@ -483,7 +3104,7 @@
 </p:sldLayout>
 </file>
 
-<file path=ppt/slideLayouts/slideLayout11.xml><?xml version="1.0" encoding="utf-8"?>
+<file path=ppt/slideLayouts/slideLayout17.xml><?xml version="1.0" encoding="utf-8"?>
 <p:sldLayout xmlns:a="http://schemas.openxmlformats.org/drawingml/2006/main" xmlns:r="http://schemas.openxmlformats.org/officeDocument/2006/relationships" xmlns:p="http://schemas.openxmlformats.org/presentationml/2006/main" type="vertTitleAndTx" preserve="1">
   <p:cSld name="Függőleges cím és szöveg">
     <p:spTree>
@@ -502,7 +3123,7 @@
       </p:grpSpPr>
       <p:sp>
         <p:nvSpPr>
-          <p:cNvPr id="2" name="Függőleges cím 1"/>
+          <p:cNvPr id="2" name="Vertical Title 1"/>
           <p:cNvSpPr>
             <a:spLocks noGrp="1"/>
           </p:cNvSpPr>
@@ -512,42 +3133,42 @@
         </p:nvSpPr>
         <p:spPr>
           <a:xfrm>
-            <a:off x="8724900" y="365125"/>
-            <a:ext cx="2628900" cy="5811838"/>
+            <a:off x="8304212" y="430213"/>
+            <a:ext cx="1752601" cy="5826125"/>
+          </a:xfrm>
+        </p:spPr>
+        <p:txBody>
+          <a:bodyPr vert="eaVert" anchor="b" anchorCtr="0"/>
+          <a:lstStyle/>
+          <a:p>
+            <a:r>
+              <a:rPr lang="hu-HU" smtClean="0"/>
+              <a:t>Mintacím szerkesztése</a:t>
+            </a:r>
+            <a:endParaRPr lang="en-US" dirty="0"/>
+          </a:p>
+        </p:txBody>
+      </p:sp>
+      <p:sp>
+        <p:nvSpPr>
+          <p:cNvPr id="3" name="Vertical Text Placeholder 2"/>
+          <p:cNvSpPr>
+            <a:spLocks noGrp="1"/>
+          </p:cNvSpPr>
+          <p:nvPr>
+            <p:ph type="body" orient="vert" idx="1"/>
+          </p:nvPr>
+        </p:nvSpPr>
+        <p:spPr>
+          <a:xfrm>
+            <a:off x="652463" y="887414"/>
+            <a:ext cx="7423149" cy="5368924"/>
           </a:xfrm>
         </p:spPr>
         <p:txBody>
           <a:bodyPr vert="eaVert"/>
           <a:lstStyle/>
           <a:p>
-            <a:r>
-              <a:rPr lang="hu-HU" smtClean="0"/>
-              <a:t>Mintacím szerkesztése</a:t>
-            </a:r>
-            <a:endParaRPr lang="hu-HU"/>
-          </a:p>
-        </p:txBody>
-      </p:sp>
-      <p:sp>
-        <p:nvSpPr>
-          <p:cNvPr id="3" name="Függőleges szöveg helye 2"/>
-          <p:cNvSpPr>
-            <a:spLocks noGrp="1"/>
-          </p:cNvSpPr>
-          <p:nvPr>
-            <p:ph type="body" orient="vert" idx="1"/>
-          </p:nvPr>
-        </p:nvSpPr>
-        <p:spPr>
-          <a:xfrm>
-            <a:off x="838200" y="365125"/>
-            <a:ext cx="7734300" cy="5811838"/>
-          </a:xfrm>
-        </p:spPr>
-        <p:txBody>
-          <a:bodyPr vert="eaVert"/>
-          <a:lstStyle/>
-          <a:p>
             <a:pPr lvl="0"/>
             <a:r>
               <a:rPr lang="hu-HU" smtClean="0"/>
@@ -581,13 +3202,13 @@
               <a:rPr lang="hu-HU" smtClean="0"/>
               <a:t>Ötödik szint</a:t>
             </a:r>
-            <a:endParaRPr lang="hu-HU"/>
-          </a:p>
-        </p:txBody>
-      </p:sp>
-      <p:sp>
-        <p:nvSpPr>
-          <p:cNvPr id="4" name="Dátum helye 3"/>
+            <a:endParaRPr lang="en-US" dirty="0"/>
+          </a:p>
+        </p:txBody>
+      </p:sp>
+      <p:sp>
+        <p:nvSpPr>
+          <p:cNvPr id="4" name="Date Placeholder 3"/>
           <p:cNvSpPr>
             <a:spLocks noGrp="1"/>
           </p:cNvSpPr>
@@ -602,7 +3223,7 @@
           <a:p>
             <a:fld id="{BD5193CC-C62B-423D-A098-867CDE0A1E84}" type="datetimeFigureOut">
               <a:rPr lang="hu-HU" smtClean="0"/>
-              <a:t>2022.09.13.</a:t>
+              <a:t>2022.09.15.</a:t>
             </a:fld>
             <a:endParaRPr lang="hu-HU"/>
           </a:p>
@@ -610,7 +3231,7 @@
       </p:sp>
       <p:sp>
         <p:nvSpPr>
-          <p:cNvPr id="5" name="Élőláb helye 4"/>
+          <p:cNvPr id="5" name="Footer Placeholder 4"/>
           <p:cNvSpPr>
             <a:spLocks noGrp="1"/>
           </p:cNvSpPr>
@@ -629,7 +3250,7 @@
       </p:sp>
       <p:sp>
         <p:nvSpPr>
-          <p:cNvPr id="6" name="Dia számának helye 5"/>
+          <p:cNvPr id="6" name="Slide Number Placeholder 5"/>
           <p:cNvSpPr>
             <a:spLocks noGrp="1"/>
           </p:cNvSpPr>
@@ -653,7 +3274,7 @@
     </p:spTree>
     <p:extLst>
       <p:ext uri="{BB962C8B-B14F-4D97-AF65-F5344CB8AC3E}">
-        <p14:creationId xmlns:p14="http://schemas.microsoft.com/office/powerpoint/2010/main" val="3831848065"/>
+        <p14:creationId xmlns:p14="http://schemas.microsoft.com/office/powerpoint/2010/main" val="2121045305"/>
       </p:ext>
     </p:extLst>
   </p:cSld>
@@ -682,7 +3303,7 @@
       </p:grpSpPr>
       <p:sp>
         <p:nvSpPr>
-          <p:cNvPr id="2" name="Cím 1"/>
+          <p:cNvPr id="2" name="Title 1"/>
           <p:cNvSpPr>
             <a:spLocks noGrp="1"/>
           </p:cNvSpPr>
@@ -699,13 +3320,13 @@
               <a:rPr lang="hu-HU" smtClean="0"/>
               <a:t>Mintacím szerkesztése</a:t>
             </a:r>
-            <a:endParaRPr lang="hu-HU"/>
-          </a:p>
-        </p:txBody>
-      </p:sp>
-      <p:sp>
-        <p:nvSpPr>
-          <p:cNvPr id="3" name="Tartalom helye 2"/>
+            <a:endParaRPr lang="en-US" dirty="0"/>
+          </a:p>
+        </p:txBody>
+      </p:sp>
+      <p:sp>
+        <p:nvSpPr>
+          <p:cNvPr id="3" name="Content Placeholder 2"/>
           <p:cNvSpPr>
             <a:spLocks noGrp="1"/>
           </p:cNvSpPr>
@@ -751,13 +3372,13 @@
               <a:rPr lang="hu-HU" smtClean="0"/>
               <a:t>Ötödik szint</a:t>
             </a:r>
-            <a:endParaRPr lang="hu-HU"/>
-          </a:p>
-        </p:txBody>
-      </p:sp>
-      <p:sp>
-        <p:nvSpPr>
-          <p:cNvPr id="4" name="Dátum helye 3"/>
+            <a:endParaRPr lang="en-US" dirty="0"/>
+          </a:p>
+        </p:txBody>
+      </p:sp>
+      <p:sp>
+        <p:nvSpPr>
+          <p:cNvPr id="7" name="Date Placeholder 3"/>
           <p:cNvSpPr>
             <a:spLocks noGrp="1"/>
           </p:cNvSpPr>
@@ -772,7 +3393,7 @@
           <a:p>
             <a:fld id="{BD5193CC-C62B-423D-A098-867CDE0A1E84}" type="datetimeFigureOut">
               <a:rPr lang="hu-HU" smtClean="0"/>
-              <a:t>2022.09.13.</a:t>
+              <a:t>2022.09.15.</a:t>
             </a:fld>
             <a:endParaRPr lang="hu-HU"/>
           </a:p>
@@ -780,7 +3401,7 @@
       </p:sp>
       <p:sp>
         <p:nvSpPr>
-          <p:cNvPr id="5" name="Élőláb helye 4"/>
+          <p:cNvPr id="5" name="Footer Placeholder 4"/>
           <p:cNvSpPr>
             <a:spLocks noGrp="1"/>
           </p:cNvSpPr>
@@ -799,7 +3420,7 @@
       </p:sp>
       <p:sp>
         <p:nvSpPr>
-          <p:cNvPr id="6" name="Dia számának helye 5"/>
+          <p:cNvPr id="6" name="Slide Number Placeholder 5"/>
           <p:cNvSpPr>
             <a:spLocks noGrp="1"/>
           </p:cNvSpPr>
@@ -823,7 +3444,7 @@
     </p:spTree>
     <p:extLst>
       <p:ext uri="{BB962C8B-B14F-4D97-AF65-F5344CB8AC3E}">
-        <p14:creationId xmlns:p14="http://schemas.microsoft.com/office/powerpoint/2010/main" val="2127363326"/>
+        <p14:creationId xmlns:p14="http://schemas.microsoft.com/office/powerpoint/2010/main" val="2869277584"/>
       </p:ext>
     </p:extLst>
   </p:cSld>
@@ -852,7 +3473,7 @@
       </p:grpSpPr>
       <p:sp>
         <p:nvSpPr>
-          <p:cNvPr id="2" name="Cím 1"/>
+          <p:cNvPr id="2" name="Title 1"/>
           <p:cNvSpPr>
             <a:spLocks noGrp="1"/>
           </p:cNvSpPr>
@@ -862,15 +3483,15 @@
         </p:nvSpPr>
         <p:spPr>
           <a:xfrm>
-            <a:off x="831850" y="1709738"/>
-            <a:ext cx="10515600" cy="2852737"/>
+            <a:off x="1154956" y="2861733"/>
+            <a:ext cx="8825657" cy="1915647"/>
           </a:xfrm>
         </p:spPr>
         <p:txBody>
           <a:bodyPr anchor="b"/>
           <a:lstStyle>
-            <a:lvl1pPr>
-              <a:defRPr sz="6000"/>
+            <a:lvl1pPr algn="l">
+              <a:defRPr sz="4000" b="0" cap="none"/>
             </a:lvl1pPr>
           </a:lstStyle>
           <a:p>
@@ -878,13 +3499,13 @@
               <a:rPr lang="hu-HU" smtClean="0"/>
               <a:t>Mintacím szerkesztése</a:t>
             </a:r>
-            <a:endParaRPr lang="hu-HU"/>
-          </a:p>
-        </p:txBody>
-      </p:sp>
-      <p:sp>
-        <p:nvSpPr>
-          <p:cNvPr id="3" name="Szöveg helye 2"/>
+            <a:endParaRPr lang="en-US" dirty="0"/>
+          </a:p>
+        </p:txBody>
+      </p:sp>
+      <p:sp>
+        <p:nvSpPr>
+          <p:cNvPr id="3" name="Text Placeholder 2"/>
           <p:cNvSpPr>
             <a:spLocks noGrp="1"/>
           </p:cNvSpPr>
@@ -894,26 +3515,27 @@
         </p:nvSpPr>
         <p:spPr>
           <a:xfrm>
-            <a:off x="831850" y="4589463"/>
-            <a:ext cx="10515600" cy="1500187"/>
-          </a:xfrm>
-        </p:spPr>
-        <p:txBody>
-          <a:bodyPr/>
+            <a:off x="1154955" y="4777381"/>
+            <a:ext cx="8825658" cy="860400"/>
+          </a:xfrm>
+        </p:spPr>
+        <p:txBody>
+          <a:bodyPr anchor="t"/>
           <a:lstStyle>
-            <a:lvl1pPr marL="0" indent="0">
-              <a:buNone/>
-              <a:defRPr sz="2400">
+            <a:lvl1pPr marL="0" indent="0" algn="l">
+              <a:buNone/>
+              <a:defRPr sz="2000" cap="all">
                 <a:solidFill>
-                  <a:schemeClr val="tx1">
-                    <a:tint val="75000"/>
+                  <a:schemeClr val="bg2">
+                    <a:lumMod val="40000"/>
+                    <a:lumOff val="60000"/>
                   </a:schemeClr>
                 </a:solidFill>
               </a:defRPr>
             </a:lvl1pPr>
             <a:lvl2pPr marL="457200" indent="0">
               <a:buNone/>
-              <a:defRPr sz="2000">
+              <a:defRPr sz="1800">
                 <a:solidFill>
                   <a:schemeClr val="tx1">
                     <a:tint val="75000"/>
@@ -923,7 +3545,7 @@
             </a:lvl2pPr>
             <a:lvl3pPr marL="914400" indent="0">
               <a:buNone/>
-              <a:defRPr sz="1800">
+              <a:defRPr sz="1600">
                 <a:solidFill>
                   <a:schemeClr val="tx1">
                     <a:tint val="75000"/>
@@ -933,7 +3555,7 @@
             </a:lvl3pPr>
             <a:lvl4pPr marL="1371600" indent="0">
               <a:buNone/>
-              <a:defRPr sz="1600">
+              <a:defRPr sz="1400">
                 <a:solidFill>
                   <a:schemeClr val="tx1">
                     <a:tint val="75000"/>
@@ -943,7 +3565,7 @@
             </a:lvl4pPr>
             <a:lvl5pPr marL="1828800" indent="0">
               <a:buNone/>
-              <a:defRPr sz="1600">
+              <a:defRPr sz="1400">
                 <a:solidFill>
                   <a:schemeClr val="tx1">
                     <a:tint val="75000"/>
@@ -953,7 +3575,7 @@
             </a:lvl5pPr>
             <a:lvl6pPr marL="2286000" indent="0">
               <a:buNone/>
-              <a:defRPr sz="1600">
+              <a:defRPr sz="1400">
                 <a:solidFill>
                   <a:schemeClr val="tx1">
                     <a:tint val="75000"/>
@@ -963,7 +3585,7 @@
             </a:lvl6pPr>
             <a:lvl7pPr marL="2743200" indent="0">
               <a:buNone/>
-              <a:defRPr sz="1600">
+              <a:defRPr sz="1400">
                 <a:solidFill>
                   <a:schemeClr val="tx1">
                     <a:tint val="75000"/>
@@ -973,7 +3595,7 @@
             </a:lvl7pPr>
             <a:lvl8pPr marL="3200400" indent="0">
               <a:buNone/>
-              <a:defRPr sz="1600">
+              <a:defRPr sz="1400">
                 <a:solidFill>
                   <a:schemeClr val="tx1">
                     <a:tint val="75000"/>
@@ -983,7 +3605,7 @@
             </a:lvl8pPr>
             <a:lvl9pPr marL="3657600" indent="0">
               <a:buNone/>
-              <a:defRPr sz="1600">
+              <a:defRPr sz="1400">
                 <a:solidFill>
                   <a:schemeClr val="tx1">
                     <a:tint val="75000"/>
@@ -1003,7 +3625,7 @@
       </p:sp>
       <p:sp>
         <p:nvSpPr>
-          <p:cNvPr id="4" name="Dátum helye 3"/>
+          <p:cNvPr id="4" name="Date Placeholder 3"/>
           <p:cNvSpPr>
             <a:spLocks noGrp="1"/>
           </p:cNvSpPr>
@@ -1018,7 +3640,7 @@
           <a:p>
             <a:fld id="{BD5193CC-C62B-423D-A098-867CDE0A1E84}" type="datetimeFigureOut">
               <a:rPr lang="hu-HU" smtClean="0"/>
-              <a:t>2022.09.13.</a:t>
+              <a:t>2022.09.15.</a:t>
             </a:fld>
             <a:endParaRPr lang="hu-HU"/>
           </a:p>
@@ -1026,7 +3648,7 @@
       </p:sp>
       <p:sp>
         <p:nvSpPr>
-          <p:cNvPr id="5" name="Élőláb helye 4"/>
+          <p:cNvPr id="5" name="Footer Placeholder 4"/>
           <p:cNvSpPr>
             <a:spLocks noGrp="1"/>
           </p:cNvSpPr>
@@ -1045,7 +3667,7 @@
       </p:sp>
       <p:sp>
         <p:nvSpPr>
-          <p:cNvPr id="6" name="Dia számának helye 5"/>
+          <p:cNvPr id="6" name="Slide Number Placeholder 5"/>
           <p:cNvSpPr>
             <a:spLocks noGrp="1"/>
           </p:cNvSpPr>
@@ -1069,7 +3691,7 @@
     </p:spTree>
     <p:extLst>
       <p:ext uri="{BB962C8B-B14F-4D97-AF65-F5344CB8AC3E}">
-        <p14:creationId xmlns:p14="http://schemas.microsoft.com/office/powerpoint/2010/main" val="3939377954"/>
+        <p14:creationId xmlns:p14="http://schemas.microsoft.com/office/powerpoint/2010/main" val="4265197335"/>
       </p:ext>
     </p:extLst>
   </p:cSld>
@@ -1098,7 +3720,7 @@
       </p:grpSpPr>
       <p:sp>
         <p:nvSpPr>
-          <p:cNvPr id="2" name="Cím 1"/>
+          <p:cNvPr id="2" name="Title 1"/>
           <p:cNvSpPr>
             <a:spLocks noGrp="1"/>
           </p:cNvSpPr>
@@ -1115,13 +3737,13 @@
               <a:rPr lang="hu-HU" smtClean="0"/>
               <a:t>Mintacím szerkesztése</a:t>
             </a:r>
-            <a:endParaRPr lang="hu-HU"/>
-          </a:p>
-        </p:txBody>
-      </p:sp>
-      <p:sp>
-        <p:nvSpPr>
-          <p:cNvPr id="3" name="Tartalom helye 2"/>
+            <a:endParaRPr lang="en-US" dirty="0"/>
+          </a:p>
+        </p:txBody>
+      </p:sp>
+      <p:sp>
+        <p:nvSpPr>
+          <p:cNvPr id="3" name="Content Placeholder 2"/>
           <p:cNvSpPr>
             <a:spLocks noGrp="1"/>
           </p:cNvSpPr>
@@ -1131,126 +3753,186 @@
         </p:nvSpPr>
         <p:spPr>
           <a:xfrm>
-            <a:off x="838200" y="1825625"/>
-            <a:ext cx="5181600" cy="4351338"/>
-          </a:xfrm>
-        </p:spPr>
+            <a:off x="1103312" y="2060575"/>
+            <a:ext cx="4396339" cy="4195763"/>
+          </a:xfrm>
+        </p:spPr>
+        <p:txBody>
+          <a:bodyPr>
+            <a:normAutofit/>
+          </a:bodyPr>
+          <a:lstStyle>
+            <a:lvl1pPr>
+              <a:defRPr sz="1800"/>
+            </a:lvl1pPr>
+            <a:lvl2pPr>
+              <a:defRPr sz="1600"/>
+            </a:lvl2pPr>
+            <a:lvl3pPr>
+              <a:defRPr sz="1400"/>
+            </a:lvl3pPr>
+            <a:lvl4pPr>
+              <a:defRPr sz="1200"/>
+            </a:lvl4pPr>
+            <a:lvl5pPr>
+              <a:defRPr sz="1200"/>
+            </a:lvl5pPr>
+            <a:lvl6pPr>
+              <a:defRPr sz="1200"/>
+            </a:lvl6pPr>
+            <a:lvl7pPr>
+              <a:defRPr sz="1200"/>
+            </a:lvl7pPr>
+            <a:lvl8pPr>
+              <a:defRPr sz="1200"/>
+            </a:lvl8pPr>
+            <a:lvl9pPr>
+              <a:defRPr sz="1200"/>
+            </a:lvl9pPr>
+          </a:lstStyle>
+          <a:p>
+            <a:pPr lvl="0"/>
+            <a:r>
+              <a:rPr lang="hu-HU" smtClean="0"/>
+              <a:t>Mintaszöveg szerkesztése</a:t>
+            </a:r>
+          </a:p>
+          <a:p>
+            <a:pPr lvl="1"/>
+            <a:r>
+              <a:rPr lang="hu-HU" smtClean="0"/>
+              <a:t>Második szint</a:t>
+            </a:r>
+          </a:p>
+          <a:p>
+            <a:pPr lvl="2"/>
+            <a:r>
+              <a:rPr lang="hu-HU" smtClean="0"/>
+              <a:t>Harmadik szint</a:t>
+            </a:r>
+          </a:p>
+          <a:p>
+            <a:pPr lvl="3"/>
+            <a:r>
+              <a:rPr lang="hu-HU" smtClean="0"/>
+              <a:t>Negyedik szint</a:t>
+            </a:r>
+          </a:p>
+          <a:p>
+            <a:pPr lvl="4"/>
+            <a:r>
+              <a:rPr lang="hu-HU" smtClean="0"/>
+              <a:t>Ötödik szint</a:t>
+            </a:r>
+            <a:endParaRPr lang="en-US" dirty="0"/>
+          </a:p>
+        </p:txBody>
+      </p:sp>
+      <p:sp>
+        <p:nvSpPr>
+          <p:cNvPr id="4" name="Content Placeholder 3"/>
+          <p:cNvSpPr>
+            <a:spLocks noGrp="1"/>
+          </p:cNvSpPr>
+          <p:nvPr>
+            <p:ph sz="half" idx="2"/>
+          </p:nvPr>
+        </p:nvSpPr>
+        <p:spPr>
+          <a:xfrm>
+            <a:off x="5654493" y="2056092"/>
+            <a:ext cx="4396341" cy="4200245"/>
+          </a:xfrm>
+        </p:spPr>
+        <p:txBody>
+          <a:bodyPr>
+            <a:normAutofit/>
+          </a:bodyPr>
+          <a:lstStyle>
+            <a:lvl1pPr>
+              <a:defRPr sz="1800"/>
+            </a:lvl1pPr>
+            <a:lvl2pPr>
+              <a:defRPr sz="1600"/>
+            </a:lvl2pPr>
+            <a:lvl3pPr>
+              <a:defRPr sz="1400"/>
+            </a:lvl3pPr>
+            <a:lvl4pPr>
+              <a:defRPr sz="1200"/>
+            </a:lvl4pPr>
+            <a:lvl5pPr>
+              <a:defRPr sz="1200"/>
+            </a:lvl5pPr>
+            <a:lvl6pPr>
+              <a:defRPr sz="1200"/>
+            </a:lvl6pPr>
+            <a:lvl7pPr>
+              <a:defRPr sz="1200"/>
+            </a:lvl7pPr>
+            <a:lvl8pPr>
+              <a:defRPr sz="1200"/>
+            </a:lvl8pPr>
+            <a:lvl9pPr>
+              <a:defRPr sz="1200"/>
+            </a:lvl9pPr>
+          </a:lstStyle>
+          <a:p>
+            <a:pPr lvl="0"/>
+            <a:r>
+              <a:rPr lang="hu-HU" smtClean="0"/>
+              <a:t>Mintaszöveg szerkesztése</a:t>
+            </a:r>
+          </a:p>
+          <a:p>
+            <a:pPr lvl="1"/>
+            <a:r>
+              <a:rPr lang="hu-HU" smtClean="0"/>
+              <a:t>Második szint</a:t>
+            </a:r>
+          </a:p>
+          <a:p>
+            <a:pPr lvl="2"/>
+            <a:r>
+              <a:rPr lang="hu-HU" smtClean="0"/>
+              <a:t>Harmadik szint</a:t>
+            </a:r>
+          </a:p>
+          <a:p>
+            <a:pPr lvl="3"/>
+            <a:r>
+              <a:rPr lang="hu-HU" smtClean="0"/>
+              <a:t>Negyedik szint</a:t>
+            </a:r>
+          </a:p>
+          <a:p>
+            <a:pPr lvl="4"/>
+            <a:r>
+              <a:rPr lang="hu-HU" smtClean="0"/>
+              <a:t>Ötödik szint</a:t>
+            </a:r>
+            <a:endParaRPr lang="en-US" dirty="0"/>
+          </a:p>
+        </p:txBody>
+      </p:sp>
+      <p:sp>
+        <p:nvSpPr>
+          <p:cNvPr id="5" name="Date Placeholder 4"/>
+          <p:cNvSpPr>
+            <a:spLocks noGrp="1"/>
+          </p:cNvSpPr>
+          <p:nvPr>
+            <p:ph type="dt" sz="half" idx="10"/>
+          </p:nvPr>
+        </p:nvSpPr>
+        <p:spPr/>
         <p:txBody>
           <a:bodyPr/>
           <a:lstStyle/>
           <a:p>
-            <a:pPr lvl="0"/>
-            <a:r>
-              <a:rPr lang="hu-HU" smtClean="0"/>
-              <a:t>Mintaszöveg szerkesztése</a:t>
-            </a:r>
-          </a:p>
-          <a:p>
-            <a:pPr lvl="1"/>
-            <a:r>
-              <a:rPr lang="hu-HU" smtClean="0"/>
-              <a:t>Második szint</a:t>
-            </a:r>
-          </a:p>
-          <a:p>
-            <a:pPr lvl="2"/>
-            <a:r>
-              <a:rPr lang="hu-HU" smtClean="0"/>
-              <a:t>Harmadik szint</a:t>
-            </a:r>
-          </a:p>
-          <a:p>
-            <a:pPr lvl="3"/>
-            <a:r>
-              <a:rPr lang="hu-HU" smtClean="0"/>
-              <a:t>Negyedik szint</a:t>
-            </a:r>
-          </a:p>
-          <a:p>
-            <a:pPr lvl="4"/>
-            <a:r>
-              <a:rPr lang="hu-HU" smtClean="0"/>
-              <a:t>Ötödik szint</a:t>
-            </a:r>
-            <a:endParaRPr lang="hu-HU"/>
-          </a:p>
-        </p:txBody>
-      </p:sp>
-      <p:sp>
-        <p:nvSpPr>
-          <p:cNvPr id="4" name="Tartalom helye 3"/>
-          <p:cNvSpPr>
-            <a:spLocks noGrp="1"/>
-          </p:cNvSpPr>
-          <p:nvPr>
-            <p:ph sz="half" idx="2"/>
-          </p:nvPr>
-        </p:nvSpPr>
-        <p:spPr>
-          <a:xfrm>
-            <a:off x="6172200" y="1825625"/>
-            <a:ext cx="5181600" cy="4351338"/>
-          </a:xfrm>
-        </p:spPr>
-        <p:txBody>
-          <a:bodyPr/>
-          <a:lstStyle/>
-          <a:p>
-            <a:pPr lvl="0"/>
-            <a:r>
-              <a:rPr lang="hu-HU" smtClean="0"/>
-              <a:t>Mintaszöveg szerkesztése</a:t>
-            </a:r>
-          </a:p>
-          <a:p>
-            <a:pPr lvl="1"/>
-            <a:r>
-              <a:rPr lang="hu-HU" smtClean="0"/>
-              <a:t>Második szint</a:t>
-            </a:r>
-          </a:p>
-          <a:p>
-            <a:pPr lvl="2"/>
-            <a:r>
-              <a:rPr lang="hu-HU" smtClean="0"/>
-              <a:t>Harmadik szint</a:t>
-            </a:r>
-          </a:p>
-          <a:p>
-            <a:pPr lvl="3"/>
-            <a:r>
-              <a:rPr lang="hu-HU" smtClean="0"/>
-              <a:t>Negyedik szint</a:t>
-            </a:r>
-          </a:p>
-          <a:p>
-            <a:pPr lvl="4"/>
-            <a:r>
-              <a:rPr lang="hu-HU" smtClean="0"/>
-              <a:t>Ötödik szint</a:t>
-            </a:r>
-            <a:endParaRPr lang="hu-HU"/>
-          </a:p>
-        </p:txBody>
-      </p:sp>
-      <p:sp>
-        <p:nvSpPr>
-          <p:cNvPr id="5" name="Dátum helye 4"/>
-          <p:cNvSpPr>
-            <a:spLocks noGrp="1"/>
-          </p:cNvSpPr>
-          <p:nvPr>
-            <p:ph type="dt" sz="half" idx="10"/>
-          </p:nvPr>
-        </p:nvSpPr>
-        <p:spPr/>
-        <p:txBody>
-          <a:bodyPr/>
-          <a:lstStyle/>
-          <a:p>
             <a:fld id="{BD5193CC-C62B-423D-A098-867CDE0A1E84}" type="datetimeFigureOut">
               <a:rPr lang="hu-HU" smtClean="0"/>
-              <a:t>2022.09.13.</a:t>
+              <a:t>2022.09.15.</a:t>
             </a:fld>
             <a:endParaRPr lang="hu-HU"/>
           </a:p>
@@ -1258,7 +3940,7 @@
       </p:sp>
       <p:sp>
         <p:nvSpPr>
-          <p:cNvPr id="6" name="Élőláb helye 5"/>
+          <p:cNvPr id="6" name="Footer Placeholder 5"/>
           <p:cNvSpPr>
             <a:spLocks noGrp="1"/>
           </p:cNvSpPr>
@@ -1277,7 +3959,7 @@
       </p:sp>
       <p:sp>
         <p:nvSpPr>
-          <p:cNvPr id="7" name="Dia számának helye 6"/>
+          <p:cNvPr id="7" name="Slide Number Placeholder 6"/>
           <p:cNvSpPr>
             <a:spLocks noGrp="1"/>
           </p:cNvSpPr>
@@ -1301,7 +3983,7 @@
     </p:spTree>
     <p:extLst>
       <p:ext uri="{BB962C8B-B14F-4D97-AF65-F5344CB8AC3E}">
-        <p14:creationId xmlns:p14="http://schemas.microsoft.com/office/powerpoint/2010/main" val="20885307"/>
+        <p14:creationId xmlns:p14="http://schemas.microsoft.com/office/powerpoint/2010/main" val="2254779246"/>
       </p:ext>
     </p:extLst>
   </p:cSld>
@@ -1330,7 +4012,7 @@
       </p:grpSpPr>
       <p:sp>
         <p:nvSpPr>
-          <p:cNvPr id="2" name="Cím 1"/>
+          <p:cNvPr id="2" name="Title 1"/>
           <p:cNvSpPr>
             <a:spLocks noGrp="1"/>
           </p:cNvSpPr>
@@ -1338,27 +4020,26 @@
             <p:ph type="title"/>
           </p:nvPr>
         </p:nvSpPr>
-        <p:spPr>
-          <a:xfrm>
-            <a:off x="839788" y="365125"/>
-            <a:ext cx="10515600" cy="1325563"/>
-          </a:xfrm>
-        </p:spPr>
+        <p:spPr/>
         <p:txBody>
           <a:bodyPr/>
-          <a:lstStyle/>
+          <a:lstStyle>
+            <a:lvl1pPr>
+              <a:defRPr/>
+            </a:lvl1pPr>
+          </a:lstStyle>
           <a:p>
             <a:r>
               <a:rPr lang="hu-HU" smtClean="0"/>
               <a:t>Mintacím szerkesztése</a:t>
             </a:r>
-            <a:endParaRPr lang="hu-HU"/>
-          </a:p>
-        </p:txBody>
-      </p:sp>
-      <p:sp>
-        <p:nvSpPr>
-          <p:cNvPr id="3" name="Szöveg helye 2"/>
+            <a:endParaRPr lang="en-US" dirty="0"/>
+          </a:p>
+        </p:txBody>
+      </p:sp>
+      <p:sp>
+        <p:nvSpPr>
+          <p:cNvPr id="3" name="Text Placeholder 2"/>
           <p:cNvSpPr>
             <a:spLocks noGrp="1"/>
           </p:cNvSpPr>
@@ -1368,16 +4049,25 @@
         </p:nvSpPr>
         <p:spPr>
           <a:xfrm>
-            <a:off x="839788" y="1681163"/>
-            <a:ext cx="5157787" cy="823912"/>
-          </a:xfrm>
-        </p:spPr>
-        <p:txBody>
-          <a:bodyPr anchor="b"/>
+            <a:off x="1103313" y="1905000"/>
+            <a:ext cx="4396338" cy="576262"/>
+          </a:xfrm>
+        </p:spPr>
+        <p:txBody>
+          <a:bodyPr anchor="b">
+            <a:noAutofit/>
+          </a:bodyPr>
           <a:lstStyle>
             <a:lvl1pPr marL="0" indent="0">
               <a:buNone/>
-              <a:defRPr sz="2400" b="1"/>
+              <a:defRPr sz="2400" b="0">
+                <a:solidFill>
+                  <a:schemeClr val="bg2">
+                    <a:lumMod val="40000"/>
+                    <a:lumOff val="60000"/>
+                  </a:schemeClr>
+                </a:solidFill>
+              </a:defRPr>
             </a:lvl1pPr>
             <a:lvl2pPr marL="457200" indent="0">
               <a:buNone/>
@@ -1423,7 +4113,7 @@
       </p:sp>
       <p:sp>
         <p:nvSpPr>
-          <p:cNvPr id="4" name="Tartalom helye 3"/>
+          <p:cNvPr id="4" name="Content Placeholder 3"/>
           <p:cNvSpPr>
             <a:spLocks noGrp="1"/>
           </p:cNvSpPr>
@@ -1433,13 +4123,43 @@
         </p:nvSpPr>
         <p:spPr>
           <a:xfrm>
-            <a:off x="839788" y="2505075"/>
-            <a:ext cx="5157787" cy="3684588"/>
-          </a:xfrm>
-        </p:spPr>
-        <p:txBody>
-          <a:bodyPr/>
-          <a:lstStyle/>
+            <a:off x="1103312" y="2514600"/>
+            <a:ext cx="4396339" cy="3741738"/>
+          </a:xfrm>
+        </p:spPr>
+        <p:txBody>
+          <a:bodyPr>
+            <a:normAutofit/>
+          </a:bodyPr>
+          <a:lstStyle>
+            <a:lvl1pPr>
+              <a:defRPr sz="1800"/>
+            </a:lvl1pPr>
+            <a:lvl2pPr>
+              <a:defRPr sz="1600"/>
+            </a:lvl2pPr>
+            <a:lvl3pPr>
+              <a:defRPr sz="1400"/>
+            </a:lvl3pPr>
+            <a:lvl4pPr>
+              <a:defRPr sz="1200"/>
+            </a:lvl4pPr>
+            <a:lvl5pPr>
+              <a:defRPr sz="1200"/>
+            </a:lvl5pPr>
+            <a:lvl6pPr>
+              <a:defRPr sz="1200"/>
+            </a:lvl6pPr>
+            <a:lvl7pPr>
+              <a:defRPr sz="1200"/>
+            </a:lvl7pPr>
+            <a:lvl8pPr>
+              <a:defRPr sz="1200"/>
+            </a:lvl8pPr>
+            <a:lvl9pPr>
+              <a:defRPr sz="1200"/>
+            </a:lvl9pPr>
+          </a:lstStyle>
           <a:p>
             <a:pPr lvl="0"/>
             <a:r>
@@ -1474,13 +4194,13 @@
               <a:rPr lang="hu-HU" smtClean="0"/>
               <a:t>Ötödik szint</a:t>
             </a:r>
-            <a:endParaRPr lang="hu-HU"/>
-          </a:p>
-        </p:txBody>
-      </p:sp>
-      <p:sp>
-        <p:nvSpPr>
-          <p:cNvPr id="5" name="Szöveg helye 4"/>
+            <a:endParaRPr lang="en-US" dirty="0"/>
+          </a:p>
+        </p:txBody>
+      </p:sp>
+      <p:sp>
+        <p:nvSpPr>
+          <p:cNvPr id="5" name="Text Placeholder 4"/>
           <p:cNvSpPr>
             <a:spLocks noGrp="1"/>
           </p:cNvSpPr>
@@ -1490,16 +4210,25 @@
         </p:nvSpPr>
         <p:spPr>
           <a:xfrm>
-            <a:off x="6172200" y="1681163"/>
-            <a:ext cx="5183188" cy="823912"/>
-          </a:xfrm>
-        </p:spPr>
-        <p:txBody>
-          <a:bodyPr anchor="b"/>
+            <a:off x="5654495" y="1905000"/>
+            <a:ext cx="4396339" cy="576262"/>
+          </a:xfrm>
+        </p:spPr>
+        <p:txBody>
+          <a:bodyPr anchor="b">
+            <a:noAutofit/>
+          </a:bodyPr>
           <a:lstStyle>
             <a:lvl1pPr marL="0" indent="0">
               <a:buNone/>
-              <a:defRPr sz="2400" b="1"/>
+              <a:defRPr sz="2400" b="0">
+                <a:solidFill>
+                  <a:schemeClr val="bg2">
+                    <a:lumMod val="40000"/>
+                    <a:lumOff val="60000"/>
+                  </a:schemeClr>
+                </a:solidFill>
+              </a:defRPr>
             </a:lvl1pPr>
             <a:lvl2pPr marL="457200" indent="0">
               <a:buNone/>
@@ -1545,7 +4274,7 @@
       </p:sp>
       <p:sp>
         <p:nvSpPr>
-          <p:cNvPr id="6" name="Tartalom helye 5"/>
+          <p:cNvPr id="6" name="Content Placeholder 5"/>
           <p:cNvSpPr>
             <a:spLocks noGrp="1"/>
           </p:cNvSpPr>
@@ -1555,69 +4284,99 @@
         </p:nvSpPr>
         <p:spPr>
           <a:xfrm>
-            <a:off x="6172200" y="2505075"/>
-            <a:ext cx="5183188" cy="3684588"/>
-          </a:xfrm>
-        </p:spPr>
+            <a:off x="5654495" y="2514600"/>
+            <a:ext cx="4396339" cy="3741738"/>
+          </a:xfrm>
+        </p:spPr>
+        <p:txBody>
+          <a:bodyPr>
+            <a:normAutofit/>
+          </a:bodyPr>
+          <a:lstStyle>
+            <a:lvl1pPr>
+              <a:defRPr sz="1800"/>
+            </a:lvl1pPr>
+            <a:lvl2pPr>
+              <a:defRPr sz="1600"/>
+            </a:lvl2pPr>
+            <a:lvl3pPr>
+              <a:defRPr sz="1400"/>
+            </a:lvl3pPr>
+            <a:lvl4pPr>
+              <a:defRPr sz="1200"/>
+            </a:lvl4pPr>
+            <a:lvl5pPr>
+              <a:defRPr sz="1200"/>
+            </a:lvl5pPr>
+            <a:lvl6pPr>
+              <a:defRPr sz="1200"/>
+            </a:lvl6pPr>
+            <a:lvl7pPr>
+              <a:defRPr sz="1200"/>
+            </a:lvl7pPr>
+            <a:lvl8pPr>
+              <a:defRPr sz="1200"/>
+            </a:lvl8pPr>
+            <a:lvl9pPr>
+              <a:defRPr sz="1200"/>
+            </a:lvl9pPr>
+          </a:lstStyle>
+          <a:p>
+            <a:pPr lvl="0"/>
+            <a:r>
+              <a:rPr lang="hu-HU" smtClean="0"/>
+              <a:t>Mintaszöveg szerkesztése</a:t>
+            </a:r>
+          </a:p>
+          <a:p>
+            <a:pPr lvl="1"/>
+            <a:r>
+              <a:rPr lang="hu-HU" smtClean="0"/>
+              <a:t>Második szint</a:t>
+            </a:r>
+          </a:p>
+          <a:p>
+            <a:pPr lvl="2"/>
+            <a:r>
+              <a:rPr lang="hu-HU" smtClean="0"/>
+              <a:t>Harmadik szint</a:t>
+            </a:r>
+          </a:p>
+          <a:p>
+            <a:pPr lvl="3"/>
+            <a:r>
+              <a:rPr lang="hu-HU" smtClean="0"/>
+              <a:t>Negyedik szint</a:t>
+            </a:r>
+          </a:p>
+          <a:p>
+            <a:pPr lvl="4"/>
+            <a:r>
+              <a:rPr lang="hu-HU" smtClean="0"/>
+              <a:t>Ötödik szint</a:t>
+            </a:r>
+            <a:endParaRPr lang="en-US" dirty="0"/>
+          </a:p>
+        </p:txBody>
+      </p:sp>
+      <p:sp>
+        <p:nvSpPr>
+          <p:cNvPr id="7" name="Date Placeholder 6"/>
+          <p:cNvSpPr>
+            <a:spLocks noGrp="1"/>
+          </p:cNvSpPr>
+          <p:nvPr>
+            <p:ph type="dt" sz="half" idx="10"/>
+          </p:nvPr>
+        </p:nvSpPr>
+        <p:spPr/>
         <p:txBody>
           <a:bodyPr/>
           <a:lstStyle/>
           <a:p>
-            <a:pPr lvl="0"/>
-            <a:r>
-              <a:rPr lang="hu-HU" smtClean="0"/>
-              <a:t>Mintaszöveg szerkesztése</a:t>
-            </a:r>
-          </a:p>
-          <a:p>
-            <a:pPr lvl="1"/>
-            <a:r>
-              <a:rPr lang="hu-HU" smtClean="0"/>
-              <a:t>Második szint</a:t>
-            </a:r>
-          </a:p>
-          <a:p>
-            <a:pPr lvl="2"/>
-            <a:r>
-              <a:rPr lang="hu-HU" smtClean="0"/>
-              <a:t>Harmadik szint</a:t>
-            </a:r>
-          </a:p>
-          <a:p>
-            <a:pPr lvl="3"/>
-            <a:r>
-              <a:rPr lang="hu-HU" smtClean="0"/>
-              <a:t>Negyedik szint</a:t>
-            </a:r>
-          </a:p>
-          <a:p>
-            <a:pPr lvl="4"/>
-            <a:r>
-              <a:rPr lang="hu-HU" smtClean="0"/>
-              <a:t>Ötödik szint</a:t>
-            </a:r>
-            <a:endParaRPr lang="hu-HU"/>
-          </a:p>
-        </p:txBody>
-      </p:sp>
-      <p:sp>
-        <p:nvSpPr>
-          <p:cNvPr id="7" name="Dátum helye 6"/>
-          <p:cNvSpPr>
-            <a:spLocks noGrp="1"/>
-          </p:cNvSpPr>
-          <p:nvPr>
-            <p:ph type="dt" sz="half" idx="10"/>
-          </p:nvPr>
-        </p:nvSpPr>
-        <p:spPr/>
-        <p:txBody>
-          <a:bodyPr/>
-          <a:lstStyle/>
-          <a:p>
             <a:fld id="{BD5193CC-C62B-423D-A098-867CDE0A1E84}" type="datetimeFigureOut">
               <a:rPr lang="hu-HU" smtClean="0"/>
-              <a:t>2022.09.13.</a:t>
+              <a:t>2022.09.15.</a:t>
             </a:fld>
             <a:endParaRPr lang="hu-HU"/>
           </a:p>
@@ -1625,7 +4384,7 @@
       </p:sp>
       <p:sp>
         <p:nvSpPr>
-          <p:cNvPr id="8" name="Élőláb helye 7"/>
+          <p:cNvPr id="8" name="Footer Placeholder 7"/>
           <p:cNvSpPr>
             <a:spLocks noGrp="1"/>
           </p:cNvSpPr>
@@ -1644,7 +4403,7 @@
       </p:sp>
       <p:sp>
         <p:nvSpPr>
-          <p:cNvPr id="9" name="Dia számának helye 8"/>
+          <p:cNvPr id="9" name="Slide Number Placeholder 8"/>
           <p:cNvSpPr>
             <a:spLocks noGrp="1"/>
           </p:cNvSpPr>
@@ -1668,7 +4427,7 @@
     </p:spTree>
     <p:extLst>
       <p:ext uri="{BB962C8B-B14F-4D97-AF65-F5344CB8AC3E}">
-        <p14:creationId xmlns:p14="http://schemas.microsoft.com/office/powerpoint/2010/main" val="3407017842"/>
+        <p14:creationId xmlns:p14="http://schemas.microsoft.com/office/powerpoint/2010/main" val="3689826232"/>
       </p:ext>
     </p:extLst>
   </p:cSld>
@@ -1697,7 +4456,7 @@
       </p:grpSpPr>
       <p:sp>
         <p:nvSpPr>
-          <p:cNvPr id="2" name="Cím 1"/>
+          <p:cNvPr id="2" name="Title 1"/>
           <p:cNvSpPr>
             <a:spLocks noGrp="1"/>
           </p:cNvSpPr>
@@ -1714,13 +4473,13 @@
               <a:rPr lang="hu-HU" smtClean="0"/>
               <a:t>Mintacím szerkesztése</a:t>
             </a:r>
-            <a:endParaRPr lang="hu-HU"/>
-          </a:p>
-        </p:txBody>
-      </p:sp>
-      <p:sp>
-        <p:nvSpPr>
-          <p:cNvPr id="3" name="Dátum helye 2"/>
+            <a:endParaRPr lang="en-US" dirty="0"/>
+          </a:p>
+        </p:txBody>
+      </p:sp>
+      <p:sp>
+        <p:nvSpPr>
+          <p:cNvPr id="7" name="Date Placeholder 2"/>
           <p:cNvSpPr>
             <a:spLocks noGrp="1"/>
           </p:cNvSpPr>
@@ -1735,7 +4494,7 @@
           <a:p>
             <a:fld id="{BD5193CC-C62B-423D-A098-867CDE0A1E84}" type="datetimeFigureOut">
               <a:rPr lang="hu-HU" smtClean="0"/>
-              <a:t>2022.09.13.</a:t>
+              <a:t>2022.09.15.</a:t>
             </a:fld>
             <a:endParaRPr lang="hu-HU"/>
           </a:p>
@@ -1743,7 +4502,7 @@
       </p:sp>
       <p:sp>
         <p:nvSpPr>
-          <p:cNvPr id="4" name="Élőláb helye 3"/>
+          <p:cNvPr id="5" name="Footer Placeholder 3"/>
           <p:cNvSpPr>
             <a:spLocks noGrp="1"/>
           </p:cNvSpPr>
@@ -1762,7 +4521,7 @@
       </p:sp>
       <p:sp>
         <p:nvSpPr>
-          <p:cNvPr id="5" name="Dia számának helye 4"/>
+          <p:cNvPr id="6" name="Slide Number Placeholder 4"/>
           <p:cNvSpPr>
             <a:spLocks noGrp="1"/>
           </p:cNvSpPr>
@@ -1786,7 +4545,7 @@
     </p:spTree>
     <p:extLst>
       <p:ext uri="{BB962C8B-B14F-4D97-AF65-F5344CB8AC3E}">
-        <p14:creationId xmlns:p14="http://schemas.microsoft.com/office/powerpoint/2010/main" val="3458661899"/>
+        <p14:creationId xmlns:p14="http://schemas.microsoft.com/office/powerpoint/2010/main" val="2148053435"/>
       </p:ext>
     </p:extLst>
   </p:cSld>
@@ -1815,7 +4574,7 @@
       </p:grpSpPr>
       <p:sp>
         <p:nvSpPr>
-          <p:cNvPr id="2" name="Dátum helye 1"/>
+          <p:cNvPr id="7" name="Date Placeholder 1"/>
           <p:cNvSpPr>
             <a:spLocks noGrp="1"/>
           </p:cNvSpPr>
@@ -1830,7 +4589,7 @@
           <a:p>
             <a:fld id="{BD5193CC-C62B-423D-A098-867CDE0A1E84}" type="datetimeFigureOut">
               <a:rPr lang="hu-HU" smtClean="0"/>
-              <a:t>2022.09.13.</a:t>
+              <a:t>2022.09.15.</a:t>
             </a:fld>
             <a:endParaRPr lang="hu-HU"/>
           </a:p>
@@ -1838,7 +4597,7 @@
       </p:sp>
       <p:sp>
         <p:nvSpPr>
-          <p:cNvPr id="3" name="Élőláb helye 2"/>
+          <p:cNvPr id="5" name="Footer Placeholder 2"/>
           <p:cNvSpPr>
             <a:spLocks noGrp="1"/>
           </p:cNvSpPr>
@@ -1857,7 +4616,7 @@
       </p:sp>
       <p:sp>
         <p:nvSpPr>
-          <p:cNvPr id="4" name="Dia számának helye 3"/>
+          <p:cNvPr id="6" name="Slide Number Placeholder 3"/>
           <p:cNvSpPr>
             <a:spLocks noGrp="1"/>
           </p:cNvSpPr>
@@ -1881,7 +4640,7 @@
     </p:spTree>
     <p:extLst>
       <p:ext uri="{BB962C8B-B14F-4D97-AF65-F5344CB8AC3E}">
-        <p14:creationId xmlns:p14="http://schemas.microsoft.com/office/powerpoint/2010/main" val="3849462038"/>
+        <p14:creationId xmlns:p14="http://schemas.microsoft.com/office/powerpoint/2010/main" val="4167997476"/>
       </p:ext>
     </p:extLst>
   </p:cSld>
@@ -1910,7 +4669,7 @@
       </p:grpSpPr>
       <p:sp>
         <p:nvSpPr>
-          <p:cNvPr id="2" name="Cím 1"/>
+          <p:cNvPr id="2" name="Title 1"/>
           <p:cNvSpPr>
             <a:spLocks noGrp="1"/>
           </p:cNvSpPr>
@@ -1920,15 +4679,15 @@
         </p:nvSpPr>
         <p:spPr>
           <a:xfrm>
-            <a:off x="839788" y="457200"/>
-            <a:ext cx="3932237" cy="1600200"/>
+            <a:off x="1154953" y="1447800"/>
+            <a:ext cx="3401064" cy="1447800"/>
           </a:xfrm>
         </p:spPr>
         <p:txBody>
           <a:bodyPr anchor="b"/>
           <a:lstStyle>
-            <a:lvl1pPr>
-              <a:defRPr sz="3200"/>
+            <a:lvl1pPr algn="l">
+              <a:defRPr sz="2400" b="0"/>
             </a:lvl1pPr>
           </a:lstStyle>
           <a:p>
@@ -1936,13 +4695,13 @@
               <a:rPr lang="hu-HU" smtClean="0"/>
               <a:t>Mintacím szerkesztése</a:t>
             </a:r>
-            <a:endParaRPr lang="hu-HU"/>
-          </a:p>
-        </p:txBody>
-      </p:sp>
-      <p:sp>
-        <p:nvSpPr>
-          <p:cNvPr id="3" name="Tartalom helye 2"/>
+            <a:endParaRPr lang="en-US" dirty="0"/>
+          </a:p>
+        </p:txBody>
+      </p:sp>
+      <p:sp>
+        <p:nvSpPr>
+          <p:cNvPr id="3" name="Content Placeholder 2"/>
           <p:cNvSpPr>
             <a:spLocks noGrp="1"/>
           </p:cNvSpPr>
@@ -1952,39 +4711,41 @@
         </p:nvSpPr>
         <p:spPr>
           <a:xfrm>
-            <a:off x="5183188" y="987425"/>
-            <a:ext cx="6172200" cy="4873625"/>
-          </a:xfrm>
-        </p:spPr>
-        <p:txBody>
-          <a:bodyPr/>
+            <a:off x="4784616" y="1447800"/>
+            <a:ext cx="5195997" cy="4572000"/>
+          </a:xfrm>
+        </p:spPr>
+        <p:txBody>
+          <a:bodyPr anchor="ctr">
+            <a:normAutofit/>
+          </a:bodyPr>
           <a:lstStyle>
             <a:lvl1pPr>
-              <a:defRPr sz="3200"/>
+              <a:defRPr sz="2000"/>
             </a:lvl1pPr>
             <a:lvl2pPr>
-              <a:defRPr sz="2800"/>
+              <a:defRPr sz="1800"/>
             </a:lvl2pPr>
             <a:lvl3pPr>
-              <a:defRPr sz="2400"/>
+              <a:defRPr sz="1600"/>
             </a:lvl3pPr>
             <a:lvl4pPr>
-              <a:defRPr sz="2000"/>
+              <a:defRPr sz="1400"/>
             </a:lvl4pPr>
             <a:lvl5pPr>
-              <a:defRPr sz="2000"/>
+              <a:defRPr sz="1400"/>
             </a:lvl5pPr>
             <a:lvl6pPr>
-              <a:defRPr sz="2000"/>
+              <a:defRPr sz="1400"/>
             </a:lvl6pPr>
             <a:lvl7pPr>
-              <a:defRPr sz="2000"/>
+              <a:defRPr sz="1400"/>
             </a:lvl7pPr>
             <a:lvl8pPr>
-              <a:defRPr sz="2000"/>
+              <a:defRPr sz="1400"/>
             </a:lvl8pPr>
             <a:lvl9pPr>
-              <a:defRPr sz="2000"/>
+              <a:defRPr sz="1400"/>
             </a:lvl9pPr>
           </a:lstStyle>
           <a:p>
@@ -2021,13 +4782,13 @@
               <a:rPr lang="hu-HU" smtClean="0"/>
               <a:t>Ötödik szint</a:t>
             </a:r>
-            <a:endParaRPr lang="hu-HU"/>
-          </a:p>
-        </p:txBody>
-      </p:sp>
-      <p:sp>
-        <p:nvSpPr>
-          <p:cNvPr id="4" name="Szöveg helye 3"/>
+            <a:endParaRPr lang="en-US" dirty="0"/>
+          </a:p>
+        </p:txBody>
+      </p:sp>
+      <p:sp>
+        <p:nvSpPr>
+          <p:cNvPr id="4" name="Text Placeholder 3"/>
           <p:cNvSpPr>
             <a:spLocks noGrp="1"/>
           </p:cNvSpPr>
@@ -2037,8 +4798,8 @@
         </p:nvSpPr>
         <p:spPr>
           <a:xfrm>
-            <a:off x="839788" y="2057400"/>
-            <a:ext cx="3932237" cy="3811588"/>
+            <a:off x="1154953" y="3129280"/>
+            <a:ext cx="3401063" cy="2895599"/>
           </a:xfrm>
         </p:spPr>
         <p:txBody>
@@ -2046,39 +4807,39 @@
           <a:lstStyle>
             <a:lvl1pPr marL="0" indent="0">
               <a:buNone/>
-              <a:defRPr sz="1600"/>
+              <a:defRPr sz="1400"/>
             </a:lvl1pPr>
             <a:lvl2pPr marL="457200" indent="0">
               <a:buNone/>
-              <a:defRPr sz="1400"/>
+              <a:defRPr sz="1200"/>
             </a:lvl2pPr>
             <a:lvl3pPr marL="914400" indent="0">
               <a:buNone/>
-              <a:defRPr sz="1200"/>
+              <a:defRPr sz="1000"/>
             </a:lvl3pPr>
             <a:lvl4pPr marL="1371600" indent="0">
               <a:buNone/>
-              <a:defRPr sz="1000"/>
+              <a:defRPr sz="900"/>
             </a:lvl4pPr>
             <a:lvl5pPr marL="1828800" indent="0">
               <a:buNone/>
-              <a:defRPr sz="1000"/>
+              <a:defRPr sz="900"/>
             </a:lvl5pPr>
             <a:lvl6pPr marL="2286000" indent="0">
               <a:buNone/>
-              <a:defRPr sz="1000"/>
+              <a:defRPr sz="900"/>
             </a:lvl6pPr>
             <a:lvl7pPr marL="2743200" indent="0">
               <a:buNone/>
-              <a:defRPr sz="1000"/>
+              <a:defRPr sz="900"/>
             </a:lvl7pPr>
             <a:lvl8pPr marL="3200400" indent="0">
               <a:buNone/>
-              <a:defRPr sz="1000"/>
+              <a:defRPr sz="900"/>
             </a:lvl8pPr>
             <a:lvl9pPr marL="3657600" indent="0">
               <a:buNone/>
-              <a:defRPr sz="1000"/>
+              <a:defRPr sz="900"/>
             </a:lvl9pPr>
           </a:lstStyle>
           <a:p>
@@ -2092,7 +4853,7 @@
       </p:sp>
       <p:sp>
         <p:nvSpPr>
-          <p:cNvPr id="5" name="Dátum helye 4"/>
+          <p:cNvPr id="7" name="Date Placeholder 4"/>
           <p:cNvSpPr>
             <a:spLocks noGrp="1"/>
           </p:cNvSpPr>
@@ -2107,7 +4868,7 @@
           <a:p>
             <a:fld id="{BD5193CC-C62B-423D-A098-867CDE0A1E84}" type="datetimeFigureOut">
               <a:rPr lang="hu-HU" smtClean="0"/>
-              <a:t>2022.09.13.</a:t>
+              <a:t>2022.09.15.</a:t>
             </a:fld>
             <a:endParaRPr lang="hu-HU"/>
           </a:p>
@@ -2115,7 +4876,7 @@
       </p:sp>
       <p:sp>
         <p:nvSpPr>
-          <p:cNvPr id="6" name="Élőláb helye 5"/>
+          <p:cNvPr id="5" name="Footer Placeholder 5"/>
           <p:cNvSpPr>
             <a:spLocks noGrp="1"/>
           </p:cNvSpPr>
@@ -2134,7 +4895,7 @@
       </p:sp>
       <p:sp>
         <p:nvSpPr>
-          <p:cNvPr id="7" name="Dia számának helye 6"/>
+          <p:cNvPr id="6" name="Slide Number Placeholder 6"/>
           <p:cNvSpPr>
             <a:spLocks noGrp="1"/>
           </p:cNvSpPr>
@@ -2158,7 +4919,7 @@
     </p:spTree>
     <p:extLst>
       <p:ext uri="{BB962C8B-B14F-4D97-AF65-F5344CB8AC3E}">
-        <p14:creationId xmlns:p14="http://schemas.microsoft.com/office/powerpoint/2010/main" val="852989114"/>
+        <p14:creationId xmlns:p14="http://schemas.microsoft.com/office/powerpoint/2010/main" val="604953869"/>
       </p:ext>
     </p:extLst>
   </p:cSld>
@@ -2187,7 +4948,7 @@
       </p:grpSpPr>
       <p:sp>
         <p:nvSpPr>
-          <p:cNvPr id="2" name="Cím 1"/>
+          <p:cNvPr id="2" name="Title 1"/>
           <p:cNvSpPr>
             <a:spLocks noGrp="1"/>
           </p:cNvSpPr>
@@ -2197,15 +4958,17 @@
         </p:nvSpPr>
         <p:spPr>
           <a:xfrm>
-            <a:off x="839788" y="457200"/>
-            <a:ext cx="3932237" cy="1600200"/>
-          </a:xfrm>
-        </p:spPr>
-        <p:txBody>
-          <a:bodyPr anchor="b"/>
+            <a:off x="1153907" y="1854192"/>
+            <a:ext cx="5092906" cy="1574808"/>
+          </a:xfrm>
+        </p:spPr>
+        <p:txBody>
+          <a:bodyPr anchor="b">
+            <a:normAutofit/>
+          </a:bodyPr>
           <a:lstStyle>
-            <a:lvl1pPr>
-              <a:defRPr sz="3200"/>
+            <a:lvl1pPr algn="l">
+              <a:defRPr sz="3600" b="0"/>
             </a:lvl1pPr>
           </a:lstStyle>
           <a:p>
@@ -2213,15 +4976,15 @@
               <a:rPr lang="hu-HU" smtClean="0"/>
               <a:t>Mintacím szerkesztése</a:t>
             </a:r>
-            <a:endParaRPr lang="hu-HU"/>
-          </a:p>
-        </p:txBody>
-      </p:sp>
-      <p:sp>
-        <p:nvSpPr>
-          <p:cNvPr id="3" name="Kép helye 2"/>
-          <p:cNvSpPr>
-            <a:spLocks noGrp="1"/>
+            <a:endParaRPr lang="en-US" dirty="0"/>
+          </a:p>
+        </p:txBody>
+      </p:sp>
+      <p:sp>
+        <p:nvSpPr>
+          <p:cNvPr id="3" name="Picture Placeholder 2"/>
+          <p:cNvSpPr>
+            <a:spLocks noGrp="1" noChangeAspect="1"/>
           </p:cNvSpPr>
           <p:nvPr>
             <p:ph type="pic" idx="1"/>
@@ -2229,112 +4992,132 @@
         </p:nvSpPr>
         <p:spPr>
           <a:xfrm>
-            <a:off x="5183188" y="987425"/>
-            <a:ext cx="6172200" cy="4873625"/>
-          </a:xfrm>
-        </p:spPr>
-        <p:txBody>
-          <a:bodyPr/>
+            <a:off x="6949546" y="1143000"/>
+            <a:ext cx="3200400" cy="4572000"/>
+          </a:xfrm>
+          <a:prstGeom prst="roundRect">
+            <a:avLst>
+              <a:gd name="adj" fmla="val 1858"/>
+            </a:avLst>
+          </a:prstGeom>
+          <a:effectLst>
+            <a:outerShdw blurRad="50800" dist="50800" dir="5400000" algn="tl" rotWithShape="0">
+              <a:srgbClr val="000000">
+                <a:alpha val="43000"/>
+              </a:srgbClr>
+            </a:outerShdw>
+          </a:effectLst>
+        </p:spPr>
+        <p:txBody>
+          <a:bodyPr anchor="t">
+            <a:normAutofit/>
+          </a:bodyPr>
           <a:lstStyle>
-            <a:lvl1pPr marL="0" indent="0">
-              <a:buNone/>
-              <a:defRPr sz="3200"/>
-            </a:lvl1pPr>
-            <a:lvl2pPr marL="457200" indent="0">
-              <a:buNone/>
-              <a:defRPr sz="2800"/>
-            </a:lvl2pPr>
-            <a:lvl3pPr marL="914400" indent="0">
-              <a:buNone/>
-              <a:defRPr sz="2400"/>
-            </a:lvl3pPr>
-            <a:lvl4pPr marL="1371600" indent="0">
-              <a:buNone/>
-              <a:defRPr sz="2000"/>
-            </a:lvl4pPr>
-            <a:lvl5pPr marL="1828800" indent="0">
-              <a:buNone/>
-              <a:defRPr sz="2000"/>
-            </a:lvl5pPr>
-            <a:lvl6pPr marL="2286000" indent="0">
-              <a:buNone/>
-              <a:defRPr sz="2000"/>
-            </a:lvl6pPr>
-            <a:lvl7pPr marL="2743200" indent="0">
-              <a:buNone/>
-              <a:defRPr sz="2000"/>
-            </a:lvl7pPr>
-            <a:lvl8pPr marL="3200400" indent="0">
-              <a:buNone/>
-              <a:defRPr sz="2000"/>
-            </a:lvl8pPr>
-            <a:lvl9pPr marL="3657600" indent="0">
-              <a:buNone/>
-              <a:defRPr sz="2000"/>
-            </a:lvl9pPr>
-          </a:lstStyle>
-          <a:p>
-            <a:endParaRPr lang="hu-HU"/>
-          </a:p>
-        </p:txBody>
-      </p:sp>
-      <p:sp>
-        <p:nvSpPr>
-          <p:cNvPr id="4" name="Szöveg helye 3"/>
-          <p:cNvSpPr>
-            <a:spLocks noGrp="1"/>
-          </p:cNvSpPr>
-          <p:nvPr>
-            <p:ph type="body" sz="half" idx="2"/>
-          </p:nvPr>
-        </p:nvSpPr>
-        <p:spPr>
-          <a:xfrm>
-            <a:off x="839788" y="2057400"/>
-            <a:ext cx="3932237" cy="3811588"/>
-          </a:xfrm>
-        </p:spPr>
-        <p:txBody>
-          <a:bodyPr/>
-          <a:lstStyle>
-            <a:lvl1pPr marL="0" indent="0">
+            <a:lvl1pPr marL="0" indent="0" algn="ctr">
               <a:buNone/>
               <a:defRPr sz="1600"/>
             </a:lvl1pPr>
             <a:lvl2pPr marL="457200" indent="0">
               <a:buNone/>
-              <a:defRPr sz="1400"/>
+              <a:defRPr sz="1600"/>
             </a:lvl2pPr>
             <a:lvl3pPr marL="914400" indent="0">
               <a:buNone/>
-              <a:defRPr sz="1200"/>
+              <a:defRPr sz="1600"/>
             </a:lvl3pPr>
             <a:lvl4pPr marL="1371600" indent="0">
               <a:buNone/>
-              <a:defRPr sz="1000"/>
+              <a:defRPr sz="1600"/>
             </a:lvl4pPr>
             <a:lvl5pPr marL="1828800" indent="0">
               <a:buNone/>
-              <a:defRPr sz="1000"/>
+              <a:defRPr sz="1600"/>
             </a:lvl5pPr>
             <a:lvl6pPr marL="2286000" indent="0">
               <a:buNone/>
-              <a:defRPr sz="1000"/>
+              <a:defRPr sz="1600"/>
             </a:lvl6pPr>
             <a:lvl7pPr marL="2743200" indent="0">
               <a:buNone/>
-              <a:defRPr sz="1000"/>
+              <a:defRPr sz="1600"/>
             </a:lvl7pPr>
             <a:lvl8pPr marL="3200400" indent="0">
               <a:buNone/>
-              <a:defRPr sz="1000"/>
+              <a:defRPr sz="1600"/>
             </a:lvl8pPr>
             <a:lvl9pPr marL="3657600" indent="0">
               <a:buNone/>
-              <a:defRPr sz="1000"/>
+              <a:defRPr sz="1600"/>
             </a:lvl9pPr>
           </a:lstStyle>
           <a:p>
+            <a:r>
+              <a:rPr lang="hu-HU" smtClean="0"/>
+              <a:t>Kép beszúrásához kattintson az ikonra</a:t>
+            </a:r>
+            <a:endParaRPr lang="en-US" dirty="0"/>
+          </a:p>
+        </p:txBody>
+      </p:sp>
+      <p:sp>
+        <p:nvSpPr>
+          <p:cNvPr id="4" name="Text Placeholder 3"/>
+          <p:cNvSpPr>
+            <a:spLocks noGrp="1"/>
+          </p:cNvSpPr>
+          <p:nvPr>
+            <p:ph type="body" sz="half" idx="2"/>
+          </p:nvPr>
+        </p:nvSpPr>
+        <p:spPr>
+          <a:xfrm>
+            <a:off x="1154954" y="3657600"/>
+            <a:ext cx="5084979" cy="1371600"/>
+          </a:xfrm>
+        </p:spPr>
+        <p:txBody>
+          <a:bodyPr>
+            <a:normAutofit/>
+          </a:bodyPr>
+          <a:lstStyle>
+            <a:lvl1pPr marL="0" indent="0">
+              <a:buNone/>
+              <a:defRPr sz="1400"/>
+            </a:lvl1pPr>
+            <a:lvl2pPr marL="457200" indent="0">
+              <a:buNone/>
+              <a:defRPr sz="1200"/>
+            </a:lvl2pPr>
+            <a:lvl3pPr marL="914400" indent="0">
+              <a:buNone/>
+              <a:defRPr sz="1000"/>
+            </a:lvl3pPr>
+            <a:lvl4pPr marL="1371600" indent="0">
+              <a:buNone/>
+              <a:defRPr sz="900"/>
+            </a:lvl4pPr>
+            <a:lvl5pPr marL="1828800" indent="0">
+              <a:buNone/>
+              <a:defRPr sz="900"/>
+            </a:lvl5pPr>
+            <a:lvl6pPr marL="2286000" indent="0">
+              <a:buNone/>
+              <a:defRPr sz="900"/>
+            </a:lvl6pPr>
+            <a:lvl7pPr marL="2743200" indent="0">
+              <a:buNone/>
+              <a:defRPr sz="900"/>
+            </a:lvl7pPr>
+            <a:lvl8pPr marL="3200400" indent="0">
+              <a:buNone/>
+              <a:defRPr sz="900"/>
+            </a:lvl8pPr>
+            <a:lvl9pPr marL="3657600" indent="0">
+              <a:buNone/>
+              <a:defRPr sz="900"/>
+            </a:lvl9pPr>
+          </a:lstStyle>
+          <a:p>
             <a:pPr lvl="0"/>
             <a:r>
               <a:rPr lang="hu-HU" smtClean="0"/>
@@ -2345,7 +5128,7 @@
       </p:sp>
       <p:sp>
         <p:nvSpPr>
-          <p:cNvPr id="5" name="Dátum helye 4"/>
+          <p:cNvPr id="5" name="Date Placeholder 4"/>
           <p:cNvSpPr>
             <a:spLocks noGrp="1"/>
           </p:cNvSpPr>
@@ -2360,7 +5143,7 @@
           <a:p>
             <a:fld id="{BD5193CC-C62B-423D-A098-867CDE0A1E84}" type="datetimeFigureOut">
               <a:rPr lang="hu-HU" smtClean="0"/>
-              <a:t>2022.09.13.</a:t>
+              <a:t>2022.09.15.</a:t>
             </a:fld>
             <a:endParaRPr lang="hu-HU"/>
           </a:p>
@@ -2368,7 +5151,7 @@
       </p:sp>
       <p:sp>
         <p:nvSpPr>
-          <p:cNvPr id="6" name="Élőláb helye 5"/>
+          <p:cNvPr id="6" name="Footer Placeholder 5"/>
           <p:cNvSpPr>
             <a:spLocks noGrp="1"/>
           </p:cNvSpPr>
@@ -2387,7 +5170,7 @@
       </p:sp>
       <p:sp>
         <p:nvSpPr>
-          <p:cNvPr id="7" name="Dia számának helye 6"/>
+          <p:cNvPr id="7" name="Slide Number Placeholder 6"/>
           <p:cNvSpPr>
             <a:spLocks noGrp="1"/>
           </p:cNvSpPr>
@@ -2411,7 +5194,7 @@
     </p:spTree>
     <p:extLst>
       <p:ext uri="{BB962C8B-B14F-4D97-AF65-F5344CB8AC3E}">
-        <p14:creationId xmlns:p14="http://schemas.microsoft.com/office/powerpoint/2010/main" val="1318503396"/>
+        <p14:creationId xmlns:p14="http://schemas.microsoft.com/office/powerpoint/2010/main" val="3523781782"/>
       </p:ext>
     </p:extLst>
   </p:cSld>
@@ -2425,8 +5208,8 @@
 <p:sldMaster xmlns:a="http://schemas.openxmlformats.org/drawingml/2006/main" xmlns:r="http://schemas.openxmlformats.org/officeDocument/2006/relationships" xmlns:p="http://schemas.openxmlformats.org/presentationml/2006/main">
   <p:cSld>
     <p:bg>
-      <p:bgRef idx="1001">
-        <a:schemeClr val="bg1"/>
+      <p:bgRef idx="1003">
+        <a:schemeClr val="bg2"/>
       </p:bgRef>
     </p:bg>
     <p:spTree>
@@ -2443,58 +5226,273 @@
           <a:chExt cx="0" cy="0"/>
         </a:xfrm>
       </p:grpSpPr>
-      <p:sp>
-        <p:nvSpPr>
-          <p:cNvPr id="2" name="Cím helye 1"/>
-          <p:cNvSpPr>
-            <a:spLocks noGrp="1"/>
-          </p:cNvSpPr>
-          <p:nvPr>
-            <p:ph type="title"/>
-          </p:nvPr>
-        </p:nvSpPr>
-        <p:spPr>
-          <a:xfrm>
-            <a:off x="838200" y="365125"/>
-            <a:ext cx="10515600" cy="1325563"/>
+      <p:pic>
+        <p:nvPicPr>
+          <p:cNvPr id="8" name="Picture 7"/>
+          <p:cNvPicPr>
+            <a:picLocks noChangeAspect="1"/>
+          </p:cNvPicPr>
+          <p:nvPr/>
+        </p:nvPicPr>
+        <p:blipFill rotWithShape="1">
+          <a:blip r:embed="rId19">
+            <a:extLst>
+              <a:ext uri="{28A0092B-C50C-407E-A947-70E740481C1C}">
+                <a14:useLocalDpi xmlns:a14="http://schemas.microsoft.com/office/drawing/2010/main" val="0"/>
+              </a:ext>
+            </a:extLst>
+          </a:blip>
+          <a:srcRect l="3613"/>
+          <a:stretch/>
+        </p:blipFill>
+        <p:spPr>
+          <a:xfrm>
+            <a:off x="0" y="2669685"/>
+            <a:ext cx="4037012" cy="4188315"/>
           </a:xfrm>
           <a:prstGeom prst="rect">
             <a:avLst/>
           </a:prstGeom>
         </p:spPr>
-        <p:txBody>
-          <a:bodyPr vert="horz" lIns="91440" tIns="45720" rIns="91440" bIns="45720" rtlCol="0" anchor="ctr">
-            <a:normAutofit/>
-          </a:bodyPr>
-          <a:lstStyle/>
-          <a:p>
-            <a:r>
-              <a:rPr lang="hu-HU" smtClean="0"/>
-              <a:t>Mintacím szerkesztése</a:t>
-            </a:r>
-            <a:endParaRPr lang="hu-HU"/>
-          </a:p>
-        </p:txBody>
-      </p:sp>
-      <p:sp>
-        <p:nvSpPr>
-          <p:cNvPr id="3" name="Szöveg helye 2"/>
-          <p:cNvSpPr>
-            <a:spLocks noGrp="1"/>
-          </p:cNvSpPr>
-          <p:nvPr>
-            <p:ph type="body" idx="1"/>
-          </p:nvPr>
-        </p:nvSpPr>
-        <p:spPr>
-          <a:xfrm>
-            <a:off x="838200" y="1825625"/>
-            <a:ext cx="10515600" cy="4351338"/>
+      </p:pic>
+      <p:pic>
+        <p:nvPicPr>
+          <p:cNvPr id="7" name="Picture 6"/>
+          <p:cNvPicPr>
+            <a:picLocks noChangeAspect="1"/>
+          </p:cNvPicPr>
+          <p:nvPr/>
+        </p:nvPicPr>
+        <p:blipFill rotWithShape="1">
+          <a:blip r:embed="rId20">
+            <a:extLst>
+              <a:ext uri="{28A0092B-C50C-407E-A947-70E740481C1C}">
+                <a14:useLocalDpi xmlns:a14="http://schemas.microsoft.com/office/drawing/2010/main" val="0"/>
+              </a:ext>
+            </a:extLst>
+          </a:blip>
+          <a:srcRect l="35640"/>
+          <a:stretch/>
+        </p:blipFill>
+        <p:spPr>
+          <a:xfrm>
+            <a:off x="0" y="2892347"/>
+            <a:ext cx="1522412" cy="2365453"/>
           </a:xfrm>
           <a:prstGeom prst="rect">
             <a:avLst/>
           </a:prstGeom>
         </p:spPr>
+      </p:pic>
+      <p:sp>
+        <p:nvSpPr>
+          <p:cNvPr id="16" name="Oval 15"/>
+          <p:cNvSpPr/>
+          <p:nvPr/>
+        </p:nvSpPr>
+        <p:spPr>
+          <a:xfrm>
+            <a:off x="8609012" y="1676400"/>
+            <a:ext cx="2819400" cy="2819400"/>
+          </a:xfrm>
+          <a:prstGeom prst="ellipse">
+            <a:avLst/>
+          </a:prstGeom>
+          <a:gradFill flip="none" rotWithShape="1">
+            <a:gsLst>
+              <a:gs pos="0">
+                <a:schemeClr val="bg2">
+                  <a:lumMod val="60000"/>
+                  <a:lumOff val="40000"/>
+                  <a:alpha val="7000"/>
+                </a:schemeClr>
+              </a:gs>
+              <a:gs pos="69000">
+                <a:schemeClr val="bg2">
+                  <a:lumMod val="60000"/>
+                  <a:lumOff val="40000"/>
+                  <a:alpha val="0"/>
+                </a:schemeClr>
+              </a:gs>
+              <a:gs pos="36000">
+                <a:schemeClr val="bg2">
+                  <a:lumMod val="60000"/>
+                  <a:lumOff val="40000"/>
+                  <a:alpha val="6000"/>
+                </a:schemeClr>
+              </a:gs>
+            </a:gsLst>
+            <a:path path="circle">
+              <a:fillToRect l="50000" t="50000" r="50000" b="50000"/>
+            </a:path>
+            <a:tileRect/>
+          </a:gradFill>
+          <a:ln>
+            <a:noFill/>
+          </a:ln>
+          <a:effectLst/>
+        </p:spPr>
+        <p:style>
+          <a:lnRef idx="1">
+            <a:schemeClr val="accent1"/>
+          </a:lnRef>
+          <a:fillRef idx="3">
+            <a:schemeClr val="accent1"/>
+          </a:fillRef>
+          <a:effectRef idx="2">
+            <a:schemeClr val="accent1"/>
+          </a:effectRef>
+          <a:fontRef idx="minor">
+            <a:schemeClr val="lt1"/>
+          </a:fontRef>
+        </p:style>
+      </p:sp>
+      <p:pic>
+        <p:nvPicPr>
+          <p:cNvPr id="9" name="Picture 8"/>
+          <p:cNvPicPr>
+            <a:picLocks noChangeAspect="1"/>
+          </p:cNvPicPr>
+          <p:nvPr/>
+        </p:nvPicPr>
+        <p:blipFill rotWithShape="1">
+          <a:blip r:embed="rId21">
+            <a:extLst>
+              <a:ext uri="{28A0092B-C50C-407E-A947-70E740481C1C}">
+                <a14:useLocalDpi xmlns:a14="http://schemas.microsoft.com/office/drawing/2010/main" val="0"/>
+              </a:ext>
+            </a:extLst>
+          </a:blip>
+          <a:srcRect t="28813"/>
+          <a:stretch/>
+        </p:blipFill>
+        <p:spPr>
+          <a:xfrm>
+            <a:off x="7999412" y="0"/>
+            <a:ext cx="1603387" cy="1141407"/>
+          </a:xfrm>
+          <a:prstGeom prst="rect">
+            <a:avLst/>
+          </a:prstGeom>
+        </p:spPr>
+      </p:pic>
+      <p:pic>
+        <p:nvPicPr>
+          <p:cNvPr id="10" name="Picture 9"/>
+          <p:cNvPicPr>
+            <a:picLocks noChangeAspect="1"/>
+          </p:cNvPicPr>
+          <p:nvPr/>
+        </p:nvPicPr>
+        <p:blipFill rotWithShape="1">
+          <a:blip r:embed="rId22">
+            <a:extLst>
+              <a:ext uri="{28A0092B-C50C-407E-A947-70E740481C1C}">
+                <a14:useLocalDpi xmlns:a14="http://schemas.microsoft.com/office/drawing/2010/main" val="0"/>
+              </a:ext>
+            </a:extLst>
+          </a:blip>
+          <a:srcRect b="23320"/>
+          <a:stretch/>
+        </p:blipFill>
+        <p:spPr>
+          <a:xfrm>
+            <a:off x="8605878" y="6096000"/>
+            <a:ext cx="993734" cy="762000"/>
+          </a:xfrm>
+          <a:prstGeom prst="rect">
+            <a:avLst/>
+          </a:prstGeom>
+        </p:spPr>
+      </p:pic>
+      <p:sp>
+        <p:nvSpPr>
+          <p:cNvPr id="14" name="Rectangle 13"/>
+          <p:cNvSpPr/>
+          <p:nvPr/>
+        </p:nvSpPr>
+        <p:spPr>
+          <a:xfrm>
+            <a:off x="10437812" y="0"/>
+            <a:ext cx="685800" cy="1143000"/>
+          </a:xfrm>
+          <a:prstGeom prst="rect">
+            <a:avLst/>
+          </a:prstGeom>
+          <a:solidFill>
+            <a:schemeClr val="accent1"/>
+          </a:solidFill>
+          <a:ln>
+            <a:noFill/>
+          </a:ln>
+        </p:spPr>
+        <p:style>
+          <a:lnRef idx="1">
+            <a:schemeClr val="accent1"/>
+          </a:lnRef>
+          <a:fillRef idx="3">
+            <a:schemeClr val="accent1"/>
+          </a:fillRef>
+          <a:effectRef idx="2">
+            <a:schemeClr val="accent1"/>
+          </a:effectRef>
+          <a:fontRef idx="minor">
+            <a:schemeClr val="lt1"/>
+          </a:fontRef>
+        </p:style>
+      </p:sp>
+      <p:sp>
+        <p:nvSpPr>
+          <p:cNvPr id="2" name="Title Placeholder 1"/>
+          <p:cNvSpPr>
+            <a:spLocks noGrp="1"/>
+          </p:cNvSpPr>
+          <p:nvPr>
+            <p:ph type="title"/>
+          </p:nvPr>
+        </p:nvSpPr>
+        <p:spPr>
+          <a:xfrm>
+            <a:off x="646111" y="452718"/>
+            <a:ext cx="9404723" cy="1400530"/>
+          </a:xfrm>
+          <a:prstGeom prst="rect">
+            <a:avLst/>
+          </a:prstGeom>
+        </p:spPr>
+        <p:txBody>
+          <a:bodyPr vert="horz" lIns="91440" tIns="45720" rIns="91440" bIns="45720" rtlCol="0" anchor="t">
+            <a:noAutofit/>
+          </a:bodyPr>
+          <a:lstStyle/>
+          <a:p>
+            <a:r>
+              <a:rPr lang="hu-HU" smtClean="0"/>
+              <a:t>Mintacím szerkesztése</a:t>
+            </a:r>
+            <a:endParaRPr lang="en-US" dirty="0"/>
+          </a:p>
+        </p:txBody>
+      </p:sp>
+      <p:sp>
+        <p:nvSpPr>
+          <p:cNvPr id="3" name="Text Placeholder 2"/>
+          <p:cNvSpPr>
+            <a:spLocks noGrp="1"/>
+          </p:cNvSpPr>
+          <p:nvPr>
+            <p:ph type="body" idx="1"/>
+          </p:nvPr>
+        </p:nvSpPr>
+        <p:spPr>
+          <a:xfrm>
+            <a:off x="1103312" y="2052918"/>
+            <a:ext cx="8946541" cy="4195481"/>
+          </a:xfrm>
+          <a:prstGeom prst="rect">
+            <a:avLst/>
+          </a:prstGeom>
+        </p:spPr>
         <p:txBody>
           <a:bodyPr vert="horz" lIns="91440" tIns="45720" rIns="91440" bIns="45720" rtlCol="0">
             <a:normAutofit/>
@@ -2534,13 +5532,13 @@
               <a:rPr lang="hu-HU" smtClean="0"/>
               <a:t>Ötödik szint</a:t>
             </a:r>
-            <a:endParaRPr lang="hu-HU"/>
-          </a:p>
-        </p:txBody>
-      </p:sp>
-      <p:sp>
-        <p:nvSpPr>
-          <p:cNvPr id="4" name="Dátum helye 3"/>
+            <a:endParaRPr lang="en-US" dirty="0"/>
+          </a:p>
+        </p:txBody>
+      </p:sp>
+      <p:sp>
+        <p:nvSpPr>
+          <p:cNvPr id="4" name="Date Placeholder 3"/>
           <p:cNvSpPr>
             <a:spLocks noGrp="1"/>
           </p:cNvSpPr>
@@ -2549,19 +5547,99 @@
           </p:nvPr>
         </p:nvSpPr>
         <p:spPr>
-          <a:xfrm>
-            <a:off x="838200" y="6356350"/>
-            <a:ext cx="2743200" cy="365125"/>
+          <a:xfrm rot="5400000">
+            <a:off x="10155639" y="1790701"/>
+            <a:ext cx="990599" cy="304799"/>
           </a:xfrm>
           <a:prstGeom prst="rect">
             <a:avLst/>
           </a:prstGeom>
         </p:spPr>
         <p:txBody>
-          <a:bodyPr vert="horz" lIns="91440" tIns="45720" rIns="91440" bIns="45720" rtlCol="0" anchor="ctr"/>
+          <a:bodyPr vert="horz" lIns="91440" tIns="45720" rIns="91440" bIns="45720" rtlCol="0" anchor="t"/>
           <a:lstStyle>
             <a:lvl1pPr algn="l">
-              <a:defRPr sz="1200">
+              <a:defRPr sz="1100" b="0" i="0">
+                <a:solidFill>
+                  <a:schemeClr val="tx1">
+                    <a:tint val="75000"/>
+                    <a:alpha val="60000"/>
+                  </a:schemeClr>
+                </a:solidFill>
+              </a:defRPr>
+            </a:lvl1pPr>
+          </a:lstStyle>
+          <a:p>
+            <a:fld id="{BD5193CC-C62B-423D-A098-867CDE0A1E84}" type="datetimeFigureOut">
+              <a:rPr lang="hu-HU" smtClean="0"/>
+              <a:t>2022.09.15.</a:t>
+            </a:fld>
+            <a:endParaRPr lang="hu-HU"/>
+          </a:p>
+        </p:txBody>
+      </p:sp>
+      <p:sp>
+        <p:nvSpPr>
+          <p:cNvPr id="5" name="Footer Placeholder 4"/>
+          <p:cNvSpPr>
+            <a:spLocks noGrp="1"/>
+          </p:cNvSpPr>
+          <p:nvPr>
+            <p:ph type="ftr" sz="quarter" idx="3"/>
+          </p:nvPr>
+        </p:nvSpPr>
+        <p:spPr>
+          <a:xfrm rot="5400000">
+            <a:off x="8951573" y="3225297"/>
+            <a:ext cx="3859795" cy="304801"/>
+          </a:xfrm>
+          <a:prstGeom prst="rect">
+            <a:avLst/>
+          </a:prstGeom>
+        </p:spPr>
+        <p:txBody>
+          <a:bodyPr vert="horz" lIns="91440" tIns="45720" rIns="91440" bIns="45720" rtlCol="0" anchor="b"/>
+          <a:lstStyle>
+            <a:lvl1pPr algn="l">
+              <a:defRPr sz="1100" b="0" i="0">
+                <a:solidFill>
+                  <a:schemeClr val="tx1">
+                    <a:tint val="75000"/>
+                    <a:alpha val="60000"/>
+                  </a:schemeClr>
+                </a:solidFill>
+              </a:defRPr>
+            </a:lvl1pPr>
+          </a:lstStyle>
+          <a:p>
+            <a:endParaRPr lang="hu-HU"/>
+          </a:p>
+        </p:txBody>
+      </p:sp>
+      <p:sp>
+        <p:nvSpPr>
+          <p:cNvPr id="6" name="Slide Number Placeholder 5"/>
+          <p:cNvSpPr>
+            <a:spLocks noGrp="1"/>
+          </p:cNvSpPr>
+          <p:nvPr>
+            <p:ph type="sldNum" sz="quarter" idx="4"/>
+          </p:nvPr>
+        </p:nvSpPr>
+        <p:spPr bwMode="gray">
+          <a:xfrm>
+            <a:off x="10352540" y="295729"/>
+            <a:ext cx="838199" cy="767687"/>
+          </a:xfrm>
+          <a:prstGeom prst="rect">
+            <a:avLst/>
+          </a:prstGeom>
+        </p:spPr>
+        <p:txBody>
+          <a:bodyPr vert="horz" lIns="91440" tIns="45720" rIns="91440" bIns="45720" rtlCol="0" anchor="b"/>
+          <a:lstStyle>
+            <a:lvl1pPr algn="ctr">
+              <a:defRPr sz="2800" b="0" i="0">
                 <a:solidFill>
                   <a:schemeClr val="tx1">
                     <a:tint val="75000"/>
@@ -2571,84 +5649,6 @@
             </a:lvl1pPr>
           </a:lstStyle>
           <a:p>
-            <a:fld id="{BD5193CC-C62B-423D-A098-867CDE0A1E84}" type="datetimeFigureOut">
-              <a:rPr lang="hu-HU" smtClean="0"/>
-              <a:t>2022.09.13.</a:t>
-            </a:fld>
-            <a:endParaRPr lang="hu-HU"/>
-          </a:p>
-        </p:txBody>
-      </p:sp>
-      <p:sp>
-        <p:nvSpPr>
-          <p:cNvPr id="5" name="Élőláb helye 4"/>
-          <p:cNvSpPr>
-            <a:spLocks noGrp="1"/>
-          </p:cNvSpPr>
-          <p:nvPr>
-            <p:ph type="ftr" sz="quarter" idx="3"/>
-          </p:nvPr>
-        </p:nvSpPr>
-        <p:spPr>
-          <a:xfrm>
-            <a:off x="4038600" y="6356350"/>
-            <a:ext cx="4114800" cy="365125"/>
-          </a:xfrm>
-          <a:prstGeom prst="rect">
-            <a:avLst/>
-          </a:prstGeom>
-        </p:spPr>
-        <p:txBody>
-          <a:bodyPr vert="horz" lIns="91440" tIns="45720" rIns="91440" bIns="45720" rtlCol="0" anchor="ctr"/>
-          <a:lstStyle>
-            <a:lvl1pPr algn="ctr">
-              <a:defRPr sz="1200">
-                <a:solidFill>
-                  <a:schemeClr val="tx1">
-                    <a:tint val="75000"/>
-                  </a:schemeClr>
-                </a:solidFill>
-              </a:defRPr>
-            </a:lvl1pPr>
-          </a:lstStyle>
-          <a:p>
-            <a:endParaRPr lang="hu-HU"/>
-          </a:p>
-        </p:txBody>
-      </p:sp>
-      <p:sp>
-        <p:nvSpPr>
-          <p:cNvPr id="6" name="Dia számának helye 5"/>
-          <p:cNvSpPr>
-            <a:spLocks noGrp="1"/>
-          </p:cNvSpPr>
-          <p:nvPr>
-            <p:ph type="sldNum" sz="quarter" idx="4"/>
-          </p:nvPr>
-        </p:nvSpPr>
-        <p:spPr>
-          <a:xfrm>
-            <a:off x="8610600" y="6356350"/>
-            <a:ext cx="2743200" cy="365125"/>
-          </a:xfrm>
-          <a:prstGeom prst="rect">
-            <a:avLst/>
-          </a:prstGeom>
-        </p:spPr>
-        <p:txBody>
-          <a:bodyPr vert="horz" lIns="91440" tIns="45720" rIns="91440" bIns="45720" rtlCol="0" anchor="ctr"/>
-          <a:lstStyle>
-            <a:lvl1pPr algn="r">
-              <a:defRPr sz="1200">
-                <a:solidFill>
-                  <a:schemeClr val="tx1">
-                    <a:tint val="75000"/>
-                  </a:schemeClr>
-                </a:solidFill>
-              </a:defRPr>
-            </a:lvl1pPr>
-          </a:lstStyle>
-          <a:p>
             <a:fld id="{B1D5A0BF-B207-483D-85F5-529B216DADAF}" type="slidenum">
               <a:rPr lang="hu-HU" smtClean="0"/>
               <a:t>‹#›</a:t>
@@ -2660,35 +5660,121 @@
     </p:spTree>
     <p:extLst>
       <p:ext uri="{BB962C8B-B14F-4D97-AF65-F5344CB8AC3E}">
-        <p14:creationId xmlns:p14="http://schemas.microsoft.com/office/powerpoint/2010/main" val="1852400303"/>
+        <p14:creationId xmlns:p14="http://schemas.microsoft.com/office/powerpoint/2010/main" val="651838730"/>
       </p:ext>
     </p:extLst>
   </p:cSld>
-  <p:clrMap bg1="lt1" tx1="dk1" bg2="lt2" tx2="dk2" accent1="accent1" accent2="accent2" accent3="accent3" accent4="accent4" accent5="accent5" accent6="accent6" hlink="hlink" folHlink="folHlink"/>
+  <p:clrMap bg1="dk1" tx1="lt1" bg2="dk2" tx2="lt2" accent1="accent1" accent2="accent2" accent3="accent3" accent4="accent4" accent5="accent5" accent6="accent6" hlink="hlink" folHlink="folHlink"/>
   <p:sldLayoutIdLst>
-    <p:sldLayoutId id="2147483649" r:id="rId1"/>
-    <p:sldLayoutId id="2147483650" r:id="rId2"/>
-    <p:sldLayoutId id="2147483651" r:id="rId3"/>
-    <p:sldLayoutId id="2147483652" r:id="rId4"/>
-    <p:sldLayoutId id="2147483653" r:id="rId5"/>
-    <p:sldLayoutId id="2147483654" r:id="rId6"/>
-    <p:sldLayoutId id="2147483655" r:id="rId7"/>
-    <p:sldLayoutId id="2147483656" r:id="rId8"/>
-    <p:sldLayoutId id="2147483657" r:id="rId9"/>
-    <p:sldLayoutId id="2147483658" r:id="rId10"/>
-    <p:sldLayoutId id="2147483659" r:id="rId11"/>
+    <p:sldLayoutId id="2147483661" r:id="rId1"/>
+    <p:sldLayoutId id="2147483662" r:id="rId2"/>
+    <p:sldLayoutId id="2147483663" r:id="rId3"/>
+    <p:sldLayoutId id="2147483664" r:id="rId4"/>
+    <p:sldLayoutId id="2147483665" r:id="rId5"/>
+    <p:sldLayoutId id="2147483666" r:id="rId6"/>
+    <p:sldLayoutId id="2147483667" r:id="rId7"/>
+    <p:sldLayoutId id="2147483668" r:id="rId8"/>
+    <p:sldLayoutId id="2147483669" r:id="rId9"/>
+    <p:sldLayoutId id="2147483670" r:id="rId10"/>
+    <p:sldLayoutId id="2147483671" r:id="rId11"/>
+    <p:sldLayoutId id="2147483672" r:id="rId12"/>
+    <p:sldLayoutId id="2147483673" r:id="rId13"/>
+    <p:sldLayoutId id="2147483674" r:id="rId14"/>
+    <p:sldLayoutId id="2147483675" r:id="rId15"/>
+    <p:sldLayoutId id="2147483676" r:id="rId16"/>
+    <p:sldLayoutId id="2147483677" r:id="rId17"/>
   </p:sldLayoutIdLst>
   <p:txStyles>
     <p:titleStyle>
-      <a:lvl1pPr algn="l" defTabSz="914400" rtl="0" eaLnBrk="1" latinLnBrk="0" hangingPunct="1">
-        <a:lnSpc>
-          <a:spcPct val="90000"/>
-        </a:lnSpc>
+      <a:lvl1pPr algn="l" defTabSz="457200" rtl="0" eaLnBrk="1" latinLnBrk="0" hangingPunct="1">
         <a:spcBef>
           <a:spcPct val="0"/>
         </a:spcBef>
         <a:buNone/>
-        <a:defRPr sz="4400" kern="1200">
+        <a:defRPr sz="4200" b="0" i="0" kern="1200">
+          <a:solidFill>
+            <a:schemeClr val="tx2"/>
+          </a:solidFill>
+          <a:latin typeface="+mj-lt"/>
+          <a:ea typeface="+mj-ea"/>
+          <a:cs typeface="+mj-cs"/>
+        </a:defRPr>
+      </a:lvl1pPr>
+      <a:lvl2pPr eaLnBrk="1" hangingPunct="1">
+        <a:defRPr>
+          <a:solidFill>
+            <a:schemeClr val="tx2"/>
+          </a:solidFill>
+        </a:defRPr>
+      </a:lvl2pPr>
+      <a:lvl3pPr eaLnBrk="1" hangingPunct="1">
+        <a:defRPr>
+          <a:solidFill>
+            <a:schemeClr val="tx2"/>
+          </a:solidFill>
+        </a:defRPr>
+      </a:lvl3pPr>
+      <a:lvl4pPr eaLnBrk="1" hangingPunct="1">
+        <a:defRPr>
+          <a:solidFill>
+            <a:schemeClr val="tx2"/>
+          </a:solidFill>
+        </a:defRPr>
+      </a:lvl4pPr>
+      <a:lvl5pPr eaLnBrk="1" hangingPunct="1">
+        <a:defRPr>
+          <a:solidFill>
+            <a:schemeClr val="tx2"/>
+          </a:solidFill>
+        </a:defRPr>
+      </a:lvl5pPr>
+      <a:lvl6pPr eaLnBrk="1" hangingPunct="1">
+        <a:defRPr>
+          <a:solidFill>
+            <a:schemeClr val="tx2"/>
+          </a:solidFill>
+        </a:defRPr>
+      </a:lvl6pPr>
+      <a:lvl7pPr eaLnBrk="1" hangingPunct="1">
+        <a:defRPr>
+          <a:solidFill>
+            <a:schemeClr val="tx2"/>
+          </a:solidFill>
+        </a:defRPr>
+      </a:lvl7pPr>
+      <a:lvl8pPr eaLnBrk="1" hangingPunct="1">
+        <a:defRPr>
+          <a:solidFill>
+            <a:schemeClr val="tx2"/>
+          </a:solidFill>
+        </a:defRPr>
+      </a:lvl8pPr>
+      <a:lvl9pPr eaLnBrk="1" hangingPunct="1">
+        <a:defRPr>
+          <a:solidFill>
+            <a:schemeClr val="tx2"/>
+          </a:solidFill>
+        </a:defRPr>
+      </a:lvl9pPr>
+    </p:titleStyle>
+    <p:bodyStyle>
+      <a:lvl1pPr marL="342900" indent="-342900" algn="l" defTabSz="457200" rtl="0" eaLnBrk="1" latinLnBrk="0" hangingPunct="1">
+        <a:spcBef>
+          <a:spcPts val="1000"/>
+        </a:spcBef>
+        <a:spcAft>
+          <a:spcPts val="0"/>
+        </a:spcAft>
+        <a:buClr>
+          <a:schemeClr val="bg2">
+            <a:lumMod val="40000"/>
+            <a:lumOff val="60000"/>
+          </a:schemeClr>
+        </a:buClr>
+        <a:buSzPct val="80000"/>
+        <a:buFont typeface="Wingdings 3" charset="2"/>
+        <a:buChar char=""/>
+        <a:defRPr sz="2000" b="0" i="0" kern="1200">
           <a:solidFill>
             <a:schemeClr val="tx1"/>
           </a:solidFill>
@@ -2697,18 +5783,213 @@
           <a:cs typeface="+mj-cs"/>
         </a:defRPr>
       </a:lvl1pPr>
-    </p:titleStyle>
-    <p:bodyStyle>
-      <a:lvl1pPr marL="228600" indent="-228600" algn="l" defTabSz="914400" rtl="0" eaLnBrk="1" latinLnBrk="0" hangingPunct="1">
-        <a:lnSpc>
-          <a:spcPct val="90000"/>
-        </a:lnSpc>
+      <a:lvl2pPr marL="742950" indent="-285750" algn="l" defTabSz="457200" rtl="0" eaLnBrk="1" latinLnBrk="0" hangingPunct="1">
         <a:spcBef>
           <a:spcPts val="1000"/>
         </a:spcBef>
-        <a:buFont typeface="Arial" panose="020B0604020202020204" pitchFamily="34" charset="0"/>
-        <a:buChar char="•"/>
-        <a:defRPr sz="2800" kern="1200">
+        <a:spcAft>
+          <a:spcPts val="0"/>
+        </a:spcAft>
+        <a:buClr>
+          <a:schemeClr val="bg2">
+            <a:lumMod val="40000"/>
+            <a:lumOff val="60000"/>
+          </a:schemeClr>
+        </a:buClr>
+        <a:buSzPct val="80000"/>
+        <a:buFont typeface="Wingdings 3" charset="2"/>
+        <a:buChar char=""/>
+        <a:defRPr sz="1800" b="0" i="0" kern="1200">
+          <a:solidFill>
+            <a:schemeClr val="tx1"/>
+          </a:solidFill>
+          <a:latin typeface="+mj-lt"/>
+          <a:ea typeface="+mj-ea"/>
+          <a:cs typeface="+mj-cs"/>
+        </a:defRPr>
+      </a:lvl2pPr>
+      <a:lvl3pPr marL="1143000" indent="-228600" algn="l" defTabSz="457200" rtl="0" eaLnBrk="1" latinLnBrk="0" hangingPunct="1">
+        <a:spcBef>
+          <a:spcPts val="1000"/>
+        </a:spcBef>
+        <a:spcAft>
+          <a:spcPts val="0"/>
+        </a:spcAft>
+        <a:buClr>
+          <a:schemeClr val="bg2">
+            <a:lumMod val="40000"/>
+            <a:lumOff val="60000"/>
+          </a:schemeClr>
+        </a:buClr>
+        <a:buSzPct val="80000"/>
+        <a:buFont typeface="Wingdings 3" charset="2"/>
+        <a:buChar char=""/>
+        <a:defRPr sz="1600" b="0" i="0" kern="1200">
+          <a:solidFill>
+            <a:schemeClr val="tx1"/>
+          </a:solidFill>
+          <a:latin typeface="+mj-lt"/>
+          <a:ea typeface="+mj-ea"/>
+          <a:cs typeface="+mj-cs"/>
+        </a:defRPr>
+      </a:lvl3pPr>
+      <a:lvl4pPr marL="1600200" indent="-228600" algn="l" defTabSz="457200" rtl="0" eaLnBrk="1" latinLnBrk="0" hangingPunct="1">
+        <a:spcBef>
+          <a:spcPts val="1000"/>
+        </a:spcBef>
+        <a:spcAft>
+          <a:spcPts val="0"/>
+        </a:spcAft>
+        <a:buClr>
+          <a:schemeClr val="bg2">
+            <a:lumMod val="40000"/>
+            <a:lumOff val="60000"/>
+          </a:schemeClr>
+        </a:buClr>
+        <a:buSzPct val="80000"/>
+        <a:buFont typeface="Wingdings 3" charset="2"/>
+        <a:buChar char=""/>
+        <a:defRPr sz="1400" b="0" i="0" kern="1200">
+          <a:solidFill>
+            <a:schemeClr val="tx1"/>
+          </a:solidFill>
+          <a:latin typeface="+mj-lt"/>
+          <a:ea typeface="+mj-ea"/>
+          <a:cs typeface="+mj-cs"/>
+        </a:defRPr>
+      </a:lvl4pPr>
+      <a:lvl5pPr marL="2057400" indent="-228600" algn="l" defTabSz="457200" rtl="0" eaLnBrk="1" latinLnBrk="0" hangingPunct="1">
+        <a:spcBef>
+          <a:spcPts val="1000"/>
+        </a:spcBef>
+        <a:spcAft>
+          <a:spcPts val="0"/>
+        </a:spcAft>
+        <a:buClr>
+          <a:schemeClr val="bg2">
+            <a:lumMod val="40000"/>
+            <a:lumOff val="60000"/>
+          </a:schemeClr>
+        </a:buClr>
+        <a:buSzPct val="80000"/>
+        <a:buFont typeface="Wingdings 3" charset="2"/>
+        <a:buChar char=""/>
+        <a:defRPr sz="1400" b="0" i="0" kern="1200">
+          <a:solidFill>
+            <a:schemeClr val="tx1"/>
+          </a:solidFill>
+          <a:latin typeface="+mj-lt"/>
+          <a:ea typeface="+mj-ea"/>
+          <a:cs typeface="+mj-cs"/>
+        </a:defRPr>
+      </a:lvl5pPr>
+      <a:lvl6pPr marL="2506000" indent="-228600" algn="l" defTabSz="457200" rtl="0" eaLnBrk="1" latinLnBrk="0" hangingPunct="1">
+        <a:spcBef>
+          <a:spcPts val="1000"/>
+        </a:spcBef>
+        <a:spcAft>
+          <a:spcPts val="0"/>
+        </a:spcAft>
+        <a:buClr>
+          <a:schemeClr val="bg2">
+            <a:lumMod val="40000"/>
+            <a:lumOff val="60000"/>
+          </a:schemeClr>
+        </a:buClr>
+        <a:buSzPct val="80000"/>
+        <a:buFont typeface="Wingdings 3" charset="2"/>
+        <a:buChar char=""/>
+        <a:defRPr sz="1400" b="0" i="0" kern="1200">
+          <a:solidFill>
+            <a:schemeClr val="tx1"/>
+          </a:solidFill>
+          <a:latin typeface="+mj-lt"/>
+          <a:ea typeface="+mj-ea"/>
+          <a:cs typeface="+mj-cs"/>
+        </a:defRPr>
+      </a:lvl6pPr>
+      <a:lvl7pPr marL="2971800" indent="-228600" algn="l" defTabSz="457200" rtl="0" eaLnBrk="1" latinLnBrk="0" hangingPunct="1">
+        <a:spcBef>
+          <a:spcPts val="1000"/>
+        </a:spcBef>
+        <a:spcAft>
+          <a:spcPts val="0"/>
+        </a:spcAft>
+        <a:buClr>
+          <a:schemeClr val="bg2">
+            <a:lumMod val="40000"/>
+            <a:lumOff val="60000"/>
+          </a:schemeClr>
+        </a:buClr>
+        <a:buSzPct val="80000"/>
+        <a:buFont typeface="Wingdings 3" charset="2"/>
+        <a:buChar char=""/>
+        <a:defRPr sz="1400" b="0" i="0" kern="1200">
+          <a:solidFill>
+            <a:schemeClr val="tx1"/>
+          </a:solidFill>
+          <a:latin typeface="+mj-lt"/>
+          <a:ea typeface="+mj-ea"/>
+          <a:cs typeface="+mj-cs"/>
+        </a:defRPr>
+      </a:lvl7pPr>
+      <a:lvl8pPr marL="3429000" indent="-228600" algn="l" defTabSz="457200" rtl="0" eaLnBrk="1" latinLnBrk="0" hangingPunct="1">
+        <a:spcBef>
+          <a:spcPts val="1000"/>
+        </a:spcBef>
+        <a:spcAft>
+          <a:spcPts val="0"/>
+        </a:spcAft>
+        <a:buClr>
+          <a:schemeClr val="bg2">
+            <a:lumMod val="40000"/>
+            <a:lumOff val="60000"/>
+          </a:schemeClr>
+        </a:buClr>
+        <a:buSzPct val="80000"/>
+        <a:buFont typeface="Wingdings 3" charset="2"/>
+        <a:buChar char=""/>
+        <a:defRPr sz="1400" b="0" i="0" kern="1200">
+          <a:solidFill>
+            <a:schemeClr val="tx1"/>
+          </a:solidFill>
+          <a:latin typeface="+mj-lt"/>
+          <a:ea typeface="+mj-ea"/>
+          <a:cs typeface="+mj-cs"/>
+        </a:defRPr>
+      </a:lvl8pPr>
+      <a:lvl9pPr marL="3886200" indent="-228600" algn="l" defTabSz="457200" rtl="0" eaLnBrk="1" latinLnBrk="0" hangingPunct="1">
+        <a:spcBef>
+          <a:spcPts val="1000"/>
+        </a:spcBef>
+        <a:spcAft>
+          <a:spcPts val="0"/>
+        </a:spcAft>
+        <a:buClr>
+          <a:schemeClr val="bg2">
+            <a:lumMod val="40000"/>
+            <a:lumOff val="60000"/>
+          </a:schemeClr>
+        </a:buClr>
+        <a:buSzPct val="80000"/>
+        <a:buFont typeface="Wingdings 3" charset="2"/>
+        <a:buChar char=""/>
+        <a:defRPr sz="1400" b="0" i="0" kern="1200">
+          <a:solidFill>
+            <a:schemeClr val="tx1"/>
+          </a:solidFill>
+          <a:latin typeface="+mj-lt"/>
+          <a:ea typeface="+mj-ea"/>
+          <a:cs typeface="+mj-cs"/>
+        </a:defRPr>
+      </a:lvl9pPr>
+    </p:bodyStyle>
+    <p:otherStyle>
+      <a:defPPr>
+        <a:defRPr lang="en-US"/>
+      </a:defPPr>
+      <a:lvl1pPr marL="0" algn="l" defTabSz="457200" rtl="0" eaLnBrk="1" latinLnBrk="0" hangingPunct="1">
+        <a:defRPr sz="1800" kern="1200">
           <a:solidFill>
             <a:schemeClr val="tx1"/>
           </a:solidFill>
@@ -2717,16 +5998,8 @@
           <a:cs typeface="+mn-cs"/>
         </a:defRPr>
       </a:lvl1pPr>
-      <a:lvl2pPr marL="685800" indent="-228600" algn="l" defTabSz="914400" rtl="0" eaLnBrk="1" latinLnBrk="0" hangingPunct="1">
-        <a:lnSpc>
-          <a:spcPct val="90000"/>
-        </a:lnSpc>
-        <a:spcBef>
-          <a:spcPts val="500"/>
-        </a:spcBef>
-        <a:buFont typeface="Arial" panose="020B0604020202020204" pitchFamily="34" charset="0"/>
-        <a:buChar char="•"/>
-        <a:defRPr sz="2400" kern="1200">
+      <a:lvl2pPr marL="457200" algn="l" defTabSz="457200" rtl="0" eaLnBrk="1" latinLnBrk="0" hangingPunct="1">
+        <a:defRPr sz="1800" kern="1200">
           <a:solidFill>
             <a:schemeClr val="tx1"/>
           </a:solidFill>
@@ -2735,16 +6008,8 @@
           <a:cs typeface="+mn-cs"/>
         </a:defRPr>
       </a:lvl2pPr>
-      <a:lvl3pPr marL="1143000" indent="-228600" algn="l" defTabSz="914400" rtl="0" eaLnBrk="1" latinLnBrk="0" hangingPunct="1">
-        <a:lnSpc>
-          <a:spcPct val="90000"/>
-        </a:lnSpc>
-        <a:spcBef>
-          <a:spcPts val="500"/>
-        </a:spcBef>
-        <a:buFont typeface="Arial" panose="020B0604020202020204" pitchFamily="34" charset="0"/>
-        <a:buChar char="•"/>
-        <a:defRPr sz="2000" kern="1200">
+      <a:lvl3pPr marL="914400" algn="l" defTabSz="457200" rtl="0" eaLnBrk="1" latinLnBrk="0" hangingPunct="1">
+        <a:defRPr sz="1800" kern="1200">
           <a:solidFill>
             <a:schemeClr val="tx1"/>
           </a:solidFill>
@@ -2753,15 +6018,7 @@
           <a:cs typeface="+mn-cs"/>
         </a:defRPr>
       </a:lvl3pPr>
-      <a:lvl4pPr marL="1600200" indent="-228600" algn="l" defTabSz="914400" rtl="0" eaLnBrk="1" latinLnBrk="0" hangingPunct="1">
-        <a:lnSpc>
-          <a:spcPct val="90000"/>
-        </a:lnSpc>
-        <a:spcBef>
-          <a:spcPts val="500"/>
-        </a:spcBef>
-        <a:buFont typeface="Arial" panose="020B0604020202020204" pitchFamily="34" charset="0"/>
-        <a:buChar char="•"/>
+      <a:lvl4pPr marL="1371600" algn="l" defTabSz="457200" rtl="0" eaLnBrk="1" latinLnBrk="0" hangingPunct="1">
         <a:defRPr sz="1800" kern="1200">
           <a:solidFill>
             <a:schemeClr val="tx1"/>
@@ -2771,15 +6028,7 @@
           <a:cs typeface="+mn-cs"/>
         </a:defRPr>
       </a:lvl4pPr>
-      <a:lvl5pPr marL="2057400" indent="-228600" algn="l" defTabSz="914400" rtl="0" eaLnBrk="1" latinLnBrk="0" hangingPunct="1">
-        <a:lnSpc>
-          <a:spcPct val="90000"/>
-        </a:lnSpc>
-        <a:spcBef>
-          <a:spcPts val="500"/>
-        </a:spcBef>
-        <a:buFont typeface="Arial" panose="020B0604020202020204" pitchFamily="34" charset="0"/>
-        <a:buChar char="•"/>
+      <a:lvl5pPr marL="1828800" algn="l" defTabSz="457200" rtl="0" eaLnBrk="1" latinLnBrk="0" hangingPunct="1">
         <a:defRPr sz="1800" kern="1200">
           <a:solidFill>
             <a:schemeClr val="tx1"/>
@@ -2789,15 +6038,7 @@
           <a:cs typeface="+mn-cs"/>
         </a:defRPr>
       </a:lvl5pPr>
-      <a:lvl6pPr marL="2514600" indent="-228600" algn="l" defTabSz="914400" rtl="0" eaLnBrk="1" latinLnBrk="0" hangingPunct="1">
-        <a:lnSpc>
-          <a:spcPct val="90000"/>
-        </a:lnSpc>
-        <a:spcBef>
-          <a:spcPts val="500"/>
-        </a:spcBef>
-        <a:buFont typeface="Arial" panose="020B0604020202020204" pitchFamily="34" charset="0"/>
-        <a:buChar char="•"/>
+      <a:lvl6pPr marL="2286000" algn="l" defTabSz="457200" rtl="0" eaLnBrk="1" latinLnBrk="0" hangingPunct="1">
         <a:defRPr sz="1800" kern="1200">
           <a:solidFill>
             <a:schemeClr val="tx1"/>
@@ -2807,15 +6048,7 @@
           <a:cs typeface="+mn-cs"/>
         </a:defRPr>
       </a:lvl6pPr>
-      <a:lvl7pPr marL="2971800" indent="-228600" algn="l" defTabSz="914400" rtl="0" eaLnBrk="1" latinLnBrk="0" hangingPunct="1">
-        <a:lnSpc>
-          <a:spcPct val="90000"/>
-        </a:lnSpc>
-        <a:spcBef>
-          <a:spcPts val="500"/>
-        </a:spcBef>
-        <a:buFont typeface="Arial" panose="020B0604020202020204" pitchFamily="34" charset="0"/>
-        <a:buChar char="•"/>
+      <a:lvl7pPr marL="2743200" algn="l" defTabSz="457200" rtl="0" eaLnBrk="1" latinLnBrk="0" hangingPunct="1">
         <a:defRPr sz="1800" kern="1200">
           <a:solidFill>
             <a:schemeClr val="tx1"/>
@@ -2825,15 +6058,7 @@
           <a:cs typeface="+mn-cs"/>
         </a:defRPr>
       </a:lvl7pPr>
-      <a:lvl8pPr marL="3429000" indent="-228600" algn="l" defTabSz="914400" rtl="0" eaLnBrk="1" latinLnBrk="0" hangingPunct="1">
-        <a:lnSpc>
-          <a:spcPct val="90000"/>
-        </a:lnSpc>
-        <a:spcBef>
-          <a:spcPts val="500"/>
-        </a:spcBef>
-        <a:buFont typeface="Arial" panose="020B0604020202020204" pitchFamily="34" charset="0"/>
-        <a:buChar char="•"/>
+      <a:lvl8pPr marL="3200400" algn="l" defTabSz="457200" rtl="0" eaLnBrk="1" latinLnBrk="0" hangingPunct="1">
         <a:defRPr sz="1800" kern="1200">
           <a:solidFill>
             <a:schemeClr val="tx1"/>
@@ -2843,110 +6068,7 @@
           <a:cs typeface="+mn-cs"/>
         </a:defRPr>
       </a:lvl8pPr>
-      <a:lvl9pPr marL="3886200" indent="-228600" algn="l" defTabSz="914400" rtl="0" eaLnBrk="1" latinLnBrk="0" hangingPunct="1">
-        <a:lnSpc>
-          <a:spcPct val="90000"/>
-        </a:lnSpc>
-        <a:spcBef>
-          <a:spcPts val="500"/>
-        </a:spcBef>
-        <a:buFont typeface="Arial" panose="020B0604020202020204" pitchFamily="34" charset="0"/>
-        <a:buChar char="•"/>
-        <a:defRPr sz="1800" kern="1200">
-          <a:solidFill>
-            <a:schemeClr val="tx1"/>
-          </a:solidFill>
-          <a:latin typeface="+mn-lt"/>
-          <a:ea typeface="+mn-ea"/>
-          <a:cs typeface="+mn-cs"/>
-        </a:defRPr>
-      </a:lvl9pPr>
-    </p:bodyStyle>
-    <p:otherStyle>
-      <a:defPPr>
-        <a:defRPr lang="hu-HU"/>
-      </a:defPPr>
-      <a:lvl1pPr marL="0" algn="l" defTabSz="914400" rtl="0" eaLnBrk="1" latinLnBrk="0" hangingPunct="1">
-        <a:defRPr sz="1800" kern="1200">
-          <a:solidFill>
-            <a:schemeClr val="tx1"/>
-          </a:solidFill>
-          <a:latin typeface="+mn-lt"/>
-          <a:ea typeface="+mn-ea"/>
-          <a:cs typeface="+mn-cs"/>
-        </a:defRPr>
-      </a:lvl1pPr>
-      <a:lvl2pPr marL="457200" algn="l" defTabSz="914400" rtl="0" eaLnBrk="1" latinLnBrk="0" hangingPunct="1">
-        <a:defRPr sz="1800" kern="1200">
-          <a:solidFill>
-            <a:schemeClr val="tx1"/>
-          </a:solidFill>
-          <a:latin typeface="+mn-lt"/>
-          <a:ea typeface="+mn-ea"/>
-          <a:cs typeface="+mn-cs"/>
-        </a:defRPr>
-      </a:lvl2pPr>
-      <a:lvl3pPr marL="914400" algn="l" defTabSz="914400" rtl="0" eaLnBrk="1" latinLnBrk="0" hangingPunct="1">
-        <a:defRPr sz="1800" kern="1200">
-          <a:solidFill>
-            <a:schemeClr val="tx1"/>
-          </a:solidFill>
-          <a:latin typeface="+mn-lt"/>
-          <a:ea typeface="+mn-ea"/>
-          <a:cs typeface="+mn-cs"/>
-        </a:defRPr>
-      </a:lvl3pPr>
-      <a:lvl4pPr marL="1371600" algn="l" defTabSz="914400" rtl="0" eaLnBrk="1" latinLnBrk="0" hangingPunct="1">
-        <a:defRPr sz="1800" kern="1200">
-          <a:solidFill>
-            <a:schemeClr val="tx1"/>
-          </a:solidFill>
-          <a:latin typeface="+mn-lt"/>
-          <a:ea typeface="+mn-ea"/>
-          <a:cs typeface="+mn-cs"/>
-        </a:defRPr>
-      </a:lvl4pPr>
-      <a:lvl5pPr marL="1828800" algn="l" defTabSz="914400" rtl="0" eaLnBrk="1" latinLnBrk="0" hangingPunct="1">
-        <a:defRPr sz="1800" kern="1200">
-          <a:solidFill>
-            <a:schemeClr val="tx1"/>
-          </a:solidFill>
-          <a:latin typeface="+mn-lt"/>
-          <a:ea typeface="+mn-ea"/>
-          <a:cs typeface="+mn-cs"/>
-        </a:defRPr>
-      </a:lvl5pPr>
-      <a:lvl6pPr marL="2286000" algn="l" defTabSz="914400" rtl="0" eaLnBrk="1" latinLnBrk="0" hangingPunct="1">
-        <a:defRPr sz="1800" kern="1200">
-          <a:solidFill>
-            <a:schemeClr val="tx1"/>
-          </a:solidFill>
-          <a:latin typeface="+mn-lt"/>
-          <a:ea typeface="+mn-ea"/>
-          <a:cs typeface="+mn-cs"/>
-        </a:defRPr>
-      </a:lvl6pPr>
-      <a:lvl7pPr marL="2743200" algn="l" defTabSz="914400" rtl="0" eaLnBrk="1" latinLnBrk="0" hangingPunct="1">
-        <a:defRPr sz="1800" kern="1200">
-          <a:solidFill>
-            <a:schemeClr val="tx1"/>
-          </a:solidFill>
-          <a:latin typeface="+mn-lt"/>
-          <a:ea typeface="+mn-ea"/>
-          <a:cs typeface="+mn-cs"/>
-        </a:defRPr>
-      </a:lvl7pPr>
-      <a:lvl8pPr marL="3200400" algn="l" defTabSz="914400" rtl="0" eaLnBrk="1" latinLnBrk="0" hangingPunct="1">
-        <a:defRPr sz="1800" kern="1200">
-          <a:solidFill>
-            <a:schemeClr val="tx1"/>
-          </a:solidFill>
-          <a:latin typeface="+mn-lt"/>
-          <a:ea typeface="+mn-ea"/>
-          <a:cs typeface="+mn-cs"/>
-        </a:defRPr>
-      </a:lvl8pPr>
-      <a:lvl9pPr marL="3657600" algn="l" defTabSz="914400" rtl="0" eaLnBrk="1" latinLnBrk="0" hangingPunct="1">
+      <a:lvl9pPr marL="3657600" algn="l" defTabSz="457200" rtl="0" eaLnBrk="1" latinLnBrk="0" hangingPunct="1">
         <a:defRPr sz="1800" kern="1200">
           <a:solidFill>
             <a:schemeClr val="tx1"/>
@@ -2990,8 +6112,8 @@
         </p:nvSpPr>
         <p:spPr>
           <a:xfrm>
-            <a:off x="2362200" y="2451101"/>
-            <a:ext cx="7277100" cy="711199"/>
+            <a:off x="1707807" y="2137719"/>
+            <a:ext cx="8585886" cy="1024582"/>
           </a:xfrm>
         </p:spPr>
         <p:txBody>
@@ -3028,25 +6150,25 @@
         </p:nvSpPr>
         <p:spPr>
           <a:xfrm>
-            <a:off x="3613150" y="3517900"/>
-            <a:ext cx="4775200" cy="559830"/>
+            <a:off x="1707807" y="3274541"/>
+            <a:ext cx="4507642" cy="469557"/>
           </a:xfrm>
         </p:spPr>
         <p:txBody>
           <a:bodyPr>
-            <a:normAutofit/>
+            <a:normAutofit fontScale="92500" lnSpcReduction="10000"/>
           </a:bodyPr>
           <a:lstStyle/>
           <a:p>
             <a:r>
-              <a:rPr lang="hu-HU" sz="2800" dirty="0" smtClean="0">
+              <a:rPr lang="hu-HU" sz="2800" cap="none" dirty="0" smtClean="0">
                 <a:latin typeface="Arial Unicode MS" panose="020B0604020202020204" pitchFamily="34" charset="-128"/>
                 <a:ea typeface="Arial Unicode MS" panose="020B0604020202020204" pitchFamily="34" charset="-128"/>
                 <a:cs typeface="Arial Unicode MS" panose="020B0604020202020204" pitchFamily="34" charset="-128"/>
               </a:rPr>
               <a:t>Készítette: Somodi Konrád</a:t>
             </a:r>
-            <a:endParaRPr lang="hu-HU" sz="2800" dirty="0">
+            <a:endParaRPr lang="hu-HU" sz="2800" cap="none" dirty="0">
               <a:latin typeface="Arial Unicode MS" panose="020B0604020202020204" pitchFamily="34" charset="-128"/>
               <a:ea typeface="Arial Unicode MS" panose="020B0604020202020204" pitchFamily="34" charset="-128"/>
               <a:cs typeface="Arial Unicode MS" panose="020B0604020202020204" pitchFamily="34" charset="-128"/>
@@ -3135,6 +6257,13 @@
   <p:clrMapOvr>
     <a:masterClrMapping/>
   </p:clrMapOvr>
+  <p:timing>
+    <p:tnLst>
+      <p:par>
+        <p:cTn id="1" dur="indefinite" restart="never" nodeType="tmRoot"/>
+      </p:par>
+    </p:tnLst>
+  </p:timing>
 </p:sld>
 </file>
 
@@ -3219,7 +6348,7 @@
             <a:pPr algn="just"/>
             <a:r>
               <a:rPr lang="hu-HU" dirty="0" smtClean="0">
-                <a:latin typeface="Arial Unicode MS" panose="020B0604020202020204" pitchFamily="34" charset="-128"/>
+                <a:latin typeface="Century Schoolbook" panose="02040604050505020304" pitchFamily="18" charset="0"/>
                 <a:ea typeface="Arial Unicode MS" panose="020B0604020202020204" pitchFamily="34" charset="-128"/>
                 <a:cs typeface="Arial Unicode MS" panose="020B0604020202020204" pitchFamily="34" charset="-128"/>
               </a:rPr>
@@ -3227,7 +6356,7 @@
             </a:r>
             <a:r>
               <a:rPr lang="hu-HU" dirty="0">
-                <a:latin typeface="Arial Unicode MS" panose="020B0604020202020204" pitchFamily="34" charset="-128"/>
+                <a:latin typeface="Century Schoolbook" panose="02040604050505020304" pitchFamily="18" charset="0"/>
                 <a:ea typeface="Arial Unicode MS" panose="020B0604020202020204" pitchFamily="34" charset="-128"/>
                 <a:cs typeface="Arial Unicode MS" panose="020B0604020202020204" pitchFamily="34" charset="-128"/>
               </a:rPr>
@@ -3235,7 +6364,7 @@
             </a:r>
             <a:r>
               <a:rPr lang="hu-HU" dirty="0" smtClean="0">
-                <a:latin typeface="Arial Unicode MS" panose="020B0604020202020204" pitchFamily="34" charset="-128"/>
+                <a:latin typeface="Century Schoolbook" panose="02040604050505020304" pitchFamily="18" charset="0"/>
                 <a:ea typeface="Arial Unicode MS" panose="020B0604020202020204" pitchFamily="34" charset="-128"/>
                 <a:cs typeface="Arial Unicode MS" panose="020B0604020202020204" pitchFamily="34" charset="-128"/>
               </a:rPr>
@@ -3243,7 +6372,7 @@
             </a:r>
             <a:r>
               <a:rPr lang="hu-HU" dirty="0">
-                <a:latin typeface="Arial Unicode MS" panose="020B0604020202020204" pitchFamily="34" charset="-128"/>
+                <a:latin typeface="Century Schoolbook" panose="02040604050505020304" pitchFamily="18" charset="0"/>
                 <a:ea typeface="Arial Unicode MS" panose="020B0604020202020204" pitchFamily="34" charset="-128"/>
                 <a:cs typeface="Arial Unicode MS" panose="020B0604020202020204" pitchFamily="34" charset="-128"/>
               </a:rPr>
@@ -3251,7 +6380,7 @@
             </a:r>
             <a:r>
               <a:rPr lang="hu-HU" dirty="0" smtClean="0">
-                <a:latin typeface="Arial Unicode MS" panose="020B0604020202020204" pitchFamily="34" charset="-128"/>
+                <a:latin typeface="Century Schoolbook" panose="02040604050505020304" pitchFamily="18" charset="0"/>
                 <a:ea typeface="Arial Unicode MS" panose="020B0604020202020204" pitchFamily="34" charset="-128"/>
                 <a:cs typeface="Arial Unicode MS" panose="020B0604020202020204" pitchFamily="34" charset="-128"/>
               </a:rPr>
@@ -3262,7 +6391,7 @@
             <a:pPr algn="just"/>
             <a:r>
               <a:rPr lang="hu-HU" dirty="0" smtClean="0">
-                <a:latin typeface="Arial Unicode MS" panose="020B0604020202020204" pitchFamily="34" charset="-128"/>
+                <a:latin typeface="Century Schoolbook" panose="02040604050505020304" pitchFamily="18" charset="0"/>
                 <a:ea typeface="Arial Unicode MS" panose="020B0604020202020204" pitchFamily="34" charset="-128"/>
                 <a:cs typeface="Arial Unicode MS" panose="020B0604020202020204" pitchFamily="34" charset="-128"/>
               </a:rPr>
@@ -3276,7 +6405,7 @@
             </a:pPr>
             <a:r>
               <a:rPr lang="hu-HU" sz="2800" dirty="0" smtClean="0">
-                <a:latin typeface="Arial Unicode MS" panose="020B0604020202020204" pitchFamily="34" charset="-128"/>
+                <a:latin typeface="Century Schoolbook" panose="02040604050505020304" pitchFamily="18" charset="0"/>
                 <a:ea typeface="Arial Unicode MS" panose="020B0604020202020204" pitchFamily="34" charset="-128"/>
                 <a:cs typeface="Arial Unicode MS" panose="020B0604020202020204" pitchFamily="34" charset="-128"/>
               </a:rPr>
@@ -3290,7 +6419,7 @@
             </a:pPr>
             <a:r>
               <a:rPr lang="hu-HU" sz="2800" dirty="0" smtClean="0">
-                <a:latin typeface="Arial Unicode MS" panose="020B0604020202020204" pitchFamily="34" charset="-128"/>
+                <a:latin typeface="Century Schoolbook" panose="02040604050505020304" pitchFamily="18" charset="0"/>
                 <a:ea typeface="Arial Unicode MS" panose="020B0604020202020204" pitchFamily="34" charset="-128"/>
                 <a:cs typeface="Arial Unicode MS" panose="020B0604020202020204" pitchFamily="34" charset="-128"/>
               </a:rPr>
@@ -3304,7 +6433,7 @@
             </a:pPr>
             <a:r>
               <a:rPr lang="hu-HU" sz="2800" dirty="0" smtClean="0">
-                <a:latin typeface="Arial Unicode MS" panose="020B0604020202020204" pitchFamily="34" charset="-128"/>
+                <a:latin typeface="Century Schoolbook" panose="02040604050505020304" pitchFamily="18" charset="0"/>
                 <a:ea typeface="Arial Unicode MS" panose="020B0604020202020204" pitchFamily="34" charset="-128"/>
                 <a:cs typeface="Arial Unicode MS" panose="020B0604020202020204" pitchFamily="34" charset="-128"/>
               </a:rPr>
@@ -3381,9 +6510,22 @@
             <a:off x="1175951" y="4345204"/>
             <a:ext cx="2374556" cy="1840742"/>
           </a:xfrm>
-          <a:prstGeom prst="rect">
-            <a:avLst/>
+          <a:prstGeom prst="roundRect">
+            <a:avLst>
+              <a:gd name="adj" fmla="val 8594"/>
+            </a:avLst>
           </a:prstGeom>
+          <a:solidFill>
+            <a:srgbClr val="FFFFFF">
+              <a:shade val="85000"/>
+            </a:srgbClr>
+          </a:solidFill>
+          <a:ln>
+            <a:noFill/>
+          </a:ln>
+          <a:effectLst>
+            <a:reflection blurRad="12700" stA="38000" endPos="28000" dist="5000" dir="5400000" sy="-100000" algn="bl" rotWithShape="0"/>
+          </a:effectLst>
         </p:spPr>
       </p:pic>
       <p:pic>
@@ -3408,17 +6550,27 @@
         </p:blipFill>
         <p:spPr>
           <a:xfrm>
-            <a:off x="1344826" y="4101646"/>
+            <a:off x="1260388" y="4162734"/>
             <a:ext cx="2205681" cy="2205681"/>
           </a:xfrm>
           <a:prstGeom prst="rect">
             <a:avLst/>
           </a:prstGeom>
+          <a:ln>
+            <a:noFill/>
+          </a:ln>
+          <a:effectLst>
+            <a:outerShdw blurRad="190500" algn="tl" rotWithShape="0">
+              <a:srgbClr val="000000">
+                <a:alpha val="70000"/>
+              </a:srgbClr>
+            </a:outerShdw>
+          </a:effectLst>
         </p:spPr>
       </p:pic>
       <p:pic>
         <p:nvPicPr>
-          <p:cNvPr id="7" name="Kép 6"/>
+          <p:cNvPr id="8" name="Kép 7"/>
           <p:cNvPicPr>
             <a:picLocks noChangeAspect="1"/>
           </p:cNvPicPr>
@@ -3438,12 +6590,25 @@
         </p:blipFill>
         <p:spPr>
           <a:xfrm>
-            <a:off x="1175951" y="4055390"/>
-            <a:ext cx="2941455" cy="2251937"/>
-          </a:xfrm>
-          <a:prstGeom prst="rect">
-            <a:avLst/>
+            <a:off x="1085188" y="4345204"/>
+            <a:ext cx="2556079" cy="1955984"/>
+          </a:xfrm>
+          <a:prstGeom prst="roundRect">
+            <a:avLst>
+              <a:gd name="adj" fmla="val 8594"/>
+            </a:avLst>
           </a:prstGeom>
+          <a:solidFill>
+            <a:srgbClr val="FFFFFF">
+              <a:shade val="85000"/>
+            </a:srgbClr>
+          </a:solidFill>
+          <a:ln>
+            <a:noFill/>
+          </a:ln>
+          <a:effectLst>
+            <a:reflection blurRad="12700" stA="38000" endPos="28000" dist="5000" dir="5400000" sy="-100000" algn="bl" rotWithShape="0"/>
+          </a:effectLst>
         </p:spPr>
       </p:pic>
     </p:spTree>
@@ -3579,13 +6744,13 @@
         </p:nvSpPr>
         <p:spPr>
           <a:xfrm>
-            <a:off x="838200" y="1028700"/>
+            <a:off x="838200" y="361435"/>
             <a:ext cx="2732903" cy="661988"/>
           </a:xfrm>
         </p:spPr>
         <p:txBody>
           <a:bodyPr>
-            <a:normAutofit/>
+            <a:normAutofit fontScale="90000"/>
           </a:bodyPr>
           <a:lstStyle/>
           <a:p>
@@ -3613,8 +6778,8 @@
         </p:nvSpPr>
         <p:spPr>
           <a:xfrm>
-            <a:off x="838200" y="2121414"/>
-            <a:ext cx="10515600" cy="3686262"/>
+            <a:off x="208005" y="1219371"/>
+            <a:ext cx="11221995" cy="3859256"/>
           </a:xfrm>
         </p:spPr>
         <p:txBody>
@@ -3873,7 +7038,7 @@
         </p:nvSpPr>
         <p:spPr>
           <a:xfrm>
-            <a:off x="209035" y="2910830"/>
+            <a:off x="209034" y="2737146"/>
             <a:ext cx="7390372" cy="1785104"/>
           </a:xfrm>
           <a:prstGeom prst="rect">
@@ -3923,7 +7088,7 @@
         </p:nvSpPr>
         <p:spPr>
           <a:xfrm>
-            <a:off x="209034" y="5020680"/>
+            <a:off x="209034" y="4695934"/>
             <a:ext cx="7216346" cy="1107996"/>
           </a:xfrm>
           <a:prstGeom prst="rect">
@@ -3987,7 +7152,7 @@
         </p:blipFill>
         <p:spPr>
           <a:xfrm>
-            <a:off x="7685903" y="2457622"/>
+            <a:off x="7661363" y="2457622"/>
             <a:ext cx="3979222" cy="2238312"/>
           </a:xfrm>
           <a:prstGeom prst="roundRect">
@@ -4030,7 +7195,7 @@
         </p:blipFill>
         <p:spPr>
           <a:xfrm>
-            <a:off x="6818871" y="4695934"/>
+            <a:off x="6818871" y="4772324"/>
             <a:ext cx="3713782" cy="2063212"/>
           </a:xfrm>
           <a:prstGeom prst="roundRect">
@@ -4129,8 +7294,8 @@
         </p:nvSpPr>
         <p:spPr>
           <a:xfrm>
-            <a:off x="838200" y="787400"/>
-            <a:ext cx="6794500" cy="649288"/>
+            <a:off x="838199" y="787400"/>
+            <a:ext cx="7292547" cy="649288"/>
           </a:xfrm>
         </p:spPr>
         <p:txBody>
@@ -4220,23 +7385,23 @@
         </p:nvSpPr>
         <p:spPr>
           <a:xfrm>
-            <a:off x="838200" y="130346"/>
-            <a:ext cx="10515600" cy="1325563"/>
+            <a:off x="591065" y="328055"/>
+            <a:ext cx="5920946" cy="722270"/>
           </a:xfrm>
         </p:spPr>
         <p:txBody>
           <a:bodyPr>
-            <a:normAutofit/>
+            <a:normAutofit fontScale="90000"/>
           </a:bodyPr>
           <a:lstStyle/>
           <a:p>
             <a:r>
-              <a:rPr lang="hu-HU" sz="4000" dirty="0" smtClean="0">
+              <a:rPr lang="hu-HU" sz="4000" b="1" dirty="0" smtClean="0">
                 <a:latin typeface="Century Schoolbook" panose="02040604050505020304" pitchFamily="18" charset="0"/>
               </a:rPr>
               <a:t>Védekezés vírusok ellen</a:t>
             </a:r>
-            <a:endParaRPr lang="hu-HU" sz="4000" dirty="0">
+            <a:endParaRPr lang="hu-HU" sz="4000" b="1" dirty="0">
               <a:latin typeface="Century Schoolbook" panose="02040604050505020304" pitchFamily="18" charset="0"/>
             </a:endParaRPr>
           </a:p>
@@ -4252,40 +7417,209 @@
             <p:ph idx="1"/>
           </p:nvPr>
         </p:nvSpPr>
-        <p:spPr/>
-        <p:txBody>
-          <a:bodyPr/>
-          <a:lstStyle/>
-          <a:p>
-            <a:r>
-              <a:rPr lang="hu-HU" dirty="0" smtClean="0"/>
+        <p:spPr>
+          <a:xfrm>
+            <a:off x="234520" y="1169208"/>
+            <a:ext cx="11357917" cy="1518183"/>
+          </a:xfrm>
+        </p:spPr>
+        <p:txBody>
+          <a:bodyPr>
+            <a:noAutofit/>
+          </a:bodyPr>
+          <a:lstStyle/>
+          <a:p>
+            <a:r>
+              <a:rPr lang="hu-HU" sz="2400" dirty="0" smtClean="0"/>
               <a:t>Kerüljük a gyanús oldalakat, emaileket</a:t>
             </a:r>
           </a:p>
           <a:p>
             <a:r>
-              <a:rPr lang="hu-HU" dirty="0" smtClean="0"/>
+              <a:rPr lang="hu-HU" sz="2400" dirty="0" smtClean="0"/>
               <a:t>Használjunk vírusírtót</a:t>
             </a:r>
           </a:p>
           <a:p>
             <a:r>
-              <a:rPr lang="hu-HU" dirty="0" smtClean="0"/>
-              <a:t>Ne nyissunk meg spam leveleket, illetve a </a:t>
-            </a:r>
-            <a:r>
-              <a:rPr lang="hu-HU" smtClean="0"/>
-              <a:t>benne található üzeneteket se</a:t>
-            </a:r>
-          </a:p>
-          <a:p>
-            <a:endParaRPr lang="hu-HU" dirty="0" smtClean="0"/>
-          </a:p>
-          <a:p>
-            <a:endParaRPr lang="hu-HU" dirty="0"/>
-          </a:p>
-        </p:txBody>
-      </p:sp>
+              <a:rPr lang="hu-HU" sz="2400" dirty="0" smtClean="0"/>
+              <a:t>Ne nyissunk meg spam leveleket, illetve a benne található üzeneteket se</a:t>
+            </a:r>
+          </a:p>
+          <a:p>
+            <a:endParaRPr lang="hu-HU" sz="2400" dirty="0" smtClean="0"/>
+          </a:p>
+          <a:p>
+            <a:endParaRPr lang="hu-HU" sz="2400" dirty="0"/>
+          </a:p>
+        </p:txBody>
+      </p:sp>
+      <p:pic>
+        <p:nvPicPr>
+          <p:cNvPr id="4" name="Kép 3"/>
+          <p:cNvPicPr>
+            <a:picLocks noChangeAspect="1"/>
+          </p:cNvPicPr>
+          <p:nvPr/>
+        </p:nvPicPr>
+        <p:blipFill>
+          <a:blip r:embed="rId2">
+            <a:extLst>
+              <a:ext uri="{28A0092B-C50C-407E-A947-70E740481C1C}">
+                <a14:useLocalDpi xmlns:a14="http://schemas.microsoft.com/office/drawing/2010/main" val="0"/>
+              </a:ext>
+            </a:extLst>
+          </a:blip>
+          <a:stretch>
+            <a:fillRect/>
+          </a:stretch>
+        </p:blipFill>
+        <p:spPr>
+          <a:xfrm>
+            <a:off x="234520" y="3088706"/>
+            <a:ext cx="5276594" cy="3435179"/>
+          </a:xfrm>
+          <a:prstGeom prst="roundRect">
+            <a:avLst>
+              <a:gd name="adj" fmla="val 8594"/>
+            </a:avLst>
+          </a:prstGeom>
+          <a:solidFill>
+            <a:srgbClr val="FFFFFF">
+              <a:shade val="85000"/>
+            </a:srgbClr>
+          </a:solidFill>
+          <a:ln>
+            <a:noFill/>
+          </a:ln>
+          <a:effectLst>
+            <a:reflection blurRad="12700" stA="38000" endPos="28000" dist="5000" dir="5400000" sy="-100000" algn="bl" rotWithShape="0"/>
+          </a:effectLst>
+        </p:spPr>
+      </p:pic>
+      <p:pic>
+        <p:nvPicPr>
+          <p:cNvPr id="6" name="Kép 5"/>
+          <p:cNvPicPr>
+            <a:picLocks noChangeAspect="1"/>
+          </p:cNvPicPr>
+          <p:nvPr/>
+        </p:nvPicPr>
+        <p:blipFill>
+          <a:blip r:embed="rId3"/>
+          <a:stretch>
+            <a:fillRect/>
+          </a:stretch>
+        </p:blipFill>
+        <p:spPr>
+          <a:xfrm>
+            <a:off x="5988362" y="3088705"/>
+            <a:ext cx="6081323" cy="3510285"/>
+          </a:xfrm>
+          <a:prstGeom prst="roundRect">
+            <a:avLst>
+              <a:gd name="adj" fmla="val 8594"/>
+            </a:avLst>
+          </a:prstGeom>
+          <a:solidFill>
+            <a:srgbClr val="FFFFFF">
+              <a:shade val="85000"/>
+            </a:srgbClr>
+          </a:solidFill>
+          <a:ln>
+            <a:noFill/>
+          </a:ln>
+          <a:effectLst>
+            <a:reflection blurRad="12700" stA="38000" endPos="28000" dist="5000" dir="5400000" sy="-100000" algn="bl" rotWithShape="0"/>
+          </a:effectLst>
+        </p:spPr>
+      </p:pic>
+      <p:pic>
+        <p:nvPicPr>
+          <p:cNvPr id="8" name="Kép 7"/>
+          <p:cNvPicPr>
+            <a:picLocks noChangeAspect="1"/>
+          </p:cNvPicPr>
+          <p:nvPr/>
+        </p:nvPicPr>
+        <p:blipFill>
+          <a:blip r:embed="rId4">
+            <a:extLst>
+              <a:ext uri="{28A0092B-C50C-407E-A947-70E740481C1C}">
+                <a14:useLocalDpi xmlns:a14="http://schemas.microsoft.com/office/drawing/2010/main" val="0"/>
+              </a:ext>
+            </a:extLst>
+          </a:blip>
+          <a:stretch>
+            <a:fillRect/>
+          </a:stretch>
+        </p:blipFill>
+        <p:spPr>
+          <a:xfrm>
+            <a:off x="234520" y="3088705"/>
+            <a:ext cx="5276594" cy="3435180"/>
+          </a:xfrm>
+          <a:prstGeom prst="roundRect">
+            <a:avLst>
+              <a:gd name="adj" fmla="val 8594"/>
+            </a:avLst>
+          </a:prstGeom>
+          <a:solidFill>
+            <a:srgbClr val="FFFFFF">
+              <a:shade val="85000"/>
+            </a:srgbClr>
+          </a:solidFill>
+          <a:ln>
+            <a:noFill/>
+          </a:ln>
+          <a:effectLst>
+            <a:reflection blurRad="12700" stA="38000" endPos="28000" dist="5000" dir="5400000" sy="-100000" algn="bl" rotWithShape="0"/>
+          </a:effectLst>
+        </p:spPr>
+      </p:pic>
+      <p:pic>
+        <p:nvPicPr>
+          <p:cNvPr id="9" name="Kép 8"/>
+          <p:cNvPicPr>
+            <a:picLocks noChangeAspect="1"/>
+          </p:cNvPicPr>
+          <p:nvPr/>
+        </p:nvPicPr>
+        <p:blipFill>
+          <a:blip r:embed="rId5">
+            <a:extLst>
+              <a:ext uri="{28A0092B-C50C-407E-A947-70E740481C1C}">
+                <a14:useLocalDpi xmlns:a14="http://schemas.microsoft.com/office/drawing/2010/main" val="0"/>
+              </a:ext>
+            </a:extLst>
+          </a:blip>
+          <a:stretch>
+            <a:fillRect/>
+          </a:stretch>
+        </p:blipFill>
+        <p:spPr>
+          <a:xfrm>
+            <a:off x="5988361" y="3088705"/>
+            <a:ext cx="6081323" cy="3510285"/>
+          </a:xfrm>
+          <a:prstGeom prst="roundRect">
+            <a:avLst>
+              <a:gd name="adj" fmla="val 8594"/>
+            </a:avLst>
+          </a:prstGeom>
+          <a:solidFill>
+            <a:srgbClr val="FFFFFF">
+              <a:shade val="85000"/>
+            </a:srgbClr>
+          </a:solidFill>
+          <a:ln>
+            <a:noFill/>
+          </a:ln>
+          <a:effectLst>
+            <a:reflection blurRad="12700" stA="38000" endPos="28000" dist="5000" dir="5400000" sy="-100000" algn="bl" rotWithShape="0"/>
+          </a:effectLst>
+        </p:spPr>
+      </p:pic>
     </p:spTree>
     <p:extLst>
       <p:ext uri="{BB962C8B-B14F-4D97-AF65-F5344CB8AC3E}">
@@ -4296,6 +7630,13 @@
   <p:clrMapOvr>
     <a:masterClrMapping/>
   </p:clrMapOvr>
+  <p:timing>
+    <p:tnLst>
+      <p:par>
+        <p:cTn id="1" dur="indefinite" restart="never" nodeType="tmRoot"/>
+      </p:par>
+    </p:tnLst>
+  </p:timing>
 </p:sld>
 </file>
 
@@ -4368,6 +7709,13 @@
   <p:clrMapOvr>
     <a:masterClrMapping/>
   </p:clrMapOvr>
+  <p:timing>
+    <p:tnLst>
+      <p:par>
+        <p:cTn id="1" dur="indefinite" restart="never" nodeType="tmRoot"/>
+      </p:par>
+    </p:tnLst>
+  </p:timing>
 </p:sld>
 </file>
 
@@ -4470,13 +7818,20 @@
   <p:clrMapOvr>
     <a:masterClrMapping/>
   </p:clrMapOvr>
+  <p:timing>
+    <p:tnLst>
+      <p:par>
+        <p:cTn id="1" dur="indefinite" restart="never" nodeType="tmRoot"/>
+      </p:par>
+    </p:tnLst>
+  </p:timing>
 </p:sld>
 </file>
 
 <file path=ppt/theme/theme1.xml><?xml version="1.0" encoding="utf-8"?>
-<a:theme xmlns:a="http://schemas.openxmlformats.org/drawingml/2006/main" name="Office-téma">
+<a:theme xmlns:a="http://schemas.openxmlformats.org/drawingml/2006/main" name="Ion">
   <a:themeElements>
-    <a:clrScheme name="Office">
+    <a:clrScheme name="Ion">
       <a:dk1>
         <a:sysClr val="windowText" lastClr="000000"/>
       </a:dk1>
@@ -4484,44 +7839,44 @@
         <a:sysClr val="window" lastClr="FFFFFF"/>
       </a:lt1>
       <a:dk2>
-        <a:srgbClr val="44546A"/>
+        <a:srgbClr val="1E5155"/>
       </a:dk2>
       <a:lt2>
-        <a:srgbClr val="E7E6E6"/>
+        <a:srgbClr val="EBEBEB"/>
       </a:lt2>
       <a:accent1>
-        <a:srgbClr val="5B9BD5"/>
+        <a:srgbClr val="B01513"/>
       </a:accent1>
       <a:accent2>
-        <a:srgbClr val="ED7D31"/>
+        <a:srgbClr val="EA6312"/>
       </a:accent2>
       <a:accent3>
-        <a:srgbClr val="A5A5A5"/>
+        <a:srgbClr val="E6B729"/>
       </a:accent3>
       <a:accent4>
-        <a:srgbClr val="FFC000"/>
+        <a:srgbClr val="6AAC90"/>
       </a:accent4>
       <a:accent5>
-        <a:srgbClr val="4472C4"/>
+        <a:srgbClr val="54849A"/>
       </a:accent5>
       <a:accent6>
-        <a:srgbClr val="70AD47"/>
+        <a:srgbClr val="9E5E9B"/>
       </a:accent6>
       <a:hlink>
-        <a:srgbClr val="0563C1"/>
+        <a:srgbClr val="58C1BA"/>
       </a:hlink>
       <a:folHlink>
-        <a:srgbClr val="954F72"/>
+        <a:srgbClr val="9DFFCB"/>
       </a:folHlink>
     </a:clrScheme>
-    <a:fontScheme name="Office">
+    <a:fontScheme name="Ion">
       <a:majorFont>
-        <a:latin typeface="Calibri Light" panose="020F0302020204030204"/>
+        <a:latin typeface="Century Gothic" panose="020B0502020202020204"/>
         <a:ea typeface=""/>
         <a:cs typeface=""/>
-        <a:font script="Jpan" typeface="游ゴシック Light"/>
+        <a:font script="Jpan" typeface="メイリオ"/>
         <a:font script="Hang" typeface="맑은 고딕"/>
-        <a:font script="Hans" typeface="等线 Light"/>
+        <a:font script="Hans" typeface="宋体"/>
         <a:font script="Hant" typeface="新細明體"/>
         <a:font script="Arab" typeface="Times New Roman"/>
         <a:font script="Hebr" typeface="Times New Roman"/>
@@ -4551,12 +7906,12 @@
         <a:font script="Geor" typeface="Sylfaen"/>
       </a:majorFont>
       <a:minorFont>
-        <a:latin typeface="Calibri" panose="020F0502020204030204"/>
+        <a:latin typeface="Century Gothic" panose="020B0502020202020204"/>
         <a:ea typeface=""/>
         <a:cs typeface=""/>
-        <a:font script="Jpan" typeface="游ゴシック"/>
+        <a:font script="Jpan" typeface="メイリオ"/>
         <a:font script="Hang" typeface="맑은 고딕"/>
-        <a:font script="Hans" typeface="等线"/>
+        <a:font script="Hans" typeface="宋体"/>
         <a:font script="Hant" typeface="新細明體"/>
         <a:font script="Arab" typeface="Arial"/>
         <a:font script="Hebr" typeface="Arial"/>
@@ -4586,7 +7941,7 @@
         <a:font script="Geor" typeface="Sylfaen"/>
       </a:minorFont>
     </a:fontScheme>
-    <a:fmtScheme name="Office">
+    <a:fmtScheme name="Ion">
       <a:fillStyleLst>
         <a:solidFill>
           <a:schemeClr val="phClr"/>
@@ -4595,23 +7950,15 @@
           <a:gsLst>
             <a:gs pos="0">
               <a:schemeClr val="phClr">
-                <a:lumMod val="110000"/>
-                <a:satMod val="105000"/>
-                <a:tint val="67000"/>
-              </a:schemeClr>
-            </a:gs>
-            <a:gs pos="50000">
-              <a:schemeClr val="phClr">
-                <a:lumMod val="105000"/>
-                <a:satMod val="103000"/>
-                <a:tint val="73000"/>
+                <a:tint val="64000"/>
+                <a:lumMod val="118000"/>
               </a:schemeClr>
             </a:gs>
             <a:gs pos="100000">
               <a:schemeClr val="phClr">
-                <a:lumMod val="105000"/>
-                <a:satMod val="109000"/>
-                <a:tint val="81000"/>
+                <a:tint val="92000"/>
+                <a:alpha val="100000"/>
+                <a:lumMod val="110000"/>
               </a:schemeClr>
             </a:gs>
           </a:gsLst>
@@ -4621,23 +7968,14 @@
           <a:gsLst>
             <a:gs pos="0">
               <a:schemeClr val="phClr">
-                <a:satMod val="103000"/>
-                <a:lumMod val="102000"/>
-                <a:tint val="94000"/>
-              </a:schemeClr>
-            </a:gs>
-            <a:gs pos="50000">
-              <a:schemeClr val="phClr">
-                <a:satMod val="110000"/>
-                <a:lumMod val="100000"/>
-                <a:shade val="100000"/>
+                <a:tint val="98000"/>
+                <a:lumMod val="114000"/>
               </a:schemeClr>
             </a:gs>
             <a:gs pos="100000">
               <a:schemeClr val="phClr">
-                <a:lumMod val="99000"/>
-                <a:satMod val="120000"/>
-                <a:shade val="78000"/>
+                <a:shade val="90000"/>
+                <a:lumMod val="84000"/>
               </a:schemeClr>
             </a:gs>
           </a:gsLst>
@@ -4645,26 +7983,23 @@
         </a:gradFill>
       </a:fillStyleLst>
       <a:lnStyleLst>
-        <a:ln w="6350" cap="flat" cmpd="sng" algn="ctr">
+        <a:ln w="9525" cap="rnd" cmpd="sng" algn="ctr">
           <a:solidFill>
             <a:schemeClr val="phClr"/>
           </a:solidFill>
           <a:prstDash val="solid"/>
-          <a:miter lim="800000"/>
         </a:ln>
-        <a:ln w="12700" cap="flat" cmpd="sng" algn="ctr">
+        <a:ln w="19050" cap="rnd" cmpd="sng" algn="ctr">
           <a:solidFill>
             <a:schemeClr val="phClr"/>
           </a:solidFill>
           <a:prstDash val="solid"/>
-          <a:miter lim="800000"/>
         </a:ln>
-        <a:ln w="19050" cap="flat" cmpd="sng" algn="ctr">
+        <a:ln w="28575" cap="rnd" cmpd="sng" algn="ctr">
           <a:solidFill>
             <a:schemeClr val="phClr"/>
           </a:solidFill>
           <a:prstDash val="solid"/>
-          <a:miter lim="800000"/>
         </a:ln>
       </a:lnStyleLst>
       <a:effectStyleLst>
@@ -4672,55 +8007,80 @@
           <a:effectLst/>
         </a:effectStyle>
         <a:effectStyle>
-          <a:effectLst/>
+          <a:effectLst>
+            <a:outerShdw blurRad="38100" dist="25400" dir="5400000" rotWithShape="0">
+              <a:srgbClr val="000000">
+                <a:alpha val="45000"/>
+              </a:srgbClr>
+            </a:outerShdw>
+          </a:effectLst>
         </a:effectStyle>
         <a:effectStyle>
           <a:effectLst>
-            <a:outerShdw blurRad="57150" dist="19050" dir="5400000" algn="ctr" rotWithShape="0">
+            <a:outerShdw blurRad="63500" dist="38100" dir="5400000" rotWithShape="0">
               <a:srgbClr val="000000">
-                <a:alpha val="63000"/>
+                <a:alpha val="60000"/>
               </a:srgbClr>
             </a:outerShdw>
           </a:effectLst>
+          <a:scene3d>
+            <a:camera prst="orthographicFront">
+              <a:rot lat="0" lon="0" rev="0"/>
+            </a:camera>
+            <a:lightRig rig="threePt" dir="tl"/>
+          </a:scene3d>
+          <a:sp3d prstMaterial="plastic">
+            <a:bevelT w="0" h="0"/>
+          </a:sp3d>
         </a:effectStyle>
       </a:effectStyleLst>
       <a:bgFillStyleLst>
         <a:solidFill>
           <a:schemeClr val="phClr"/>
         </a:solidFill>
-        <a:solidFill>
-          <a:schemeClr val="phClr">
-            <a:tint val="95000"/>
-            <a:satMod val="170000"/>
-          </a:schemeClr>
-        </a:solidFill>
         <a:gradFill rotWithShape="1">
           <a:gsLst>
             <a:gs pos="0">
               <a:schemeClr val="phClr">
-                <a:tint val="93000"/>
-                <a:satMod val="150000"/>
-                <a:shade val="98000"/>
-                <a:lumMod val="102000"/>
-              </a:schemeClr>
-            </a:gs>
-            <a:gs pos="50000">
-              <a:schemeClr val="phClr">
-                <a:tint val="98000"/>
+                <a:tint val="97000"/>
+                <a:hueMod val="88000"/>
                 <a:satMod val="130000"/>
-                <a:shade val="90000"/>
-                <a:lumMod val="103000"/>
+                <a:lumMod val="124000"/>
               </a:schemeClr>
             </a:gs>
             <a:gs pos="100000">
               <a:schemeClr val="phClr">
-                <a:shade val="63000"/>
-                <a:satMod val="120000"/>
+                <a:tint val="96000"/>
+                <a:shade val="88000"/>
+                <a:hueMod val="108000"/>
+                <a:satMod val="164000"/>
+                <a:lumMod val="76000"/>
               </a:schemeClr>
             </a:gs>
           </a:gsLst>
-          <a:lin ang="5400000" scaled="0"/>
+          <a:path path="circle">
+            <a:fillToRect l="45000" t="65000" r="125000" b="100000"/>
+          </a:path>
         </a:gradFill>
+        <a:blipFill rotWithShape="1">
+          <a:blip xmlns:r="http://schemas.openxmlformats.org/officeDocument/2006/relationships" r:embed="rId1">
+            <a:duotone>
+              <a:schemeClr val="phClr">
+                <a:shade val="69000"/>
+                <a:hueMod val="108000"/>
+                <a:satMod val="164000"/>
+                <a:lumMod val="74000"/>
+              </a:schemeClr>
+              <a:schemeClr val="phClr">
+                <a:tint val="96000"/>
+                <a:hueMod val="88000"/>
+                <a:satMod val="140000"/>
+                <a:lumMod val="132000"/>
+              </a:schemeClr>
+            </a:duotone>
+          </a:blip>
+          <a:stretch/>
+        </a:blipFill>
       </a:bgFillStyleLst>
     </a:fmtScheme>
   </a:themeElements>
@@ -4728,7 +8088,7 @@
   <a:extraClrSchemeLst/>
   <a:extLst>
     <a:ext uri="{05A4C25C-085E-4340-85A3-A5531E510DB2}">
-      <thm15:themeFamily xmlns:thm15="http://schemas.microsoft.com/office/thememl/2012/main" name="Office Theme" id="{62F939B6-93AF-4DB8-9C6B-D6C7DFDC589F}" vid="{4A3C46E8-61CC-4603-A589-7422A47A8E4A}"/>
+      <thm15:themeFamily xmlns:thm15="http://schemas.microsoft.com/office/thememl/2012/main" name="Ion" id="{B8441ADB-2E43-4AF7-B97A-BD870242C6A8}" vid="{292E63A9-BB86-4E3D-B92A-7223C6510D2E}"/>
     </a:ext>
   </a:extLst>
 </a:theme>

--- a/Beadandó SK.pptx
+++ b/Beadandó SK.pptx
@@ -307,7 +307,7 @@
           <a:p>
             <a:fld id="{BD5193CC-C62B-423D-A098-867CDE0A1E84}" type="datetimeFigureOut">
               <a:rPr lang="hu-HU" smtClean="0"/>
-              <a:t>2022.09.15.</a:t>
+              <a:t>2022.09.19.</a:t>
             </a:fld>
             <a:endParaRPr lang="hu-HU"/>
           </a:p>
@@ -582,7 +582,7 @@
           <a:p>
             <a:fld id="{BD5193CC-C62B-423D-A098-867CDE0A1E84}" type="datetimeFigureOut">
               <a:rPr lang="hu-HU" smtClean="0"/>
-              <a:t>2022.09.15.</a:t>
+              <a:t>2022.09.19.</a:t>
             </a:fld>
             <a:endParaRPr lang="hu-HU"/>
           </a:p>
@@ -776,7 +776,7 @@
           <a:p>
             <a:fld id="{BD5193CC-C62B-423D-A098-867CDE0A1E84}" type="datetimeFigureOut">
               <a:rPr lang="hu-HU" smtClean="0"/>
-              <a:t>2022.09.15.</a:t>
+              <a:t>2022.09.19.</a:t>
             </a:fld>
             <a:endParaRPr lang="hu-HU"/>
           </a:p>
@@ -1049,7 +1049,7 @@
           <a:p>
             <a:fld id="{BD5193CC-C62B-423D-A098-867CDE0A1E84}" type="datetimeFigureOut">
               <a:rPr lang="hu-HU" smtClean="0"/>
-              <a:t>2022.09.15.</a:t>
+              <a:t>2022.09.19.</a:t>
             </a:fld>
             <a:endParaRPr lang="hu-HU"/>
           </a:p>
@@ -1390,7 +1390,7 @@
           <a:p>
             <a:fld id="{BD5193CC-C62B-423D-A098-867CDE0A1E84}" type="datetimeFigureOut">
               <a:rPr lang="hu-HU" smtClean="0"/>
-              <a:t>2022.09.15.</a:t>
+              <a:t>2022.09.19.</a:t>
             </a:fld>
             <a:endParaRPr lang="hu-HU"/>
           </a:p>
@@ -2013,7 +2013,7 @@
           <a:p>
             <a:fld id="{BD5193CC-C62B-423D-A098-867CDE0A1E84}" type="datetimeFigureOut">
               <a:rPr lang="hu-HU" smtClean="0"/>
-              <a:t>2022.09.15.</a:t>
+              <a:t>2022.09.19.</a:t>
             </a:fld>
             <a:endParaRPr lang="hu-HU"/>
           </a:p>
@@ -2873,7 +2873,7 @@
           <a:p>
             <a:fld id="{BD5193CC-C62B-423D-A098-867CDE0A1E84}" type="datetimeFigureOut">
               <a:rPr lang="hu-HU" smtClean="0"/>
-              <a:t>2022.09.15.</a:t>
+              <a:t>2022.09.19.</a:t>
             </a:fld>
             <a:endParaRPr lang="hu-HU"/>
           </a:p>
@@ -3043,7 +3043,7 @@
           <a:p>
             <a:fld id="{BD5193CC-C62B-423D-A098-867CDE0A1E84}" type="datetimeFigureOut">
               <a:rPr lang="hu-HU" smtClean="0"/>
-              <a:t>2022.09.15.</a:t>
+              <a:t>2022.09.19.</a:t>
             </a:fld>
             <a:endParaRPr lang="hu-HU"/>
           </a:p>
@@ -3223,7 +3223,7 @@
           <a:p>
             <a:fld id="{BD5193CC-C62B-423D-A098-867CDE0A1E84}" type="datetimeFigureOut">
               <a:rPr lang="hu-HU" smtClean="0"/>
-              <a:t>2022.09.15.</a:t>
+              <a:t>2022.09.19.</a:t>
             </a:fld>
             <a:endParaRPr lang="hu-HU"/>
           </a:p>
@@ -3393,7 +3393,7 @@
           <a:p>
             <a:fld id="{BD5193CC-C62B-423D-A098-867CDE0A1E84}" type="datetimeFigureOut">
               <a:rPr lang="hu-HU" smtClean="0"/>
-              <a:t>2022.09.15.</a:t>
+              <a:t>2022.09.19.</a:t>
             </a:fld>
             <a:endParaRPr lang="hu-HU"/>
           </a:p>
@@ -3640,7 +3640,7 @@
           <a:p>
             <a:fld id="{BD5193CC-C62B-423D-A098-867CDE0A1E84}" type="datetimeFigureOut">
               <a:rPr lang="hu-HU" smtClean="0"/>
-              <a:t>2022.09.15.</a:t>
+              <a:t>2022.09.19.</a:t>
             </a:fld>
             <a:endParaRPr lang="hu-HU"/>
           </a:p>
@@ -3932,7 +3932,7 @@
           <a:p>
             <a:fld id="{BD5193CC-C62B-423D-A098-867CDE0A1E84}" type="datetimeFigureOut">
               <a:rPr lang="hu-HU" smtClean="0"/>
-              <a:t>2022.09.15.</a:t>
+              <a:t>2022.09.19.</a:t>
             </a:fld>
             <a:endParaRPr lang="hu-HU"/>
           </a:p>
@@ -4376,7 +4376,7 @@
           <a:p>
             <a:fld id="{BD5193CC-C62B-423D-A098-867CDE0A1E84}" type="datetimeFigureOut">
               <a:rPr lang="hu-HU" smtClean="0"/>
-              <a:t>2022.09.15.</a:t>
+              <a:t>2022.09.19.</a:t>
             </a:fld>
             <a:endParaRPr lang="hu-HU"/>
           </a:p>
@@ -4494,7 +4494,7 @@
           <a:p>
             <a:fld id="{BD5193CC-C62B-423D-A098-867CDE0A1E84}" type="datetimeFigureOut">
               <a:rPr lang="hu-HU" smtClean="0"/>
-              <a:t>2022.09.15.</a:t>
+              <a:t>2022.09.19.</a:t>
             </a:fld>
             <a:endParaRPr lang="hu-HU"/>
           </a:p>
@@ -4589,7 +4589,7 @@
           <a:p>
             <a:fld id="{BD5193CC-C62B-423D-A098-867CDE0A1E84}" type="datetimeFigureOut">
               <a:rPr lang="hu-HU" smtClean="0"/>
-              <a:t>2022.09.15.</a:t>
+              <a:t>2022.09.19.</a:t>
             </a:fld>
             <a:endParaRPr lang="hu-HU"/>
           </a:p>
@@ -4868,7 +4868,7 @@
           <a:p>
             <a:fld id="{BD5193CC-C62B-423D-A098-867CDE0A1E84}" type="datetimeFigureOut">
               <a:rPr lang="hu-HU" smtClean="0"/>
-              <a:t>2022.09.15.</a:t>
+              <a:t>2022.09.19.</a:t>
             </a:fld>
             <a:endParaRPr lang="hu-HU"/>
           </a:p>
@@ -5143,7 +5143,7 @@
           <a:p>
             <a:fld id="{BD5193CC-C62B-423D-A098-867CDE0A1E84}" type="datetimeFigureOut">
               <a:rPr lang="hu-HU" smtClean="0"/>
-              <a:t>2022.09.15.</a:t>
+              <a:t>2022.09.19.</a:t>
             </a:fld>
             <a:endParaRPr lang="hu-HU"/>
           </a:p>
@@ -5572,7 +5572,7 @@
           <a:p>
             <a:fld id="{BD5193CC-C62B-423D-A098-867CDE0A1E84}" type="datetimeFigureOut">
               <a:rPr lang="hu-HU" smtClean="0"/>
-              <a:t>2022.09.15.</a:t>
+              <a:t>2022.09.19.</a:t>
             </a:fld>
             <a:endParaRPr lang="hu-HU"/>
           </a:p>
@@ -6660,8 +6660,8 @@
         </p:nvSpPr>
         <p:spPr>
           <a:xfrm>
-            <a:off x="838200" y="631825"/>
-            <a:ext cx="4368800" cy="968375"/>
+            <a:off x="838199" y="631825"/>
+            <a:ext cx="7946571" cy="968375"/>
           </a:xfrm>
         </p:spPr>
         <p:txBody>
@@ -6670,7 +6670,7 @@
           <a:p>
             <a:r>
               <a:rPr lang="hu-HU" dirty="0" smtClean="0"/>
-              <a:t>Vírusok működése</a:t>
+              <a:t>Vírusok észlelése</a:t>
             </a:r>
             <a:endParaRPr lang="hu-HU" dirty="0"/>
           </a:p>
@@ -6686,15 +6686,134 @@
             <p:ph idx="1"/>
           </p:nvPr>
         </p:nvSpPr>
-        <p:spPr/>
-        <p:txBody>
-          <a:bodyPr/>
+        <p:spPr>
+          <a:xfrm>
+            <a:off x="838199" y="1846089"/>
+            <a:ext cx="7347858" cy="3433482"/>
+          </a:xfrm>
+        </p:spPr>
+        <p:txBody>
+          <a:bodyPr>
+            <a:noAutofit/>
+          </a:bodyPr>
           <a:lstStyle/>
           <a:p>
-            <a:endParaRPr lang="hu-HU" dirty="0"/>
-          </a:p>
-        </p:txBody>
-      </p:sp>
+            <a:r>
+              <a:rPr lang="hu-HU" sz="2400" dirty="0"/>
+              <a:t>Felugró </a:t>
+            </a:r>
+            <a:r>
+              <a:rPr lang="hu-HU" sz="2400" dirty="0" smtClean="0"/>
+              <a:t>ablakok</a:t>
+            </a:r>
+          </a:p>
+          <a:p>
+            <a:r>
+              <a:rPr lang="hu-HU" sz="2400" dirty="0"/>
+              <a:t>Folyamatosan átirányít a </a:t>
+            </a:r>
+            <a:r>
+              <a:rPr lang="hu-HU" sz="2400" dirty="0" smtClean="0"/>
+              <a:t>böngészőnk</a:t>
+            </a:r>
+          </a:p>
+          <a:p>
+            <a:r>
+              <a:rPr lang="hu-HU" sz="2400" dirty="0"/>
+              <a:t>Letiltott </a:t>
+            </a:r>
+            <a:r>
+              <a:rPr lang="hu-HU" sz="2400" dirty="0" smtClean="0"/>
+              <a:t>rendszereszközök</a:t>
+            </a:r>
+          </a:p>
+          <a:p>
+            <a:r>
+              <a:rPr lang="hu-HU" sz="2400" dirty="0"/>
+              <a:t>Az operációs </a:t>
+            </a:r>
+            <a:r>
+              <a:rPr lang="hu-HU" sz="2400" dirty="0" smtClean="0"/>
+              <a:t>rendszer </a:t>
+            </a:r>
+            <a:r>
+              <a:rPr lang="hu-HU" sz="2400" dirty="0"/>
+              <a:t>alacsony kapacitása </a:t>
+            </a:r>
+            <a:r>
+              <a:rPr lang="hu-HU" sz="2400" dirty="0" smtClean="0"/>
+              <a:t>(RAM)</a:t>
+            </a:r>
+          </a:p>
+          <a:p>
+            <a:r>
+              <a:rPr lang="hu-HU" sz="2400" dirty="0"/>
+              <a:t>Deaktivált </a:t>
+            </a:r>
+            <a:r>
+              <a:rPr lang="hu-HU" sz="2400" dirty="0" smtClean="0"/>
+              <a:t>Antivirus</a:t>
+            </a:r>
+            <a:r>
+              <a:rPr lang="hu-HU" sz="2400" dirty="0"/>
+              <a:t> az Ön tudta </a:t>
+            </a:r>
+            <a:r>
+              <a:rPr lang="hu-HU" sz="2400" dirty="0" smtClean="0"/>
+              <a:t>nélkül</a:t>
+            </a:r>
+          </a:p>
+          <a:p>
+            <a:r>
+              <a:rPr lang="hu-HU" sz="2400" dirty="0"/>
+              <a:t>Előugró ablakok, hirdetések, furcsa hangok</a:t>
+            </a:r>
+          </a:p>
+        </p:txBody>
+      </p:sp>
+      <p:pic>
+        <p:nvPicPr>
+          <p:cNvPr id="4" name="Kép 3"/>
+          <p:cNvPicPr>
+            <a:picLocks noChangeAspect="1"/>
+          </p:cNvPicPr>
+          <p:nvPr/>
+        </p:nvPicPr>
+        <p:blipFill>
+          <a:blip r:embed="rId2">
+            <a:extLst>
+              <a:ext uri="{28A0092B-C50C-407E-A947-70E740481C1C}">
+                <a14:useLocalDpi xmlns:a14="http://schemas.microsoft.com/office/drawing/2010/main" val="0"/>
+              </a:ext>
+            </a:extLst>
+          </a:blip>
+          <a:stretch>
+            <a:fillRect/>
+          </a:stretch>
+        </p:blipFill>
+        <p:spPr>
+          <a:xfrm>
+            <a:off x="8186057" y="1426029"/>
+            <a:ext cx="2873829" cy="3768235"/>
+          </a:xfrm>
+          <a:prstGeom prst="roundRect">
+            <a:avLst>
+              <a:gd name="adj" fmla="val 8594"/>
+            </a:avLst>
+          </a:prstGeom>
+          <a:solidFill>
+            <a:srgbClr val="FFFFFF">
+              <a:shade val="85000"/>
+            </a:srgbClr>
+          </a:solidFill>
+          <a:ln>
+            <a:noFill/>
+          </a:ln>
+          <a:effectLst>
+            <a:reflection blurRad="12700" stA="38000" endPos="28000" dist="5000" dir="5400000" sy="-100000" algn="bl" rotWithShape="0"/>
+          </a:effectLst>
+        </p:spPr>
+      </p:pic>
     </p:spTree>
     <p:extLst>
       <p:ext uri="{BB962C8B-B14F-4D97-AF65-F5344CB8AC3E}">
